--- a/IDS.pptx
+++ b/IDS.pptx
@@ -10,10 +10,19 @@
     <p:sldId id="258" r:id="rId4"/>
     <p:sldId id="259" r:id="rId5"/>
     <p:sldId id="260" r:id="rId6"/>
-    <p:sldId id="261" r:id="rId7"/>
-    <p:sldId id="262" r:id="rId8"/>
-    <p:sldId id="263" r:id="rId9"/>
-    <p:sldId id="264" r:id="rId10"/>
+    <p:sldId id="265" r:id="rId7"/>
+    <p:sldId id="266" r:id="rId8"/>
+    <p:sldId id="267" r:id="rId9"/>
+    <p:sldId id="268" r:id="rId10"/>
+    <p:sldId id="269" r:id="rId11"/>
+    <p:sldId id="261" r:id="rId12"/>
+    <p:sldId id="270" r:id="rId13"/>
+    <p:sldId id="262" r:id="rId14"/>
+    <p:sldId id="271" r:id="rId15"/>
+    <p:sldId id="263" r:id="rId16"/>
+    <p:sldId id="272" r:id="rId17"/>
+    <p:sldId id="264" r:id="rId18"/>
+    <p:sldId id="273" r:id="rId19"/>
   </p:sldIdLst>
   <p:sldSz cx="12192000" cy="6858000"/>
   <p:notesSz cx="6858000" cy="9144000"/>
@@ -112,6 +121,11 @@
       </a:defRPr>
     </a:lvl9pPr>
   </p:defaultTextStyle>
+  <p:extLst>
+    <p:ext uri="{EFAFB233-063F-42B5-8137-9DF3F51BA10A}">
+      <p15:sldGuideLst xmlns:p15="http://schemas.microsoft.com/office/powerpoint/2012/main"/>
+    </p:ext>
+  </p:extLst>
 </p:presentation>
 </file>
 
@@ -618,7 +632,7 @@
             <a:fld id="{B61BEF0D-F0BB-DE4B-95CE-6DB70DBA9567}" type="datetimeFigureOut">
               <a:rPr lang="en-US" dirty="0"/>
               <a:pPr/>
-              <a:t>11/10/2019</a:t>
+              <a:t>11/16/2019</a:t>
             </a:fld>
             <a:endParaRPr lang="en-US" dirty="0"/>
           </a:p>
@@ -911,7 +925,7 @@
             <a:fld id="{B61BEF0D-F0BB-DE4B-95CE-6DB70DBA9567}" type="datetimeFigureOut">
               <a:rPr lang="en-US" dirty="0"/>
               <a:pPr/>
-              <a:t>11/10/2019</a:t>
+              <a:t>11/16/2019</a:t>
             </a:fld>
             <a:endParaRPr lang="en-US" dirty="0"/>
           </a:p>
@@ -1156,7 +1170,7 @@
             <a:fld id="{B61BEF0D-F0BB-DE4B-95CE-6DB70DBA9567}" type="datetimeFigureOut">
               <a:rPr lang="en-US" dirty="0"/>
               <a:pPr/>
-              <a:t>11/10/2019</a:t>
+              <a:t>11/16/2019</a:t>
             </a:fld>
             <a:endParaRPr lang="en-US" dirty="0"/>
           </a:p>
@@ -1693,7 +1707,7 @@
             <a:fld id="{B61BEF0D-F0BB-DE4B-95CE-6DB70DBA9567}" type="datetimeFigureOut">
               <a:rPr lang="en-US" dirty="0"/>
               <a:pPr/>
-              <a:t>11/10/2019</a:t>
+              <a:t>11/16/2019</a:t>
             </a:fld>
             <a:endParaRPr lang="en-US" dirty="0"/>
           </a:p>
@@ -1938,7 +1952,7 @@
             <a:fld id="{B61BEF0D-F0BB-DE4B-95CE-6DB70DBA9567}" type="datetimeFigureOut">
               <a:rPr lang="en-US" dirty="0"/>
               <a:pPr/>
-              <a:t>11/10/2019</a:t>
+              <a:t>11/16/2019</a:t>
             </a:fld>
             <a:endParaRPr lang="en-US" dirty="0"/>
           </a:p>
@@ -2467,7 +2481,7 @@
             <a:fld id="{B61BEF0D-F0BB-DE4B-95CE-6DB70DBA9567}" type="datetimeFigureOut">
               <a:rPr lang="en-US" dirty="0"/>
               <a:pPr/>
-              <a:t>11/10/2019</a:t>
+              <a:t>11/16/2019</a:t>
             </a:fld>
             <a:endParaRPr lang="en-US" dirty="0"/>
           </a:p>
@@ -2761,7 +2775,7 @@
             <a:fld id="{B61BEF0D-F0BB-DE4B-95CE-6DB70DBA9567}" type="datetimeFigureOut">
               <a:rPr lang="en-US" dirty="0"/>
               <a:pPr/>
-              <a:t>11/10/2019</a:t>
+              <a:t>11/16/2019</a:t>
             </a:fld>
             <a:endParaRPr lang="en-US" dirty="0"/>
           </a:p>
@@ -2932,7 +2946,7 @@
             <a:fld id="{B61BEF0D-F0BB-DE4B-95CE-6DB70DBA9567}" type="datetimeFigureOut">
               <a:rPr lang="en-US" dirty="0"/>
               <a:pPr/>
-              <a:t>11/10/2019</a:t>
+              <a:t>11/16/2019</a:t>
             </a:fld>
             <a:endParaRPr lang="en-US" dirty="0"/>
           </a:p>
@@ -3109,7 +3123,7 @@
             <a:fld id="{B61BEF0D-F0BB-DE4B-95CE-6DB70DBA9567}" type="datetimeFigureOut">
               <a:rPr lang="en-US" dirty="0"/>
               <a:pPr/>
-              <a:t>11/10/2019</a:t>
+              <a:t>11/16/2019</a:t>
             </a:fld>
             <a:endParaRPr lang="en-US" dirty="0"/>
           </a:p>
@@ -3276,7 +3290,7 @@
             <a:fld id="{B61BEF0D-F0BB-DE4B-95CE-6DB70DBA9567}" type="datetimeFigureOut">
               <a:rPr lang="en-US" dirty="0"/>
               <a:pPr/>
-              <a:t>11/10/2019</a:t>
+              <a:t>11/16/2019</a:t>
             </a:fld>
             <a:endParaRPr lang="en-US" dirty="0"/>
           </a:p>
@@ -3524,7 +3538,7 @@
             <a:fld id="{B61BEF0D-F0BB-DE4B-95CE-6DB70DBA9567}" type="datetimeFigureOut">
               <a:rPr lang="en-US" dirty="0"/>
               <a:pPr/>
-              <a:t>11/10/2019</a:t>
+              <a:t>11/16/2019</a:t>
             </a:fld>
             <a:endParaRPr lang="en-US" dirty="0"/>
           </a:p>
@@ -3818,7 +3832,7 @@
             <a:fld id="{B61BEF0D-F0BB-DE4B-95CE-6DB70DBA9567}" type="datetimeFigureOut">
               <a:rPr lang="en-US" dirty="0"/>
               <a:pPr/>
-              <a:t>11/10/2019</a:t>
+              <a:t>11/16/2019</a:t>
             </a:fld>
             <a:endParaRPr lang="en-US" dirty="0"/>
           </a:p>
@@ -4257,7 +4271,7 @@
             <a:fld id="{B61BEF0D-F0BB-DE4B-95CE-6DB70DBA9567}" type="datetimeFigureOut">
               <a:rPr lang="en-US" dirty="0"/>
               <a:pPr/>
-              <a:t>11/10/2019</a:t>
+              <a:t>11/16/2019</a:t>
             </a:fld>
             <a:endParaRPr lang="en-US" dirty="0"/>
           </a:p>
@@ -4372,7 +4386,7 @@
             <a:fld id="{B61BEF0D-F0BB-DE4B-95CE-6DB70DBA9567}" type="datetimeFigureOut">
               <a:rPr lang="en-US" dirty="0"/>
               <a:pPr/>
-              <a:t>11/10/2019</a:t>
+              <a:t>11/16/2019</a:t>
             </a:fld>
             <a:endParaRPr lang="en-US" dirty="0"/>
           </a:p>
@@ -4464,7 +4478,7 @@
             <a:fld id="{B61BEF0D-F0BB-DE4B-95CE-6DB70DBA9567}" type="datetimeFigureOut">
               <a:rPr lang="en-US" dirty="0"/>
               <a:pPr/>
-              <a:t>11/10/2019</a:t>
+              <a:t>11/16/2019</a:t>
             </a:fld>
             <a:endParaRPr lang="en-US" dirty="0"/>
           </a:p>
@@ -4744,7 +4758,7 @@
             <a:fld id="{B61BEF0D-F0BB-DE4B-95CE-6DB70DBA9567}" type="datetimeFigureOut">
               <a:rPr lang="en-US" dirty="0"/>
               <a:pPr/>
-              <a:t>11/10/2019</a:t>
+              <a:t>11/16/2019</a:t>
             </a:fld>
             <a:endParaRPr lang="en-US" dirty="0"/>
           </a:p>
@@ -5032,7 +5046,7 @@
             <a:fld id="{B61BEF0D-F0BB-DE4B-95CE-6DB70DBA9567}" type="datetimeFigureOut">
               <a:rPr lang="en-US" dirty="0"/>
               <a:pPr/>
-              <a:t>11/10/2019</a:t>
+              <a:t>11/16/2019</a:t>
             </a:fld>
             <a:endParaRPr lang="en-US" dirty="0"/>
           </a:p>
@@ -5559,7 +5573,7 @@
             <a:fld id="{B61BEF0D-F0BB-DE4B-95CE-6DB70DBA9567}" type="datetimeFigureOut">
               <a:rPr lang="en-US" dirty="0"/>
               <a:pPr/>
-              <a:t>11/10/2019</a:t>
+              <a:t>11/16/2019</a:t>
             </a:fld>
             <a:endParaRPr lang="en-US" dirty="0"/>
           </a:p>
@@ -6151,6 +6165,1112 @@
 </p:sld>
 </file>
 
+<file path=ppt/slides/slide10.xml><?xml version="1.0" encoding="utf-8"?>
+<p:sld xmlns:a="http://schemas.openxmlformats.org/drawingml/2006/main" xmlns:r="http://schemas.openxmlformats.org/officeDocument/2006/relationships" xmlns:p="http://schemas.openxmlformats.org/presentationml/2006/main">
+  <p:cSld>
+    <p:spTree>
+      <p:nvGrpSpPr>
+        <p:cNvPr id="1" name=""/>
+        <p:cNvGrpSpPr/>
+        <p:nvPr/>
+      </p:nvGrpSpPr>
+      <p:grpSpPr>
+        <a:xfrm>
+          <a:off x="0" y="0"/>
+          <a:ext cx="0" cy="0"/>
+          <a:chOff x="0" y="0"/>
+          <a:chExt cx="0" cy="0"/>
+        </a:xfrm>
+      </p:grpSpPr>
+      <p:sp>
+        <p:nvSpPr>
+          <p:cNvPr id="2" name="Title 1"/>
+          <p:cNvSpPr>
+            <a:spLocks noGrp="1"/>
+          </p:cNvSpPr>
+          <p:nvPr>
+            <p:ph type="title"/>
+          </p:nvPr>
+        </p:nvSpPr>
+        <p:spPr>
+          <a:xfrm>
+            <a:off x="1475603" y="102326"/>
+            <a:ext cx="10018713" cy="698863"/>
+          </a:xfrm>
+        </p:spPr>
+        <p:txBody>
+          <a:bodyPr>
+            <a:normAutofit fontScale="90000"/>
+          </a:bodyPr>
+          <a:lstStyle/>
+          <a:p>
+            <a:r>
+              <a:rPr lang="en-IN" dirty="0" smtClean="0"/>
+              <a:t>After cleaning (size)</a:t>
+            </a:r>
+            <a:endParaRPr lang="en-IN" dirty="0"/>
+          </a:p>
+        </p:txBody>
+      </p:sp>
+      <p:sp>
+        <p:nvSpPr>
+          <p:cNvPr id="11" name="TextBox 10"/>
+          <p:cNvSpPr txBox="1"/>
+          <p:nvPr/>
+        </p:nvSpPr>
+        <p:spPr>
+          <a:xfrm>
+            <a:off x="6897189" y="1254034"/>
+            <a:ext cx="2749792" cy="369332"/>
+          </a:xfrm>
+          <a:prstGeom prst="rect">
+            <a:avLst/>
+          </a:prstGeom>
+          <a:noFill/>
+        </p:spPr>
+        <p:txBody>
+          <a:bodyPr wrap="none" rtlCol="0">
+            <a:spAutoFit/>
+          </a:bodyPr>
+          <a:lstStyle/>
+          <a:p>
+            <a:r>
+              <a:rPr lang="en-IN" dirty="0" smtClean="0"/>
+              <a:t>Replaced ‘Varies’ with NaN</a:t>
+            </a:r>
+            <a:endParaRPr lang="en-IN" dirty="0"/>
+          </a:p>
+        </p:txBody>
+      </p:sp>
+      <p:sp>
+        <p:nvSpPr>
+          <p:cNvPr id="12" name="TextBox 11"/>
+          <p:cNvSpPr txBox="1"/>
+          <p:nvPr/>
+        </p:nvSpPr>
+        <p:spPr>
+          <a:xfrm>
+            <a:off x="4014652" y="5083628"/>
+            <a:ext cx="2090957" cy="369332"/>
+          </a:xfrm>
+          <a:prstGeom prst="rect">
+            <a:avLst/>
+          </a:prstGeom>
+          <a:noFill/>
+        </p:spPr>
+        <p:txBody>
+          <a:bodyPr wrap="none" rtlCol="0">
+            <a:spAutoFit/>
+          </a:bodyPr>
+          <a:lstStyle/>
+          <a:p>
+            <a:r>
+              <a:rPr lang="en-IN" dirty="0" smtClean="0"/>
+              <a:t>Removed ‘M’ and ‘k’</a:t>
+            </a:r>
+            <a:endParaRPr lang="en-IN" dirty="0"/>
+          </a:p>
+        </p:txBody>
+      </p:sp>
+      <p:pic>
+        <p:nvPicPr>
+          <p:cNvPr id="4" name="Content Placeholder 3"/>
+          <p:cNvPicPr>
+            <a:picLocks noGrp="1" noChangeAspect="1"/>
+          </p:cNvPicPr>
+          <p:nvPr>
+            <p:ph idx="1"/>
+          </p:nvPr>
+        </p:nvPicPr>
+        <p:blipFill>
+          <a:blip r:embed="rId2">
+            <a:extLst>
+              <a:ext uri="{28A0092B-C50C-407E-A947-70E740481C1C}">
+                <a14:useLocalDpi xmlns:a14="http://schemas.microsoft.com/office/drawing/2010/main" val="0"/>
+              </a:ext>
+            </a:extLst>
+          </a:blip>
+          <a:stretch>
+            <a:fillRect/>
+          </a:stretch>
+        </p:blipFill>
+        <p:spPr>
+          <a:xfrm>
+            <a:off x="1343056" y="986245"/>
+            <a:ext cx="5554133" cy="3124200"/>
+          </a:xfrm>
+        </p:spPr>
+      </p:pic>
+      <p:pic>
+        <p:nvPicPr>
+          <p:cNvPr id="5" name="Picture 4"/>
+          <p:cNvPicPr>
+            <a:picLocks noChangeAspect="1"/>
+          </p:cNvPicPr>
+          <p:nvPr/>
+        </p:nvPicPr>
+        <p:blipFill>
+          <a:blip r:embed="rId3">
+            <a:extLst>
+              <a:ext uri="{28A0092B-C50C-407E-A947-70E740481C1C}">
+                <a14:useLocalDpi xmlns:a14="http://schemas.microsoft.com/office/drawing/2010/main" val="0"/>
+              </a:ext>
+            </a:extLst>
+          </a:blip>
+          <a:stretch>
+            <a:fillRect/>
+          </a:stretch>
+        </p:blipFill>
+        <p:spPr>
+          <a:xfrm>
+            <a:off x="6383383" y="3517054"/>
+            <a:ext cx="5712823" cy="3213463"/>
+          </a:xfrm>
+          <a:prstGeom prst="rect">
+            <a:avLst/>
+          </a:prstGeom>
+        </p:spPr>
+      </p:pic>
+    </p:spTree>
+    <p:extLst>
+      <p:ext uri="{BB962C8B-B14F-4D97-AF65-F5344CB8AC3E}">
+        <p14:creationId xmlns:p14="http://schemas.microsoft.com/office/powerpoint/2010/main" val="4294107380"/>
+      </p:ext>
+    </p:extLst>
+  </p:cSld>
+  <p:clrMapOvr>
+    <a:masterClrMapping/>
+  </p:clrMapOvr>
+</p:sld>
+</file>
+
+<file path=ppt/slides/slide11.xml><?xml version="1.0" encoding="utf-8"?>
+<p:sld xmlns:a="http://schemas.openxmlformats.org/drawingml/2006/main" xmlns:r="http://schemas.openxmlformats.org/officeDocument/2006/relationships" xmlns:p="http://schemas.openxmlformats.org/presentationml/2006/main">
+  <p:cSld>
+    <p:spTree>
+      <p:nvGrpSpPr>
+        <p:cNvPr id="1" name=""/>
+        <p:cNvGrpSpPr/>
+        <p:nvPr/>
+      </p:nvGrpSpPr>
+      <p:grpSpPr>
+        <a:xfrm>
+          <a:off x="0" y="0"/>
+          <a:ext cx="0" cy="0"/>
+          <a:chOff x="0" y="0"/>
+          <a:chExt cx="0" cy="0"/>
+        </a:xfrm>
+      </p:grpSpPr>
+      <p:sp>
+        <p:nvSpPr>
+          <p:cNvPr id="2" name="Title 1"/>
+          <p:cNvSpPr>
+            <a:spLocks noGrp="1"/>
+          </p:cNvSpPr>
+          <p:nvPr>
+            <p:ph type="title"/>
+          </p:nvPr>
+        </p:nvSpPr>
+        <p:spPr/>
+        <p:txBody>
+          <a:bodyPr/>
+          <a:lstStyle/>
+          <a:p>
+            <a:r>
+              <a:rPr lang="en-IN" dirty="0" smtClean="0"/>
+              <a:t>Data Visualisation</a:t>
+            </a:r>
+            <a:endParaRPr lang="en-IN" dirty="0"/>
+          </a:p>
+        </p:txBody>
+      </p:sp>
+      <p:sp>
+        <p:nvSpPr>
+          <p:cNvPr id="3" name="Content Placeholder 2"/>
+          <p:cNvSpPr>
+            <a:spLocks noGrp="1"/>
+          </p:cNvSpPr>
+          <p:nvPr>
+            <p:ph idx="1"/>
+          </p:nvPr>
+        </p:nvSpPr>
+        <p:spPr/>
+        <p:txBody>
+          <a:bodyPr/>
+          <a:lstStyle/>
+          <a:p>
+            <a:pPr marL="0" indent="0" algn="just">
+              <a:buNone/>
+            </a:pPr>
+            <a:r>
+              <a:rPr lang="en-IN" u="sng" dirty="0" smtClean="0"/>
+              <a:t>1. Find </a:t>
+            </a:r>
+            <a:r>
+              <a:rPr lang="en-IN" u="sng" dirty="0"/>
+              <a:t>out the most popular categories and what categories don’t have much </a:t>
+            </a:r>
+            <a:r>
+              <a:rPr lang="en-IN" u="sng" dirty="0" smtClean="0"/>
+              <a:t>competition:</a:t>
+            </a:r>
+            <a:endParaRPr lang="en-IN" u="sng" dirty="0"/>
+          </a:p>
+          <a:p>
+            <a:pPr marL="0" indent="0" algn="just">
+              <a:buNone/>
+            </a:pPr>
+            <a:endParaRPr lang="en-IN" dirty="0" smtClean="0"/>
+          </a:p>
+          <a:p>
+            <a:pPr marL="0" indent="0" algn="just">
+              <a:buNone/>
+            </a:pPr>
+            <a:r>
+              <a:rPr lang="en-IN" dirty="0" smtClean="0"/>
+              <a:t>We create a bar graph consisting of the category on the y axis, and the number of installs on the x axis</a:t>
+            </a:r>
+          </a:p>
+          <a:p>
+            <a:pPr marL="0" indent="0" algn="just">
+              <a:buNone/>
+            </a:pPr>
+            <a:r>
+              <a:rPr lang="en-IN" dirty="0" smtClean="0"/>
+              <a:t>From this we see that Family, Games, and Tools are the most popular categories, in that order.</a:t>
+            </a:r>
+            <a:endParaRPr lang="en-IN" dirty="0"/>
+          </a:p>
+        </p:txBody>
+      </p:sp>
+    </p:spTree>
+    <p:extLst>
+      <p:ext uri="{BB962C8B-B14F-4D97-AF65-F5344CB8AC3E}">
+        <p14:creationId xmlns:p14="http://schemas.microsoft.com/office/powerpoint/2010/main" val="235932798"/>
+      </p:ext>
+    </p:extLst>
+  </p:cSld>
+  <p:clrMapOvr>
+    <a:masterClrMapping/>
+  </p:clrMapOvr>
+</p:sld>
+</file>
+
+<file path=ppt/slides/slide12.xml><?xml version="1.0" encoding="utf-8"?>
+<p:sld xmlns:a="http://schemas.openxmlformats.org/drawingml/2006/main" xmlns:r="http://schemas.openxmlformats.org/officeDocument/2006/relationships" xmlns:p="http://schemas.openxmlformats.org/presentationml/2006/main">
+  <p:cSld>
+    <p:spTree>
+      <p:nvGrpSpPr>
+        <p:cNvPr id="1" name=""/>
+        <p:cNvGrpSpPr/>
+        <p:nvPr/>
+      </p:nvGrpSpPr>
+      <p:grpSpPr>
+        <a:xfrm>
+          <a:off x="0" y="0"/>
+          <a:ext cx="0" cy="0"/>
+          <a:chOff x="0" y="0"/>
+          <a:chExt cx="0" cy="0"/>
+        </a:xfrm>
+      </p:grpSpPr>
+      <p:sp>
+        <p:nvSpPr>
+          <p:cNvPr id="2" name="Title 1"/>
+          <p:cNvSpPr>
+            <a:spLocks noGrp="1"/>
+          </p:cNvSpPr>
+          <p:nvPr>
+            <p:ph type="title"/>
+          </p:nvPr>
+        </p:nvSpPr>
+        <p:spPr>
+          <a:xfrm>
+            <a:off x="1475603" y="102326"/>
+            <a:ext cx="10018713" cy="698863"/>
+          </a:xfrm>
+        </p:spPr>
+        <p:txBody>
+          <a:bodyPr>
+            <a:normAutofit fontScale="90000"/>
+          </a:bodyPr>
+          <a:lstStyle/>
+          <a:p>
+            <a:r>
+              <a:rPr lang="en-IN" dirty="0" smtClean="0"/>
+              <a:t>Data Visualisation</a:t>
+            </a:r>
+            <a:endParaRPr lang="en-IN" dirty="0"/>
+          </a:p>
+        </p:txBody>
+      </p:sp>
+      <p:sp>
+        <p:nvSpPr>
+          <p:cNvPr id="12" name="TextBox 11"/>
+          <p:cNvSpPr txBox="1"/>
+          <p:nvPr/>
+        </p:nvSpPr>
+        <p:spPr>
+          <a:xfrm>
+            <a:off x="4014652" y="5083628"/>
+            <a:ext cx="1951496" cy="369332"/>
+          </a:xfrm>
+          <a:prstGeom prst="rect">
+            <a:avLst/>
+          </a:prstGeom>
+          <a:noFill/>
+        </p:spPr>
+        <p:txBody>
+          <a:bodyPr wrap="none" rtlCol="0">
+            <a:spAutoFit/>
+          </a:bodyPr>
+          <a:lstStyle/>
+          <a:p>
+            <a:r>
+              <a:rPr lang="en-IN" dirty="0" smtClean="0"/>
+              <a:t>Removed commas</a:t>
+            </a:r>
+            <a:endParaRPr lang="en-IN" dirty="0"/>
+          </a:p>
+        </p:txBody>
+      </p:sp>
+      <p:pic>
+        <p:nvPicPr>
+          <p:cNvPr id="5" name="Content Placeholder 4"/>
+          <p:cNvPicPr>
+            <a:picLocks noGrp="1" noChangeAspect="1"/>
+          </p:cNvPicPr>
+          <p:nvPr>
+            <p:ph idx="1"/>
+          </p:nvPr>
+        </p:nvPicPr>
+        <p:blipFill>
+          <a:blip r:embed="rId2">
+            <a:extLst>
+              <a:ext uri="{28A0092B-C50C-407E-A947-70E740481C1C}">
+                <a14:useLocalDpi xmlns:a14="http://schemas.microsoft.com/office/drawing/2010/main" val="0"/>
+              </a:ext>
+            </a:extLst>
+          </a:blip>
+          <a:stretch>
+            <a:fillRect/>
+          </a:stretch>
+        </p:blipFill>
+        <p:spPr>
+          <a:xfrm>
+            <a:off x="2154908" y="966651"/>
+            <a:ext cx="8652429" cy="4978912"/>
+          </a:xfrm>
+        </p:spPr>
+      </p:pic>
+    </p:spTree>
+    <p:extLst>
+      <p:ext uri="{BB962C8B-B14F-4D97-AF65-F5344CB8AC3E}">
+        <p14:creationId xmlns:p14="http://schemas.microsoft.com/office/powerpoint/2010/main" val="3812692075"/>
+      </p:ext>
+    </p:extLst>
+  </p:cSld>
+  <p:clrMapOvr>
+    <a:masterClrMapping/>
+  </p:clrMapOvr>
+</p:sld>
+</file>
+
+<file path=ppt/slides/slide13.xml><?xml version="1.0" encoding="utf-8"?>
+<p:sld xmlns:a="http://schemas.openxmlformats.org/drawingml/2006/main" xmlns:r="http://schemas.openxmlformats.org/officeDocument/2006/relationships" xmlns:p="http://schemas.openxmlformats.org/presentationml/2006/main">
+  <p:cSld>
+    <p:spTree>
+      <p:nvGrpSpPr>
+        <p:cNvPr id="1" name=""/>
+        <p:cNvGrpSpPr/>
+        <p:nvPr/>
+      </p:nvGrpSpPr>
+      <p:grpSpPr>
+        <a:xfrm>
+          <a:off x="0" y="0"/>
+          <a:ext cx="0" cy="0"/>
+          <a:chOff x="0" y="0"/>
+          <a:chExt cx="0" cy="0"/>
+        </a:xfrm>
+      </p:grpSpPr>
+      <p:sp>
+        <p:nvSpPr>
+          <p:cNvPr id="2" name="Title 1"/>
+          <p:cNvSpPr>
+            <a:spLocks noGrp="1"/>
+          </p:cNvSpPr>
+          <p:nvPr>
+            <p:ph type="title"/>
+          </p:nvPr>
+        </p:nvSpPr>
+        <p:spPr/>
+        <p:txBody>
+          <a:bodyPr/>
+          <a:lstStyle/>
+          <a:p>
+            <a:r>
+              <a:rPr lang="en-IN" dirty="0" smtClean="0"/>
+              <a:t>Data Visualisation</a:t>
+            </a:r>
+            <a:endParaRPr lang="en-IN" dirty="0"/>
+          </a:p>
+        </p:txBody>
+      </p:sp>
+      <p:sp>
+        <p:nvSpPr>
+          <p:cNvPr id="3" name="Content Placeholder 2"/>
+          <p:cNvSpPr>
+            <a:spLocks noGrp="1"/>
+          </p:cNvSpPr>
+          <p:nvPr>
+            <p:ph idx="1"/>
+          </p:nvPr>
+        </p:nvSpPr>
+        <p:spPr/>
+        <p:txBody>
+          <a:bodyPr/>
+          <a:lstStyle/>
+          <a:p>
+            <a:pPr marL="0" indent="0" algn="just">
+              <a:buNone/>
+            </a:pPr>
+            <a:r>
+              <a:rPr lang="en-IN" u="sng" dirty="0"/>
+              <a:t>2</a:t>
+            </a:r>
+            <a:r>
+              <a:rPr lang="en-IN" u="sng" dirty="0" smtClean="0"/>
+              <a:t>. The distribution of apps and their ratings:</a:t>
+            </a:r>
+            <a:endParaRPr lang="en-IN" u="sng" dirty="0"/>
+          </a:p>
+          <a:p>
+            <a:pPr marL="0" indent="0" algn="just">
+              <a:buNone/>
+            </a:pPr>
+            <a:endParaRPr lang="en-IN" dirty="0" smtClean="0"/>
+          </a:p>
+          <a:p>
+            <a:pPr marL="0" indent="0" algn="just">
+              <a:buNone/>
+            </a:pPr>
+            <a:r>
+              <a:rPr lang="en-IN" dirty="0" smtClean="0"/>
+              <a:t>Similar to last time, we plot the number of apps on the y axis and the rating on the x axis.</a:t>
+            </a:r>
+          </a:p>
+          <a:p>
+            <a:pPr marL="0" indent="0" algn="just">
+              <a:buNone/>
+            </a:pPr>
+            <a:r>
+              <a:rPr lang="en-IN" dirty="0" smtClean="0"/>
+              <a:t>We can see that most apps lie between 4 to 5  points.</a:t>
+            </a:r>
+          </a:p>
+        </p:txBody>
+      </p:sp>
+    </p:spTree>
+    <p:extLst>
+      <p:ext uri="{BB962C8B-B14F-4D97-AF65-F5344CB8AC3E}">
+        <p14:creationId xmlns:p14="http://schemas.microsoft.com/office/powerpoint/2010/main" val="1320633045"/>
+      </p:ext>
+    </p:extLst>
+  </p:cSld>
+  <p:clrMapOvr>
+    <a:masterClrMapping/>
+  </p:clrMapOvr>
+</p:sld>
+</file>
+
+<file path=ppt/slides/slide14.xml><?xml version="1.0" encoding="utf-8"?>
+<p:sld xmlns:a="http://schemas.openxmlformats.org/drawingml/2006/main" xmlns:r="http://schemas.openxmlformats.org/officeDocument/2006/relationships" xmlns:p="http://schemas.openxmlformats.org/presentationml/2006/main">
+  <p:cSld>
+    <p:spTree>
+      <p:nvGrpSpPr>
+        <p:cNvPr id="1" name=""/>
+        <p:cNvGrpSpPr/>
+        <p:nvPr/>
+      </p:nvGrpSpPr>
+      <p:grpSpPr>
+        <a:xfrm>
+          <a:off x="0" y="0"/>
+          <a:ext cx="0" cy="0"/>
+          <a:chOff x="0" y="0"/>
+          <a:chExt cx="0" cy="0"/>
+        </a:xfrm>
+      </p:grpSpPr>
+      <p:sp>
+        <p:nvSpPr>
+          <p:cNvPr id="2" name="Title 1"/>
+          <p:cNvSpPr>
+            <a:spLocks noGrp="1"/>
+          </p:cNvSpPr>
+          <p:nvPr>
+            <p:ph type="title"/>
+          </p:nvPr>
+        </p:nvSpPr>
+        <p:spPr>
+          <a:xfrm>
+            <a:off x="1475603" y="102326"/>
+            <a:ext cx="10018713" cy="698863"/>
+          </a:xfrm>
+        </p:spPr>
+        <p:txBody>
+          <a:bodyPr>
+            <a:normAutofit fontScale="90000"/>
+          </a:bodyPr>
+          <a:lstStyle/>
+          <a:p>
+            <a:r>
+              <a:rPr lang="en-IN" dirty="0" smtClean="0"/>
+              <a:t>Data Visualisation</a:t>
+            </a:r>
+            <a:endParaRPr lang="en-IN" dirty="0"/>
+          </a:p>
+        </p:txBody>
+      </p:sp>
+      <p:sp>
+        <p:nvSpPr>
+          <p:cNvPr id="12" name="TextBox 11"/>
+          <p:cNvSpPr txBox="1"/>
+          <p:nvPr/>
+        </p:nvSpPr>
+        <p:spPr>
+          <a:xfrm>
+            <a:off x="4014652" y="5083628"/>
+            <a:ext cx="1951496" cy="369332"/>
+          </a:xfrm>
+          <a:prstGeom prst="rect">
+            <a:avLst/>
+          </a:prstGeom>
+          <a:noFill/>
+        </p:spPr>
+        <p:txBody>
+          <a:bodyPr wrap="none" rtlCol="0">
+            <a:spAutoFit/>
+          </a:bodyPr>
+          <a:lstStyle/>
+          <a:p>
+            <a:r>
+              <a:rPr lang="en-IN" dirty="0" smtClean="0"/>
+              <a:t>Removed commas</a:t>
+            </a:r>
+            <a:endParaRPr lang="en-IN" dirty="0"/>
+          </a:p>
+        </p:txBody>
+      </p:sp>
+      <p:pic>
+        <p:nvPicPr>
+          <p:cNvPr id="5" name="Content Placeholder 4"/>
+          <p:cNvPicPr>
+            <a:picLocks noGrp="1" noChangeAspect="1"/>
+          </p:cNvPicPr>
+          <p:nvPr>
+            <p:ph idx="1"/>
+          </p:nvPr>
+        </p:nvPicPr>
+        <p:blipFill>
+          <a:blip r:embed="rId2">
+            <a:extLst>
+              <a:ext uri="{28A0092B-C50C-407E-A947-70E740481C1C}">
+                <a14:useLocalDpi xmlns:a14="http://schemas.microsoft.com/office/drawing/2010/main" val="0"/>
+              </a:ext>
+            </a:extLst>
+          </a:blip>
+          <a:stretch>
+            <a:fillRect/>
+          </a:stretch>
+        </p:blipFill>
+        <p:spPr>
+          <a:xfrm>
+            <a:off x="955460" y="2111717"/>
+            <a:ext cx="5639892" cy="3664833"/>
+          </a:xfrm>
+        </p:spPr>
+      </p:pic>
+      <p:pic>
+        <p:nvPicPr>
+          <p:cNvPr id="6" name="Picture 5"/>
+          <p:cNvPicPr>
+            <a:picLocks noChangeAspect="1"/>
+          </p:cNvPicPr>
+          <p:nvPr/>
+        </p:nvPicPr>
+        <p:blipFill>
+          <a:blip r:embed="rId3">
+            <a:extLst>
+              <a:ext uri="{28A0092B-C50C-407E-A947-70E740481C1C}">
+                <a14:useLocalDpi xmlns:a14="http://schemas.microsoft.com/office/drawing/2010/main" val="0"/>
+              </a:ext>
+            </a:extLst>
+          </a:blip>
+          <a:stretch>
+            <a:fillRect/>
+          </a:stretch>
+        </p:blipFill>
+        <p:spPr>
+          <a:xfrm>
+            <a:off x="6746261" y="2111717"/>
+            <a:ext cx="5175773" cy="3664833"/>
+          </a:xfrm>
+          <a:prstGeom prst="rect">
+            <a:avLst/>
+          </a:prstGeom>
+        </p:spPr>
+      </p:pic>
+    </p:spTree>
+    <p:extLst>
+      <p:ext uri="{BB962C8B-B14F-4D97-AF65-F5344CB8AC3E}">
+        <p14:creationId xmlns:p14="http://schemas.microsoft.com/office/powerpoint/2010/main" val="2794332570"/>
+      </p:ext>
+    </p:extLst>
+  </p:cSld>
+  <p:clrMapOvr>
+    <a:masterClrMapping/>
+  </p:clrMapOvr>
+</p:sld>
+</file>
+
+<file path=ppt/slides/slide15.xml><?xml version="1.0" encoding="utf-8"?>
+<p:sld xmlns:a="http://schemas.openxmlformats.org/drawingml/2006/main" xmlns:r="http://schemas.openxmlformats.org/officeDocument/2006/relationships" xmlns:p="http://schemas.openxmlformats.org/presentationml/2006/main">
+  <p:cSld>
+    <p:spTree>
+      <p:nvGrpSpPr>
+        <p:cNvPr id="1" name=""/>
+        <p:cNvGrpSpPr/>
+        <p:nvPr/>
+      </p:nvGrpSpPr>
+      <p:grpSpPr>
+        <a:xfrm>
+          <a:off x="0" y="0"/>
+          <a:ext cx="0" cy="0"/>
+          <a:chOff x="0" y="0"/>
+          <a:chExt cx="0" cy="0"/>
+        </a:xfrm>
+      </p:grpSpPr>
+      <p:sp>
+        <p:nvSpPr>
+          <p:cNvPr id="2" name="Title 1"/>
+          <p:cNvSpPr>
+            <a:spLocks noGrp="1"/>
+          </p:cNvSpPr>
+          <p:nvPr>
+            <p:ph type="title"/>
+          </p:nvPr>
+        </p:nvSpPr>
+        <p:spPr/>
+        <p:txBody>
+          <a:bodyPr/>
+          <a:lstStyle/>
+          <a:p>
+            <a:r>
+              <a:rPr lang="en-IN" dirty="0" smtClean="0"/>
+              <a:t>Data Visualisation</a:t>
+            </a:r>
+            <a:endParaRPr lang="en-IN" dirty="0"/>
+          </a:p>
+        </p:txBody>
+      </p:sp>
+      <p:sp>
+        <p:nvSpPr>
+          <p:cNvPr id="3" name="Content Placeholder 2"/>
+          <p:cNvSpPr>
+            <a:spLocks noGrp="1"/>
+          </p:cNvSpPr>
+          <p:nvPr>
+            <p:ph idx="1"/>
+          </p:nvPr>
+        </p:nvSpPr>
+        <p:spPr/>
+        <p:txBody>
+          <a:bodyPr/>
+          <a:lstStyle/>
+          <a:p>
+            <a:pPr marL="0" indent="0" algn="just">
+              <a:buNone/>
+            </a:pPr>
+            <a:r>
+              <a:rPr lang="en-IN" u="sng" dirty="0" smtClean="0"/>
+              <a:t>3. Paid vs Free apps:</a:t>
+            </a:r>
+            <a:endParaRPr lang="en-IN" u="sng" dirty="0"/>
+          </a:p>
+          <a:p>
+            <a:pPr marL="0" indent="0" algn="just">
+              <a:buNone/>
+            </a:pPr>
+            <a:endParaRPr lang="en-IN" dirty="0" smtClean="0"/>
+          </a:p>
+          <a:p>
+            <a:pPr marL="0" indent="0" algn="just">
+              <a:buNone/>
+            </a:pPr>
+            <a:r>
+              <a:rPr lang="en-IN" dirty="0" smtClean="0"/>
+              <a:t>A simple pie chart that represents the proportion of paid vs free apps</a:t>
+            </a:r>
+          </a:p>
+          <a:p>
+            <a:pPr marL="0" indent="0" algn="just">
+              <a:buNone/>
+            </a:pPr>
+            <a:r>
+              <a:rPr lang="en-IN" dirty="0" smtClean="0"/>
+              <a:t>We can see that only 7.4% are paid, and 92.6% are free!</a:t>
+            </a:r>
+          </a:p>
+        </p:txBody>
+      </p:sp>
+    </p:spTree>
+    <p:extLst>
+      <p:ext uri="{BB962C8B-B14F-4D97-AF65-F5344CB8AC3E}">
+        <p14:creationId xmlns:p14="http://schemas.microsoft.com/office/powerpoint/2010/main" val="761408159"/>
+      </p:ext>
+    </p:extLst>
+  </p:cSld>
+  <p:clrMapOvr>
+    <a:masterClrMapping/>
+  </p:clrMapOvr>
+</p:sld>
+</file>
+
+<file path=ppt/slides/slide16.xml><?xml version="1.0" encoding="utf-8"?>
+<p:sld xmlns:a="http://schemas.openxmlformats.org/drawingml/2006/main" xmlns:r="http://schemas.openxmlformats.org/officeDocument/2006/relationships" xmlns:p="http://schemas.openxmlformats.org/presentationml/2006/main">
+  <p:cSld>
+    <p:spTree>
+      <p:nvGrpSpPr>
+        <p:cNvPr id="1" name=""/>
+        <p:cNvGrpSpPr/>
+        <p:nvPr/>
+      </p:nvGrpSpPr>
+      <p:grpSpPr>
+        <a:xfrm>
+          <a:off x="0" y="0"/>
+          <a:ext cx="0" cy="0"/>
+          <a:chOff x="0" y="0"/>
+          <a:chExt cx="0" cy="0"/>
+        </a:xfrm>
+      </p:grpSpPr>
+      <p:sp>
+        <p:nvSpPr>
+          <p:cNvPr id="2" name="Title 1"/>
+          <p:cNvSpPr>
+            <a:spLocks noGrp="1"/>
+          </p:cNvSpPr>
+          <p:nvPr>
+            <p:ph type="title"/>
+          </p:nvPr>
+        </p:nvSpPr>
+        <p:spPr>
+          <a:xfrm>
+            <a:off x="1475603" y="102326"/>
+            <a:ext cx="10018713" cy="698863"/>
+          </a:xfrm>
+        </p:spPr>
+        <p:txBody>
+          <a:bodyPr>
+            <a:normAutofit fontScale="90000"/>
+          </a:bodyPr>
+          <a:lstStyle/>
+          <a:p>
+            <a:r>
+              <a:rPr lang="en-IN" dirty="0" smtClean="0"/>
+              <a:t>Data Visualisation</a:t>
+            </a:r>
+            <a:endParaRPr lang="en-IN" dirty="0"/>
+          </a:p>
+        </p:txBody>
+      </p:sp>
+      <p:sp>
+        <p:nvSpPr>
+          <p:cNvPr id="12" name="TextBox 11"/>
+          <p:cNvSpPr txBox="1"/>
+          <p:nvPr/>
+        </p:nvSpPr>
+        <p:spPr>
+          <a:xfrm>
+            <a:off x="4014652" y="5083628"/>
+            <a:ext cx="1951496" cy="369332"/>
+          </a:xfrm>
+          <a:prstGeom prst="rect">
+            <a:avLst/>
+          </a:prstGeom>
+          <a:noFill/>
+        </p:spPr>
+        <p:txBody>
+          <a:bodyPr wrap="none" rtlCol="0">
+            <a:spAutoFit/>
+          </a:bodyPr>
+          <a:lstStyle/>
+          <a:p>
+            <a:r>
+              <a:rPr lang="en-IN" dirty="0" smtClean="0"/>
+              <a:t>Removed commas</a:t>
+            </a:r>
+            <a:endParaRPr lang="en-IN" dirty="0"/>
+          </a:p>
+        </p:txBody>
+      </p:sp>
+      <p:pic>
+        <p:nvPicPr>
+          <p:cNvPr id="5" name="Content Placeholder 4"/>
+          <p:cNvPicPr>
+            <a:picLocks noGrp="1" noChangeAspect="1"/>
+          </p:cNvPicPr>
+          <p:nvPr>
+            <p:ph idx="1"/>
+          </p:nvPr>
+        </p:nvPicPr>
+        <p:blipFill>
+          <a:blip r:embed="rId2">
+            <a:extLst>
+              <a:ext uri="{28A0092B-C50C-407E-A947-70E740481C1C}">
+                <a14:useLocalDpi xmlns:a14="http://schemas.microsoft.com/office/drawing/2010/main" val="0"/>
+              </a:ext>
+            </a:extLst>
+          </a:blip>
+          <a:stretch>
+            <a:fillRect/>
+          </a:stretch>
+        </p:blipFill>
+        <p:spPr>
+          <a:xfrm>
+            <a:off x="3587931" y="1886348"/>
+            <a:ext cx="5138058" cy="4142559"/>
+          </a:xfrm>
+        </p:spPr>
+      </p:pic>
+    </p:spTree>
+    <p:extLst>
+      <p:ext uri="{BB962C8B-B14F-4D97-AF65-F5344CB8AC3E}">
+        <p14:creationId xmlns:p14="http://schemas.microsoft.com/office/powerpoint/2010/main" val="2813208440"/>
+      </p:ext>
+    </p:extLst>
+  </p:cSld>
+  <p:clrMapOvr>
+    <a:masterClrMapping/>
+  </p:clrMapOvr>
+</p:sld>
+</file>
+
+<file path=ppt/slides/slide17.xml><?xml version="1.0" encoding="utf-8"?>
+<p:sld xmlns:a="http://schemas.openxmlformats.org/drawingml/2006/main" xmlns:r="http://schemas.openxmlformats.org/officeDocument/2006/relationships" xmlns:p="http://schemas.openxmlformats.org/presentationml/2006/main">
+  <p:cSld>
+    <p:spTree>
+      <p:nvGrpSpPr>
+        <p:cNvPr id="1" name=""/>
+        <p:cNvGrpSpPr/>
+        <p:nvPr/>
+      </p:nvGrpSpPr>
+      <p:grpSpPr>
+        <a:xfrm>
+          <a:off x="0" y="0"/>
+          <a:ext cx="0" cy="0"/>
+          <a:chOff x="0" y="0"/>
+          <a:chExt cx="0" cy="0"/>
+        </a:xfrm>
+      </p:grpSpPr>
+      <p:sp>
+        <p:nvSpPr>
+          <p:cNvPr id="2" name="Title 1"/>
+          <p:cNvSpPr>
+            <a:spLocks noGrp="1"/>
+          </p:cNvSpPr>
+          <p:nvPr>
+            <p:ph type="title"/>
+          </p:nvPr>
+        </p:nvSpPr>
+        <p:spPr/>
+        <p:txBody>
+          <a:bodyPr/>
+          <a:lstStyle/>
+          <a:p>
+            <a:r>
+              <a:rPr lang="en-IN" dirty="0" smtClean="0"/>
+              <a:t>Data Visualisation</a:t>
+            </a:r>
+            <a:endParaRPr lang="en-IN" dirty="0"/>
+          </a:p>
+        </p:txBody>
+      </p:sp>
+      <p:sp>
+        <p:nvSpPr>
+          <p:cNvPr id="3" name="Content Placeholder 2"/>
+          <p:cNvSpPr>
+            <a:spLocks noGrp="1"/>
+          </p:cNvSpPr>
+          <p:nvPr>
+            <p:ph idx="1"/>
+          </p:nvPr>
+        </p:nvSpPr>
+        <p:spPr/>
+        <p:txBody>
+          <a:bodyPr/>
+          <a:lstStyle/>
+          <a:p>
+            <a:pPr marL="0" indent="0" algn="just">
+              <a:buNone/>
+            </a:pPr>
+            <a:r>
+              <a:rPr lang="en-IN" u="sng" dirty="0" smtClean="0"/>
+              <a:t>4.Trusted App:</a:t>
+            </a:r>
+            <a:endParaRPr lang="en-IN" u="sng" dirty="0"/>
+          </a:p>
+          <a:p>
+            <a:pPr marL="0" indent="0" algn="just">
+              <a:buNone/>
+            </a:pPr>
+            <a:r>
+              <a:rPr lang="en-IN" dirty="0" smtClean="0"/>
+              <a:t>Aims to assign a score of ‘trust’ to apps to see how much you can trust the reviews, based solely on the number </a:t>
+            </a:r>
+            <a:r>
+              <a:rPr lang="en-IN" smtClean="0"/>
+              <a:t>of reviews.</a:t>
+            </a:r>
+            <a:endParaRPr lang="en-IN" dirty="0" smtClean="0"/>
+          </a:p>
+          <a:p>
+            <a:pPr marL="0" indent="0" algn="just">
+              <a:buNone/>
+            </a:pPr>
+            <a:endParaRPr lang="en-IN" dirty="0" smtClean="0"/>
+          </a:p>
+        </p:txBody>
+      </p:sp>
+    </p:spTree>
+    <p:extLst>
+      <p:ext uri="{BB962C8B-B14F-4D97-AF65-F5344CB8AC3E}">
+        <p14:creationId xmlns:p14="http://schemas.microsoft.com/office/powerpoint/2010/main" val="657522264"/>
+      </p:ext>
+    </p:extLst>
+  </p:cSld>
+  <p:clrMapOvr>
+    <a:masterClrMapping/>
+  </p:clrMapOvr>
+</p:sld>
+</file>
+
+<file path=ppt/slides/slide18.xml><?xml version="1.0" encoding="utf-8"?>
+<p:sld xmlns:a="http://schemas.openxmlformats.org/drawingml/2006/main" xmlns:r="http://schemas.openxmlformats.org/officeDocument/2006/relationships" xmlns:p="http://schemas.openxmlformats.org/presentationml/2006/main">
+  <p:cSld>
+    <p:spTree>
+      <p:nvGrpSpPr>
+        <p:cNvPr id="1" name=""/>
+        <p:cNvGrpSpPr/>
+        <p:nvPr/>
+      </p:nvGrpSpPr>
+      <p:grpSpPr>
+        <a:xfrm>
+          <a:off x="0" y="0"/>
+          <a:ext cx="0" cy="0"/>
+          <a:chOff x="0" y="0"/>
+          <a:chExt cx="0" cy="0"/>
+        </a:xfrm>
+      </p:grpSpPr>
+      <p:sp>
+        <p:nvSpPr>
+          <p:cNvPr id="2" name="Title 1"/>
+          <p:cNvSpPr>
+            <a:spLocks noGrp="1"/>
+          </p:cNvSpPr>
+          <p:nvPr>
+            <p:ph type="title"/>
+          </p:nvPr>
+        </p:nvSpPr>
+        <p:spPr>
+          <a:xfrm>
+            <a:off x="1475603" y="102326"/>
+            <a:ext cx="10018713" cy="698863"/>
+          </a:xfrm>
+        </p:spPr>
+        <p:txBody>
+          <a:bodyPr>
+            <a:normAutofit fontScale="90000"/>
+          </a:bodyPr>
+          <a:lstStyle/>
+          <a:p>
+            <a:r>
+              <a:rPr lang="en-IN" dirty="0" smtClean="0"/>
+              <a:t>Data Visualisation</a:t>
+            </a:r>
+            <a:endParaRPr lang="en-IN" dirty="0"/>
+          </a:p>
+        </p:txBody>
+      </p:sp>
+      <p:pic>
+        <p:nvPicPr>
+          <p:cNvPr id="6" name="Content Placeholder 5"/>
+          <p:cNvPicPr>
+            <a:picLocks noGrp="1" noChangeAspect="1"/>
+          </p:cNvPicPr>
+          <p:nvPr>
+            <p:ph idx="1"/>
+          </p:nvPr>
+        </p:nvPicPr>
+        <p:blipFill>
+          <a:blip r:embed="rId2">
+            <a:extLst>
+              <a:ext uri="{28A0092B-C50C-407E-A947-70E740481C1C}">
+                <a14:useLocalDpi xmlns:a14="http://schemas.microsoft.com/office/drawing/2010/main" val="0"/>
+              </a:ext>
+            </a:extLst>
+          </a:blip>
+          <a:stretch>
+            <a:fillRect/>
+          </a:stretch>
+        </p:blipFill>
+        <p:spPr>
+          <a:xfrm>
+            <a:off x="2303690" y="1936480"/>
+            <a:ext cx="2660196" cy="3409183"/>
+          </a:xfrm>
+        </p:spPr>
+      </p:pic>
+      <p:pic>
+        <p:nvPicPr>
+          <p:cNvPr id="7" name="Picture 6"/>
+          <p:cNvPicPr>
+            <a:picLocks noChangeAspect="1"/>
+          </p:cNvPicPr>
+          <p:nvPr/>
+        </p:nvPicPr>
+        <p:blipFill>
+          <a:blip r:embed="rId3">
+            <a:extLst>
+              <a:ext uri="{28A0092B-C50C-407E-A947-70E740481C1C}">
+                <a14:useLocalDpi xmlns:a14="http://schemas.microsoft.com/office/drawing/2010/main" val="0"/>
+              </a:ext>
+            </a:extLst>
+          </a:blip>
+          <a:stretch>
+            <a:fillRect/>
+          </a:stretch>
+        </p:blipFill>
+        <p:spPr>
+          <a:xfrm>
+            <a:off x="6236269" y="1936480"/>
+            <a:ext cx="4666861" cy="3405006"/>
+          </a:xfrm>
+          <a:prstGeom prst="rect">
+            <a:avLst/>
+          </a:prstGeom>
+        </p:spPr>
+      </p:pic>
+    </p:spTree>
+    <p:extLst>
+      <p:ext uri="{BB962C8B-B14F-4D97-AF65-F5344CB8AC3E}">
+        <p14:creationId xmlns:p14="http://schemas.microsoft.com/office/powerpoint/2010/main" val="521947768"/>
+      </p:ext>
+    </p:extLst>
+  </p:cSld>
+  <p:clrMapOvr>
+    <a:masterClrMapping/>
+  </p:clrMapOvr>
+</p:sld>
+</file>
+
 <file path=ppt/slides/slide2.xml><?xml version="1.0" encoding="utf-8"?>
 <p:sld xmlns:a="http://schemas.openxmlformats.org/drawingml/2006/main" xmlns:r="http://schemas.openxmlformats.org/officeDocument/2006/relationships" xmlns:p="http://schemas.openxmlformats.org/presentationml/2006/main">
   <p:cSld>
@@ -6597,82 +7717,59 @@
             <p:ph type="title"/>
           </p:nvPr>
         </p:nvSpPr>
-        <p:spPr/>
-        <p:txBody>
-          <a:bodyPr/>
+        <p:spPr>
+          <a:xfrm>
+            <a:off x="1475603" y="102326"/>
+            <a:ext cx="10018713" cy="698863"/>
+          </a:xfrm>
+        </p:spPr>
+        <p:txBody>
+          <a:bodyPr>
+            <a:normAutofit fontScale="90000"/>
+          </a:bodyPr>
           <a:lstStyle/>
           <a:p>
             <a:r>
               <a:rPr lang="en-IN" dirty="0" smtClean="0"/>
-              <a:t>Data Visualisation</a:t>
+              <a:t>Before cleaning</a:t>
             </a:r>
             <a:endParaRPr lang="en-IN" dirty="0"/>
           </a:p>
         </p:txBody>
       </p:sp>
-      <p:sp>
-        <p:nvSpPr>
-          <p:cNvPr id="3" name="Content Placeholder 2"/>
-          <p:cNvSpPr>
-            <a:spLocks noGrp="1"/>
-          </p:cNvSpPr>
+      <p:pic>
+        <p:nvPicPr>
+          <p:cNvPr id="4" name="Content Placeholder 3"/>
+          <p:cNvPicPr>
+            <a:picLocks noGrp="1" noChangeAspect="1"/>
+          </p:cNvPicPr>
           <p:nvPr>
             <p:ph idx="1"/>
           </p:nvPr>
-        </p:nvSpPr>
-        <p:spPr/>
-        <p:txBody>
-          <a:bodyPr/>
-          <a:lstStyle/>
-          <a:p>
-            <a:pPr marL="0" indent="0" algn="just">
-              <a:buNone/>
-            </a:pPr>
-            <a:r>
-              <a:rPr lang="en-IN" u="sng" dirty="0" smtClean="0"/>
-              <a:t>1. Find </a:t>
-            </a:r>
-            <a:r>
-              <a:rPr lang="en-IN" u="sng" dirty="0"/>
-              <a:t>out the most popular categories and what categories don’t have much </a:t>
-            </a:r>
-            <a:r>
-              <a:rPr lang="en-IN" u="sng" dirty="0" smtClean="0"/>
-              <a:t>competition:</a:t>
-            </a:r>
-            <a:endParaRPr lang="en-IN" u="sng" dirty="0"/>
-          </a:p>
-          <a:p>
-            <a:pPr marL="0" indent="0" algn="just">
-              <a:buNone/>
-            </a:pPr>
-            <a:endParaRPr lang="en-IN" dirty="0" smtClean="0"/>
-          </a:p>
-          <a:p>
-            <a:pPr marL="0" indent="0" algn="just">
-              <a:buNone/>
-            </a:pPr>
-            <a:r>
-              <a:rPr lang="en-IN" dirty="0" smtClean="0"/>
-              <a:t>We create a bar graph consisting of the category on the y axis, and the number of installs on the x axis</a:t>
-            </a:r>
-          </a:p>
-          <a:p>
-            <a:pPr marL="0" indent="0" algn="just">
-              <a:buNone/>
-            </a:pPr>
-            <a:r>
-              <a:rPr lang="en-IN" dirty="0" smtClean="0"/>
-              <a:t>From this we see that Family, Games, and Tools are the most popular categories, in that order.</a:t>
-            </a:r>
-            <a:endParaRPr lang="en-IN" dirty="0"/>
-          </a:p>
-        </p:txBody>
-      </p:sp>
+        </p:nvPicPr>
+        <p:blipFill>
+          <a:blip r:embed="rId2">
+            <a:extLst>
+              <a:ext uri="{28A0092B-C50C-407E-A947-70E740481C1C}">
+                <a14:useLocalDpi xmlns:a14="http://schemas.microsoft.com/office/drawing/2010/main" val="0"/>
+              </a:ext>
+            </a:extLst>
+          </a:blip>
+          <a:stretch>
+            <a:fillRect/>
+          </a:stretch>
+        </p:blipFill>
+        <p:spPr>
+          <a:xfrm>
+            <a:off x="1943428" y="1132115"/>
+            <a:ext cx="9083061" cy="5109222"/>
+          </a:xfrm>
+        </p:spPr>
+      </p:pic>
     </p:spTree>
     <p:extLst>
       <p:ext uri="{BB962C8B-B14F-4D97-AF65-F5344CB8AC3E}">
-        <p14:creationId xmlns:p14="http://schemas.microsoft.com/office/powerpoint/2010/main" val="235932798"/>
+        <p14:creationId xmlns:p14="http://schemas.microsoft.com/office/powerpoint/2010/main" val="3089947989"/>
       </p:ext>
     </p:extLst>
   </p:cSld>
@@ -6709,77 +7806,149 @@
             <p:ph type="title"/>
           </p:nvPr>
         </p:nvSpPr>
-        <p:spPr/>
-        <p:txBody>
-          <a:bodyPr/>
+        <p:spPr>
+          <a:xfrm>
+            <a:off x="1475603" y="102326"/>
+            <a:ext cx="10018713" cy="698863"/>
+          </a:xfrm>
+        </p:spPr>
+        <p:txBody>
+          <a:bodyPr>
+            <a:normAutofit fontScale="90000"/>
+          </a:bodyPr>
           <a:lstStyle/>
           <a:p>
             <a:r>
               <a:rPr lang="en-IN" dirty="0" smtClean="0"/>
-              <a:t>Data Visualisation</a:t>
+              <a:t>After cleaning (installs)</a:t>
             </a:r>
             <a:endParaRPr lang="en-IN" dirty="0"/>
           </a:p>
         </p:txBody>
       </p:sp>
-      <p:sp>
-        <p:nvSpPr>
-          <p:cNvPr id="3" name="Content Placeholder 2"/>
-          <p:cNvSpPr>
-            <a:spLocks noGrp="1"/>
-          </p:cNvSpPr>
+      <p:pic>
+        <p:nvPicPr>
+          <p:cNvPr id="9" name="Content Placeholder 8"/>
+          <p:cNvPicPr>
+            <a:picLocks noGrp="1" noChangeAspect="1"/>
+          </p:cNvPicPr>
           <p:nvPr>
             <p:ph idx="1"/>
           </p:nvPr>
-        </p:nvSpPr>
-        <p:spPr/>
-        <p:txBody>
-          <a:bodyPr/>
-          <a:lstStyle/>
-          <a:p>
-            <a:pPr marL="0" indent="0" algn="just">
-              <a:buNone/>
-            </a:pPr>
-            <a:r>
-              <a:rPr lang="en-IN" u="sng" dirty="0"/>
-              <a:t>2</a:t>
-            </a:r>
-            <a:r>
-              <a:rPr lang="en-IN" u="sng" dirty="0" smtClean="0"/>
-              <a:t>. The distribution of apps and their ratings:</a:t>
-            </a:r>
-            <a:endParaRPr lang="en-IN" u="sng" dirty="0"/>
-          </a:p>
-          <a:p>
-            <a:pPr marL="0" indent="0" algn="just">
-              <a:buNone/>
-            </a:pPr>
-            <a:endParaRPr lang="en-IN" dirty="0" smtClean="0"/>
-          </a:p>
-          <a:p>
-            <a:pPr marL="0" indent="0" algn="just">
-              <a:buNone/>
-            </a:pPr>
+        </p:nvPicPr>
+        <p:blipFill>
+          <a:blip r:embed="rId2">
+            <a:extLst>
+              <a:ext uri="{28A0092B-C50C-407E-A947-70E740481C1C}">
+                <a14:useLocalDpi xmlns:a14="http://schemas.microsoft.com/office/drawing/2010/main" val="0"/>
+              </a:ext>
+            </a:extLst>
+          </a:blip>
+          <a:stretch>
+            <a:fillRect/>
+          </a:stretch>
+        </p:blipFill>
+        <p:spPr>
+          <a:xfrm>
+            <a:off x="111254" y="890452"/>
+            <a:ext cx="6544974" cy="3681548"/>
+          </a:xfrm>
+        </p:spPr>
+      </p:pic>
+      <p:pic>
+        <p:nvPicPr>
+          <p:cNvPr id="10" name="Picture 9"/>
+          <p:cNvPicPr>
+            <a:picLocks noChangeAspect="1"/>
+          </p:cNvPicPr>
+          <p:nvPr/>
+        </p:nvPicPr>
+        <p:blipFill>
+          <a:blip r:embed="rId3">
+            <a:extLst>
+              <a:ext uri="{28A0092B-C50C-407E-A947-70E740481C1C}">
+                <a14:useLocalDpi xmlns:a14="http://schemas.microsoft.com/office/drawing/2010/main" val="0"/>
+              </a:ext>
+            </a:extLst>
+          </a:blip>
+          <a:stretch>
+            <a:fillRect/>
+          </a:stretch>
+        </p:blipFill>
+        <p:spPr>
+          <a:xfrm>
+            <a:off x="6031147" y="3378926"/>
+            <a:ext cx="6061165" cy="3409405"/>
+          </a:xfrm>
+          <a:prstGeom prst="rect">
+            <a:avLst/>
+          </a:prstGeom>
+        </p:spPr>
+      </p:pic>
+      <p:sp>
+        <p:nvSpPr>
+          <p:cNvPr id="11" name="TextBox 10"/>
+          <p:cNvSpPr txBox="1"/>
+          <p:nvPr/>
+        </p:nvSpPr>
+        <p:spPr>
+          <a:xfrm>
+            <a:off x="6897189" y="1254034"/>
+            <a:ext cx="1353576" cy="369332"/>
+          </a:xfrm>
+          <a:prstGeom prst="rect">
+            <a:avLst/>
+          </a:prstGeom>
+          <a:noFill/>
+        </p:spPr>
+        <p:txBody>
+          <a:bodyPr wrap="none" rtlCol="0">
+            <a:spAutoFit/>
+          </a:bodyPr>
+          <a:lstStyle/>
+          <a:p>
             <a:r>
               <a:rPr lang="en-IN" dirty="0" smtClean="0"/>
-              <a:t>Similar to last time, we plot the number of apps on the y axis and the rating on the x axis.</a:t>
-            </a:r>
-          </a:p>
-          <a:p>
-            <a:pPr marL="0" indent="0" algn="just">
-              <a:buNone/>
-            </a:pPr>
+              <a:t>Removed ‘+’</a:t>
+            </a:r>
+            <a:endParaRPr lang="en-IN" dirty="0"/>
+          </a:p>
+        </p:txBody>
+      </p:sp>
+      <p:sp>
+        <p:nvSpPr>
+          <p:cNvPr id="12" name="TextBox 11"/>
+          <p:cNvSpPr txBox="1"/>
+          <p:nvPr/>
+        </p:nvSpPr>
+        <p:spPr>
+          <a:xfrm>
+            <a:off x="4014652" y="5083628"/>
+            <a:ext cx="1951496" cy="369332"/>
+          </a:xfrm>
+          <a:prstGeom prst="rect">
+            <a:avLst/>
+          </a:prstGeom>
+          <a:noFill/>
+        </p:spPr>
+        <p:txBody>
+          <a:bodyPr wrap="none" rtlCol="0">
+            <a:spAutoFit/>
+          </a:bodyPr>
+          <a:lstStyle/>
+          <a:p>
             <a:r>
               <a:rPr lang="en-IN" dirty="0" smtClean="0"/>
-              <a:t>We can see that most apps lie between 4 to 5  points.</a:t>
-            </a:r>
+              <a:t>Removed commas</a:t>
+            </a:r>
+            <a:endParaRPr lang="en-IN" dirty="0"/>
           </a:p>
         </p:txBody>
       </p:sp>
     </p:spTree>
     <p:extLst>
       <p:ext uri="{BB962C8B-B14F-4D97-AF65-F5344CB8AC3E}">
-        <p14:creationId xmlns:p14="http://schemas.microsoft.com/office/powerpoint/2010/main" val="1320633045"/>
+        <p14:creationId xmlns:p14="http://schemas.microsoft.com/office/powerpoint/2010/main" val="543160270"/>
       </p:ext>
     </p:extLst>
   </p:cSld>
@@ -6816,14 +7985,21 @@
             <p:ph type="title"/>
           </p:nvPr>
         </p:nvSpPr>
-        <p:spPr/>
-        <p:txBody>
-          <a:bodyPr/>
+        <p:spPr>
+          <a:xfrm>
+            <a:off x="1475603" y="102326"/>
+            <a:ext cx="10018713" cy="698863"/>
+          </a:xfrm>
+        </p:spPr>
+        <p:txBody>
+          <a:bodyPr>
+            <a:normAutofit fontScale="90000"/>
+          </a:bodyPr>
           <a:lstStyle/>
           <a:p>
             <a:r>
               <a:rPr lang="en-IN" dirty="0" smtClean="0"/>
-              <a:t>Data Visualisation</a:t>
+              <a:t>After cleaning (price)</a:t>
             </a:r>
             <a:endParaRPr lang="en-IN" dirty="0"/>
           </a:p>
@@ -6831,58 +8007,97 @@
       </p:sp>
       <p:sp>
         <p:nvSpPr>
-          <p:cNvPr id="3" name="Content Placeholder 2"/>
-          <p:cNvSpPr>
-            <a:spLocks noGrp="1"/>
-          </p:cNvSpPr>
+          <p:cNvPr id="11" name="TextBox 10"/>
+          <p:cNvSpPr txBox="1"/>
+          <p:nvPr/>
+        </p:nvSpPr>
+        <p:spPr>
+          <a:xfrm>
+            <a:off x="7785463" y="3500845"/>
+            <a:ext cx="2422779" cy="369332"/>
+          </a:xfrm>
+          <a:prstGeom prst="rect">
+            <a:avLst/>
+          </a:prstGeom>
+          <a:noFill/>
+        </p:spPr>
+        <p:txBody>
+          <a:bodyPr wrap="none" rtlCol="0">
+            <a:spAutoFit/>
+          </a:bodyPr>
+          <a:lstStyle/>
+          <a:p>
+            <a:r>
+              <a:rPr lang="en-IN" dirty="0" smtClean="0"/>
+              <a:t>Removed dollar symbol</a:t>
+            </a:r>
+            <a:endParaRPr lang="en-IN" dirty="0"/>
+          </a:p>
+        </p:txBody>
+      </p:sp>
+      <p:sp>
+        <p:nvSpPr>
+          <p:cNvPr id="12" name="TextBox 11"/>
+          <p:cNvSpPr txBox="1"/>
+          <p:nvPr/>
+        </p:nvSpPr>
+        <p:spPr>
+          <a:xfrm>
+            <a:off x="4014652" y="5083628"/>
+            <a:ext cx="1951496" cy="369332"/>
+          </a:xfrm>
+          <a:prstGeom prst="rect">
+            <a:avLst/>
+          </a:prstGeom>
+          <a:noFill/>
+        </p:spPr>
+        <p:txBody>
+          <a:bodyPr wrap="none" rtlCol="0">
+            <a:spAutoFit/>
+          </a:bodyPr>
+          <a:lstStyle/>
+          <a:p>
+            <a:r>
+              <a:rPr lang="en-IN" dirty="0" smtClean="0"/>
+              <a:t>Removed commas</a:t>
+            </a:r>
+            <a:endParaRPr lang="en-IN" dirty="0"/>
+          </a:p>
+        </p:txBody>
+      </p:sp>
+      <p:pic>
+        <p:nvPicPr>
+          <p:cNvPr id="4" name="Content Placeholder 3"/>
+          <p:cNvPicPr>
+            <a:picLocks noGrp="1" noChangeAspect="1"/>
+          </p:cNvPicPr>
           <p:nvPr>
             <p:ph idx="1"/>
           </p:nvPr>
-        </p:nvSpPr>
-        <p:spPr/>
-        <p:txBody>
-          <a:bodyPr/>
-          <a:lstStyle/>
-          <a:p>
-            <a:pPr marL="0" indent="0" algn="just">
-              <a:buNone/>
-            </a:pPr>
-            <a:r>
-              <a:rPr lang="en-IN" u="sng" dirty="0" smtClean="0"/>
-              <a:t>3. Paid vs Free apps:</a:t>
-            </a:r>
-            <a:endParaRPr lang="en-IN" u="sng" dirty="0"/>
-          </a:p>
-          <a:p>
-            <a:pPr marL="0" indent="0" algn="just">
-              <a:buNone/>
-            </a:pPr>
-            <a:endParaRPr lang="en-IN" dirty="0" smtClean="0"/>
-          </a:p>
-          <a:p>
-            <a:pPr marL="0" indent="0" algn="just">
-              <a:buNone/>
-            </a:pPr>
-            <a:r>
-              <a:rPr lang="en-IN" dirty="0" smtClean="0"/>
-              <a:t>A simple pie chart that represents the proportion of paid vs free apps</a:t>
-            </a:r>
-          </a:p>
-          <a:p>
-            <a:pPr marL="0" indent="0" algn="just">
-              <a:buNone/>
-            </a:pPr>
-            <a:r>
-              <a:rPr lang="en-IN" dirty="0" smtClean="0"/>
-              <a:t>We can see that only 7.4% are paid, and 92.6% are free!</a:t>
-            </a:r>
-          </a:p>
-        </p:txBody>
-      </p:sp>
+        </p:nvPicPr>
+        <p:blipFill>
+          <a:blip r:embed="rId2">
+            <a:extLst>
+              <a:ext uri="{28A0092B-C50C-407E-A947-70E740481C1C}">
+                <a14:useLocalDpi xmlns:a14="http://schemas.microsoft.com/office/drawing/2010/main" val="0"/>
+              </a:ext>
+            </a:extLst>
+          </a:blip>
+          <a:stretch>
+            <a:fillRect/>
+          </a:stretch>
+        </p:blipFill>
+        <p:spPr>
+          <a:xfrm>
+            <a:off x="1130156" y="2431869"/>
+            <a:ext cx="5554133" cy="3124200"/>
+          </a:xfrm>
+        </p:spPr>
+      </p:pic>
     </p:spTree>
     <p:extLst>
       <p:ext uri="{BB962C8B-B14F-4D97-AF65-F5344CB8AC3E}">
-        <p14:creationId xmlns:p14="http://schemas.microsoft.com/office/powerpoint/2010/main" val="761408159"/>
+        <p14:creationId xmlns:p14="http://schemas.microsoft.com/office/powerpoint/2010/main" val="3408072030"/>
       </p:ext>
     </p:extLst>
   </p:cSld>
@@ -6919,14 +8134,21 @@
             <p:ph type="title"/>
           </p:nvPr>
         </p:nvSpPr>
-        <p:spPr/>
-        <p:txBody>
-          <a:bodyPr/>
+        <p:spPr>
+          <a:xfrm>
+            <a:off x="1475603" y="102326"/>
+            <a:ext cx="10018713" cy="698863"/>
+          </a:xfrm>
+        </p:spPr>
+        <p:txBody>
+          <a:bodyPr>
+            <a:normAutofit fontScale="90000"/>
+          </a:bodyPr>
           <a:lstStyle/>
           <a:p>
             <a:r>
               <a:rPr lang="en-IN" dirty="0" smtClean="0"/>
-              <a:t>Data Visualisation</a:t>
+              <a:t>After cleaning (ratings)</a:t>
             </a:r>
             <a:endParaRPr lang="en-IN" dirty="0"/>
           </a:p>
@@ -6934,54 +8156,103 @@
       </p:sp>
       <p:sp>
         <p:nvSpPr>
-          <p:cNvPr id="3" name="Content Placeholder 2"/>
-          <p:cNvSpPr>
-            <a:spLocks noGrp="1"/>
-          </p:cNvSpPr>
+          <p:cNvPr id="11" name="TextBox 10"/>
+          <p:cNvSpPr txBox="1"/>
+          <p:nvPr/>
+        </p:nvSpPr>
+        <p:spPr>
+          <a:xfrm>
+            <a:off x="7175864" y="3596639"/>
+            <a:ext cx="3049553" cy="646331"/>
+          </a:xfrm>
+          <a:prstGeom prst="rect">
+            <a:avLst/>
+          </a:prstGeom>
+          <a:noFill/>
+        </p:spPr>
+        <p:txBody>
+          <a:bodyPr wrap="none" rtlCol="0">
+            <a:spAutoFit/>
+          </a:bodyPr>
+          <a:lstStyle/>
+          <a:p>
+            <a:r>
+              <a:rPr lang="en-IN" dirty="0" smtClean="0"/>
+              <a:t>Replaced NaN with mean and </a:t>
+            </a:r>
+          </a:p>
+          <a:p>
+            <a:r>
+              <a:rPr lang="en-IN" dirty="0" smtClean="0"/>
+              <a:t>rounded the ratings</a:t>
+            </a:r>
+            <a:endParaRPr lang="en-IN" dirty="0"/>
+          </a:p>
+        </p:txBody>
+      </p:sp>
+      <p:sp>
+        <p:nvSpPr>
+          <p:cNvPr id="12" name="TextBox 11"/>
+          <p:cNvSpPr txBox="1"/>
+          <p:nvPr/>
+        </p:nvSpPr>
+        <p:spPr>
+          <a:xfrm>
+            <a:off x="4014652" y="5083628"/>
+            <a:ext cx="1951496" cy="369332"/>
+          </a:xfrm>
+          <a:prstGeom prst="rect">
+            <a:avLst/>
+          </a:prstGeom>
+          <a:noFill/>
+        </p:spPr>
+        <p:txBody>
+          <a:bodyPr wrap="none" rtlCol="0">
+            <a:spAutoFit/>
+          </a:bodyPr>
+          <a:lstStyle/>
+          <a:p>
+            <a:r>
+              <a:rPr lang="en-IN" dirty="0" smtClean="0"/>
+              <a:t>Removed commas</a:t>
+            </a:r>
+            <a:endParaRPr lang="en-IN" dirty="0"/>
+          </a:p>
+        </p:txBody>
+      </p:sp>
+      <p:pic>
+        <p:nvPicPr>
+          <p:cNvPr id="4" name="Content Placeholder 3"/>
+          <p:cNvPicPr>
+            <a:picLocks noGrp="1" noChangeAspect="1"/>
+          </p:cNvPicPr>
           <p:nvPr>
             <p:ph idx="1"/>
           </p:nvPr>
-        </p:nvSpPr>
-        <p:spPr/>
-        <p:txBody>
-          <a:bodyPr/>
-          <a:lstStyle/>
-          <a:p>
-            <a:pPr marL="0" indent="0" algn="just">
-              <a:buNone/>
-            </a:pPr>
-            <a:r>
-              <a:rPr lang="en-IN" u="sng" dirty="0" smtClean="0"/>
-              <a:t>4.Trusted App:</a:t>
-            </a:r>
-            <a:endParaRPr lang="en-IN" u="sng" dirty="0"/>
-          </a:p>
-          <a:p>
-            <a:pPr marL="0" indent="0" algn="just">
-              <a:buNone/>
-            </a:pPr>
-            <a:r>
-              <a:rPr lang="en-IN" dirty="0" smtClean="0"/>
-              <a:t>Aims to assign a score of ‘trust’ to apps to see how much you can trust the reviews, based solely on the number </a:t>
-            </a:r>
-            <a:r>
-              <a:rPr lang="en-IN" smtClean="0"/>
-              <a:t>of reviews.</a:t>
-            </a:r>
-            <a:endParaRPr lang="en-IN" dirty="0" smtClean="0"/>
-          </a:p>
-          <a:p>
-            <a:pPr marL="0" indent="0" algn="just">
-              <a:buNone/>
-            </a:pPr>
-            <a:endParaRPr lang="en-IN" dirty="0" smtClean="0"/>
-          </a:p>
-        </p:txBody>
-      </p:sp>
+        </p:nvPicPr>
+        <p:blipFill>
+          <a:blip r:embed="rId2">
+            <a:extLst>
+              <a:ext uri="{28A0092B-C50C-407E-A947-70E740481C1C}">
+                <a14:useLocalDpi xmlns:a14="http://schemas.microsoft.com/office/drawing/2010/main" val="0"/>
+              </a:ext>
+            </a:extLst>
+          </a:blip>
+          <a:stretch>
+            <a:fillRect/>
+          </a:stretch>
+        </p:blipFill>
+        <p:spPr>
+          <a:xfrm>
+            <a:off x="930826" y="2328760"/>
+            <a:ext cx="5554133" cy="3124200"/>
+          </a:xfrm>
+        </p:spPr>
+      </p:pic>
     </p:spTree>
     <p:extLst>
       <p:ext uri="{BB962C8B-B14F-4D97-AF65-F5344CB8AC3E}">
-        <p14:creationId xmlns:p14="http://schemas.microsoft.com/office/powerpoint/2010/main" val="657522264"/>
+        <p14:creationId xmlns:p14="http://schemas.microsoft.com/office/powerpoint/2010/main" val="4368086"/>
       </p:ext>
     </p:extLst>
   </p:cSld>

--- a/IDS.pptx
+++ b/IDS.pptx
@@ -25,6 +25,7 @@
     <p:sldId id="272" r:id="rId20"/>
     <p:sldId id="273" r:id="rId21"/>
     <p:sldId id="274" r:id="rId22"/>
+    <p:sldId id="275" r:id="rId23"/>
   </p:sldIdLst>
   <p:sldSz cx="12192000" cy="6858000"/>
   <p:notesSz cx="7559675" cy="10691812"/>
@@ -72,7 +73,7 @@
       </p:grpSpPr>
       <p:sp>
         <p:nvSpPr>
-          <p:cNvPr id="40" name="PlaceHolder 1"/>
+          <p:cNvPr id="37" name="PlaceHolder 1"/>
           <p:cNvSpPr>
             <a:spLocks noGrp="1"/>
           </p:cNvSpPr>
@@ -82,8 +83,8 @@
         </p:nvSpPr>
         <p:spPr>
           <a:xfrm>
-            <a:off x="1484280" y="685800"/>
-            <a:ext cx="10018440" cy="1752120"/>
+            <a:off x="609480" y="273600"/>
+            <a:ext cx="10972440" cy="1144800"/>
           </a:xfrm>
           <a:prstGeom prst="rect">
             <a:avLst/>
@@ -92,18 +93,16 @@
         <p:txBody>
           <a:bodyPr lIns="0" rIns="0" tIns="0" bIns="0" anchor="ctr"/>
           <a:p>
-            <a:endParaRPr b="0" lang="en-US" sz="1800" spc="-1" strike="noStrike">
-              <a:solidFill>
-                <a:srgbClr val="000000"/>
-              </a:solidFill>
-              <a:latin typeface="Corbel"/>
-            </a:endParaRPr>
-          </a:p>
-        </p:txBody>
-      </p:sp>
-      <p:sp>
-        <p:nvSpPr>
-          <p:cNvPr id="41" name="PlaceHolder 2"/>
+            <a:pPr algn="ctr"/>
+            <a:endParaRPr b="0" lang="en-IN" sz="4400" spc="-1" strike="noStrike">
+              <a:latin typeface="Arial"/>
+            </a:endParaRPr>
+          </a:p>
+        </p:txBody>
+      </p:sp>
+      <p:sp>
+        <p:nvSpPr>
+          <p:cNvPr id="38" name="PlaceHolder 2"/>
           <p:cNvSpPr>
             <a:spLocks noGrp="1"/>
           </p:cNvSpPr>
@@ -113,8 +112,8 @@
         </p:nvSpPr>
         <p:spPr>
           <a:xfrm>
-            <a:off x="1484280" y="2666880"/>
-            <a:ext cx="10018440" cy="1489680"/>
+            <a:off x="609480" y="1604520"/>
+            <a:ext cx="10972440" cy="1896840"/>
           </a:xfrm>
           <a:prstGeom prst="rect">
             <a:avLst/>
@@ -125,18 +124,15 @@
             <a:normAutofit/>
           </a:bodyPr>
           <a:p>
-            <a:endParaRPr b="0" lang="en-US" sz="2400" spc="-1" strike="noStrike">
-              <a:solidFill>
-                <a:srgbClr val="000000"/>
-              </a:solidFill>
-              <a:latin typeface="Corbel"/>
-            </a:endParaRPr>
-          </a:p>
-        </p:txBody>
-      </p:sp>
-      <p:sp>
-        <p:nvSpPr>
-          <p:cNvPr id="42" name="PlaceHolder 3"/>
+            <a:endParaRPr b="0" lang="en-IN" sz="3200" spc="-1" strike="noStrike">
+              <a:latin typeface="Arial"/>
+            </a:endParaRPr>
+          </a:p>
+        </p:txBody>
+      </p:sp>
+      <p:sp>
+        <p:nvSpPr>
+          <p:cNvPr id="39" name="PlaceHolder 3"/>
           <p:cNvSpPr>
             <a:spLocks noGrp="1"/>
           </p:cNvSpPr>
@@ -146,8 +142,8 @@
         </p:nvSpPr>
         <p:spPr>
           <a:xfrm>
-            <a:off x="1484280" y="4298400"/>
-            <a:ext cx="10018440" cy="1489680"/>
+            <a:off x="609480" y="3682080"/>
+            <a:ext cx="10972440" cy="1896840"/>
           </a:xfrm>
           <a:prstGeom prst="rect">
             <a:avLst/>
@@ -158,11 +154,8 @@
             <a:normAutofit/>
           </a:bodyPr>
           <a:p>
-            <a:endParaRPr b="0" lang="en-US" sz="2400" spc="-1" strike="noStrike">
-              <a:solidFill>
-                <a:srgbClr val="000000"/>
-              </a:solidFill>
-              <a:latin typeface="Corbel"/>
+            <a:endParaRPr b="0" lang="en-IN" sz="3200" spc="-1" strike="noStrike">
+              <a:latin typeface="Arial"/>
             </a:endParaRPr>
           </a:p>
         </p:txBody>
@@ -191,7 +184,7 @@
       </p:grpSpPr>
       <p:sp>
         <p:nvSpPr>
-          <p:cNvPr id="43" name="PlaceHolder 1"/>
+          <p:cNvPr id="40" name="PlaceHolder 1"/>
           <p:cNvSpPr>
             <a:spLocks noGrp="1"/>
           </p:cNvSpPr>
@@ -201,8 +194,8 @@
         </p:nvSpPr>
         <p:spPr>
           <a:xfrm>
-            <a:off x="1484280" y="685800"/>
-            <a:ext cx="10018440" cy="1752120"/>
+            <a:off x="609480" y="273600"/>
+            <a:ext cx="10972440" cy="1144800"/>
           </a:xfrm>
           <a:prstGeom prst="rect">
             <a:avLst/>
@@ -211,18 +204,16 @@
         <p:txBody>
           <a:bodyPr lIns="0" rIns="0" tIns="0" bIns="0" anchor="ctr"/>
           <a:p>
-            <a:endParaRPr b="0" lang="en-US" sz="1800" spc="-1" strike="noStrike">
-              <a:solidFill>
-                <a:srgbClr val="000000"/>
-              </a:solidFill>
-              <a:latin typeface="Corbel"/>
-            </a:endParaRPr>
-          </a:p>
-        </p:txBody>
-      </p:sp>
-      <p:sp>
-        <p:nvSpPr>
-          <p:cNvPr id="44" name="PlaceHolder 2"/>
+            <a:pPr algn="ctr"/>
+            <a:endParaRPr b="0" lang="en-IN" sz="4400" spc="-1" strike="noStrike">
+              <a:latin typeface="Arial"/>
+            </a:endParaRPr>
+          </a:p>
+        </p:txBody>
+      </p:sp>
+      <p:sp>
+        <p:nvSpPr>
+          <p:cNvPr id="41" name="PlaceHolder 2"/>
           <p:cNvSpPr>
             <a:spLocks noGrp="1"/>
           </p:cNvSpPr>
@@ -232,8 +223,8 @@
         </p:nvSpPr>
         <p:spPr>
           <a:xfrm>
-            <a:off x="1484280" y="2666880"/>
-            <a:ext cx="4888800" cy="1489680"/>
+            <a:off x="609480" y="1604520"/>
+            <a:ext cx="5354280" cy="1896840"/>
           </a:xfrm>
           <a:prstGeom prst="rect">
             <a:avLst/>
@@ -244,18 +235,15 @@
             <a:normAutofit/>
           </a:bodyPr>
           <a:p>
-            <a:endParaRPr b="0" lang="en-US" sz="2400" spc="-1" strike="noStrike">
-              <a:solidFill>
-                <a:srgbClr val="000000"/>
-              </a:solidFill>
-              <a:latin typeface="Corbel"/>
-            </a:endParaRPr>
-          </a:p>
-        </p:txBody>
-      </p:sp>
-      <p:sp>
-        <p:nvSpPr>
-          <p:cNvPr id="45" name="PlaceHolder 3"/>
+            <a:endParaRPr b="0" lang="en-IN" sz="3200" spc="-1" strike="noStrike">
+              <a:latin typeface="Arial"/>
+            </a:endParaRPr>
+          </a:p>
+        </p:txBody>
+      </p:sp>
+      <p:sp>
+        <p:nvSpPr>
+          <p:cNvPr id="42" name="PlaceHolder 3"/>
           <p:cNvSpPr>
             <a:spLocks noGrp="1"/>
           </p:cNvSpPr>
@@ -265,8 +253,8 @@
         </p:nvSpPr>
         <p:spPr>
           <a:xfrm>
-            <a:off x="6617880" y="2666880"/>
-            <a:ext cx="4888800" cy="1489680"/>
+            <a:off x="6231960" y="1604520"/>
+            <a:ext cx="5354280" cy="1896840"/>
           </a:xfrm>
           <a:prstGeom prst="rect">
             <a:avLst/>
@@ -277,18 +265,15 @@
             <a:normAutofit/>
           </a:bodyPr>
           <a:p>
-            <a:endParaRPr b="0" lang="en-US" sz="2400" spc="-1" strike="noStrike">
-              <a:solidFill>
-                <a:srgbClr val="000000"/>
-              </a:solidFill>
-              <a:latin typeface="Corbel"/>
-            </a:endParaRPr>
-          </a:p>
-        </p:txBody>
-      </p:sp>
-      <p:sp>
-        <p:nvSpPr>
-          <p:cNvPr id="46" name="PlaceHolder 4"/>
+            <a:endParaRPr b="0" lang="en-IN" sz="3200" spc="-1" strike="noStrike">
+              <a:latin typeface="Arial"/>
+            </a:endParaRPr>
+          </a:p>
+        </p:txBody>
+      </p:sp>
+      <p:sp>
+        <p:nvSpPr>
+          <p:cNvPr id="43" name="PlaceHolder 4"/>
           <p:cNvSpPr>
             <a:spLocks noGrp="1"/>
           </p:cNvSpPr>
@@ -298,8 +283,8 @@
         </p:nvSpPr>
         <p:spPr>
           <a:xfrm>
-            <a:off x="1484280" y="4298400"/>
-            <a:ext cx="4888800" cy="1489680"/>
+            <a:off x="609480" y="3682080"/>
+            <a:ext cx="5354280" cy="1896840"/>
           </a:xfrm>
           <a:prstGeom prst="rect">
             <a:avLst/>
@@ -310,18 +295,15 @@
             <a:normAutofit/>
           </a:bodyPr>
           <a:p>
-            <a:endParaRPr b="0" lang="en-US" sz="2400" spc="-1" strike="noStrike">
-              <a:solidFill>
-                <a:srgbClr val="000000"/>
-              </a:solidFill>
-              <a:latin typeface="Corbel"/>
-            </a:endParaRPr>
-          </a:p>
-        </p:txBody>
-      </p:sp>
-      <p:sp>
-        <p:nvSpPr>
-          <p:cNvPr id="47" name="PlaceHolder 5"/>
+            <a:endParaRPr b="0" lang="en-IN" sz="3200" spc="-1" strike="noStrike">
+              <a:latin typeface="Arial"/>
+            </a:endParaRPr>
+          </a:p>
+        </p:txBody>
+      </p:sp>
+      <p:sp>
+        <p:nvSpPr>
+          <p:cNvPr id="44" name="PlaceHolder 5"/>
           <p:cNvSpPr>
             <a:spLocks noGrp="1"/>
           </p:cNvSpPr>
@@ -331,8 +313,8 @@
         </p:nvSpPr>
         <p:spPr>
           <a:xfrm>
-            <a:off x="6617880" y="4298400"/>
-            <a:ext cx="4888800" cy="1489680"/>
+            <a:off x="6231960" y="3682080"/>
+            <a:ext cx="5354280" cy="1896840"/>
           </a:xfrm>
           <a:prstGeom prst="rect">
             <a:avLst/>
@@ -343,11 +325,8 @@
             <a:normAutofit/>
           </a:bodyPr>
           <a:p>
-            <a:endParaRPr b="0" lang="en-US" sz="2400" spc="-1" strike="noStrike">
-              <a:solidFill>
-                <a:srgbClr val="000000"/>
-              </a:solidFill>
-              <a:latin typeface="Corbel"/>
+            <a:endParaRPr b="0" lang="en-IN" sz="3200" spc="-1" strike="noStrike">
+              <a:latin typeface="Arial"/>
             </a:endParaRPr>
           </a:p>
         </p:txBody>
@@ -376,7 +355,7 @@
       </p:grpSpPr>
       <p:sp>
         <p:nvSpPr>
-          <p:cNvPr id="48" name="PlaceHolder 1"/>
+          <p:cNvPr id="45" name="PlaceHolder 1"/>
           <p:cNvSpPr>
             <a:spLocks noGrp="1"/>
           </p:cNvSpPr>
@@ -386,8 +365,8 @@
         </p:nvSpPr>
         <p:spPr>
           <a:xfrm>
-            <a:off x="1484280" y="685800"/>
-            <a:ext cx="10018440" cy="1752120"/>
+            <a:off x="609480" y="273600"/>
+            <a:ext cx="10972440" cy="1144800"/>
           </a:xfrm>
           <a:prstGeom prst="rect">
             <a:avLst/>
@@ -396,18 +375,16 @@
         <p:txBody>
           <a:bodyPr lIns="0" rIns="0" tIns="0" bIns="0" anchor="ctr"/>
           <a:p>
-            <a:endParaRPr b="0" lang="en-US" sz="1800" spc="-1" strike="noStrike">
-              <a:solidFill>
-                <a:srgbClr val="000000"/>
-              </a:solidFill>
-              <a:latin typeface="Corbel"/>
-            </a:endParaRPr>
-          </a:p>
-        </p:txBody>
-      </p:sp>
-      <p:sp>
-        <p:nvSpPr>
-          <p:cNvPr id="49" name="PlaceHolder 2"/>
+            <a:pPr algn="ctr"/>
+            <a:endParaRPr b="0" lang="en-IN" sz="4400" spc="-1" strike="noStrike">
+              <a:latin typeface="Arial"/>
+            </a:endParaRPr>
+          </a:p>
+        </p:txBody>
+      </p:sp>
+      <p:sp>
+        <p:nvSpPr>
+          <p:cNvPr id="46" name="PlaceHolder 2"/>
           <p:cNvSpPr>
             <a:spLocks noGrp="1"/>
           </p:cNvSpPr>
@@ -417,8 +394,8 @@
         </p:nvSpPr>
         <p:spPr>
           <a:xfrm>
-            <a:off x="1484280" y="2666880"/>
-            <a:ext cx="3225600" cy="1489680"/>
+            <a:off x="609480" y="1604520"/>
+            <a:ext cx="3533040" cy="1896840"/>
           </a:xfrm>
           <a:prstGeom prst="rect">
             <a:avLst/>
@@ -429,18 +406,15 @@
             <a:normAutofit/>
           </a:bodyPr>
           <a:p>
-            <a:endParaRPr b="0" lang="en-US" sz="2400" spc="-1" strike="noStrike">
-              <a:solidFill>
-                <a:srgbClr val="000000"/>
-              </a:solidFill>
-              <a:latin typeface="Corbel"/>
-            </a:endParaRPr>
-          </a:p>
-        </p:txBody>
-      </p:sp>
-      <p:sp>
-        <p:nvSpPr>
-          <p:cNvPr id="50" name="PlaceHolder 3"/>
+            <a:endParaRPr b="0" lang="en-IN" sz="3200" spc="-1" strike="noStrike">
+              <a:latin typeface="Arial"/>
+            </a:endParaRPr>
+          </a:p>
+        </p:txBody>
+      </p:sp>
+      <p:sp>
+        <p:nvSpPr>
+          <p:cNvPr id="47" name="PlaceHolder 3"/>
           <p:cNvSpPr>
             <a:spLocks noGrp="1"/>
           </p:cNvSpPr>
@@ -450,8 +424,8 @@
         </p:nvSpPr>
         <p:spPr>
           <a:xfrm>
-            <a:off x="4871520" y="2666880"/>
-            <a:ext cx="3225600" cy="1489680"/>
+            <a:off x="4319640" y="1604520"/>
+            <a:ext cx="3533040" cy="1896840"/>
           </a:xfrm>
           <a:prstGeom prst="rect">
             <a:avLst/>
@@ -462,18 +436,15 @@
             <a:normAutofit/>
           </a:bodyPr>
           <a:p>
-            <a:endParaRPr b="0" lang="en-US" sz="2400" spc="-1" strike="noStrike">
-              <a:solidFill>
-                <a:srgbClr val="000000"/>
-              </a:solidFill>
-              <a:latin typeface="Corbel"/>
-            </a:endParaRPr>
-          </a:p>
-        </p:txBody>
-      </p:sp>
-      <p:sp>
-        <p:nvSpPr>
-          <p:cNvPr id="51" name="PlaceHolder 4"/>
+            <a:endParaRPr b="0" lang="en-IN" sz="3200" spc="-1" strike="noStrike">
+              <a:latin typeface="Arial"/>
+            </a:endParaRPr>
+          </a:p>
+        </p:txBody>
+      </p:sp>
+      <p:sp>
+        <p:nvSpPr>
+          <p:cNvPr id="48" name="PlaceHolder 4"/>
           <p:cNvSpPr>
             <a:spLocks noGrp="1"/>
           </p:cNvSpPr>
@@ -483,8 +454,8 @@
         </p:nvSpPr>
         <p:spPr>
           <a:xfrm>
-            <a:off x="8258760" y="2666880"/>
-            <a:ext cx="3225600" cy="1489680"/>
+            <a:off x="8029800" y="1604520"/>
+            <a:ext cx="3533040" cy="1896840"/>
           </a:xfrm>
           <a:prstGeom prst="rect">
             <a:avLst/>
@@ -495,18 +466,15 @@
             <a:normAutofit/>
           </a:bodyPr>
           <a:p>
-            <a:endParaRPr b="0" lang="en-US" sz="2400" spc="-1" strike="noStrike">
-              <a:solidFill>
-                <a:srgbClr val="000000"/>
-              </a:solidFill>
-              <a:latin typeface="Corbel"/>
-            </a:endParaRPr>
-          </a:p>
-        </p:txBody>
-      </p:sp>
-      <p:sp>
-        <p:nvSpPr>
-          <p:cNvPr id="52" name="PlaceHolder 5"/>
+            <a:endParaRPr b="0" lang="en-IN" sz="3200" spc="-1" strike="noStrike">
+              <a:latin typeface="Arial"/>
+            </a:endParaRPr>
+          </a:p>
+        </p:txBody>
+      </p:sp>
+      <p:sp>
+        <p:nvSpPr>
+          <p:cNvPr id="49" name="PlaceHolder 5"/>
           <p:cNvSpPr>
             <a:spLocks noGrp="1"/>
           </p:cNvSpPr>
@@ -516,8 +484,8 @@
         </p:nvSpPr>
         <p:spPr>
           <a:xfrm>
-            <a:off x="1484280" y="4298400"/>
-            <a:ext cx="3225600" cy="1489680"/>
+            <a:off x="609480" y="3682080"/>
+            <a:ext cx="3533040" cy="1896840"/>
           </a:xfrm>
           <a:prstGeom prst="rect">
             <a:avLst/>
@@ -528,18 +496,15 @@
             <a:normAutofit/>
           </a:bodyPr>
           <a:p>
-            <a:endParaRPr b="0" lang="en-US" sz="2400" spc="-1" strike="noStrike">
-              <a:solidFill>
-                <a:srgbClr val="000000"/>
-              </a:solidFill>
-              <a:latin typeface="Corbel"/>
-            </a:endParaRPr>
-          </a:p>
-        </p:txBody>
-      </p:sp>
-      <p:sp>
-        <p:nvSpPr>
-          <p:cNvPr id="53" name="PlaceHolder 6"/>
+            <a:endParaRPr b="0" lang="en-IN" sz="3200" spc="-1" strike="noStrike">
+              <a:latin typeface="Arial"/>
+            </a:endParaRPr>
+          </a:p>
+        </p:txBody>
+      </p:sp>
+      <p:sp>
+        <p:nvSpPr>
+          <p:cNvPr id="50" name="PlaceHolder 6"/>
           <p:cNvSpPr>
             <a:spLocks noGrp="1"/>
           </p:cNvSpPr>
@@ -549,8 +514,8 @@
         </p:nvSpPr>
         <p:spPr>
           <a:xfrm>
-            <a:off x="4871520" y="4298400"/>
-            <a:ext cx="3225600" cy="1489680"/>
+            <a:off x="4319640" y="3682080"/>
+            <a:ext cx="3533040" cy="1896840"/>
           </a:xfrm>
           <a:prstGeom prst="rect">
             <a:avLst/>
@@ -561,18 +526,15 @@
             <a:normAutofit/>
           </a:bodyPr>
           <a:p>
-            <a:endParaRPr b="0" lang="en-US" sz="2400" spc="-1" strike="noStrike">
-              <a:solidFill>
-                <a:srgbClr val="000000"/>
-              </a:solidFill>
-              <a:latin typeface="Corbel"/>
-            </a:endParaRPr>
-          </a:p>
-        </p:txBody>
-      </p:sp>
-      <p:sp>
-        <p:nvSpPr>
-          <p:cNvPr id="54" name="PlaceHolder 7"/>
+            <a:endParaRPr b="0" lang="en-IN" sz="3200" spc="-1" strike="noStrike">
+              <a:latin typeface="Arial"/>
+            </a:endParaRPr>
+          </a:p>
+        </p:txBody>
+      </p:sp>
+      <p:sp>
+        <p:nvSpPr>
+          <p:cNvPr id="51" name="PlaceHolder 7"/>
           <p:cNvSpPr>
             <a:spLocks noGrp="1"/>
           </p:cNvSpPr>
@@ -582,8 +544,8 @@
         </p:nvSpPr>
         <p:spPr>
           <a:xfrm>
-            <a:off x="8258760" y="4298400"/>
-            <a:ext cx="3225600" cy="1489680"/>
+            <a:off x="8029800" y="3682080"/>
+            <a:ext cx="3533040" cy="1896840"/>
           </a:xfrm>
           <a:prstGeom prst="rect">
             <a:avLst/>
@@ -594,11 +556,8 @@
             <a:normAutofit/>
           </a:bodyPr>
           <a:p>
-            <a:endParaRPr b="0" lang="en-US" sz="2400" spc="-1" strike="noStrike">
-              <a:solidFill>
-                <a:srgbClr val="000000"/>
-              </a:solidFill>
-              <a:latin typeface="Corbel"/>
+            <a:endParaRPr b="0" lang="en-IN" sz="3200" spc="-1" strike="noStrike">
+              <a:latin typeface="Arial"/>
             </a:endParaRPr>
           </a:p>
         </p:txBody>
@@ -649,7 +608,7 @@
       </p:grpSpPr>
       <p:sp>
         <p:nvSpPr>
-          <p:cNvPr id="67" name="PlaceHolder 1"/>
+          <p:cNvPr id="61" name="PlaceHolder 1"/>
           <p:cNvSpPr>
             <a:spLocks noGrp="1"/>
           </p:cNvSpPr>
@@ -659,8 +618,8 @@
         </p:nvSpPr>
         <p:spPr>
           <a:xfrm>
-            <a:off x="1484280" y="685800"/>
-            <a:ext cx="10018440" cy="1752120"/>
+            <a:off x="609480" y="273600"/>
+            <a:ext cx="10972440" cy="1144800"/>
           </a:xfrm>
           <a:prstGeom prst="rect">
             <a:avLst/>
@@ -669,18 +628,16 @@
         <p:txBody>
           <a:bodyPr lIns="0" rIns="0" tIns="0" bIns="0" anchor="ctr"/>
           <a:p>
-            <a:endParaRPr b="0" lang="en-US" sz="1800" spc="-1" strike="noStrike">
-              <a:solidFill>
-                <a:srgbClr val="000000"/>
-              </a:solidFill>
-              <a:latin typeface="Corbel"/>
-            </a:endParaRPr>
-          </a:p>
-        </p:txBody>
-      </p:sp>
-      <p:sp>
-        <p:nvSpPr>
-          <p:cNvPr id="68" name="PlaceHolder 2"/>
+            <a:pPr algn="ctr"/>
+            <a:endParaRPr b="0" lang="en-IN" sz="4400" spc="-1" strike="noStrike">
+              <a:latin typeface="Arial"/>
+            </a:endParaRPr>
+          </a:p>
+        </p:txBody>
+      </p:sp>
+      <p:sp>
+        <p:nvSpPr>
+          <p:cNvPr id="62" name="PlaceHolder 2"/>
           <p:cNvSpPr>
             <a:spLocks noGrp="1"/>
           </p:cNvSpPr>
@@ -690,8 +647,8 @@
         </p:nvSpPr>
         <p:spPr>
           <a:xfrm>
-            <a:off x="1484280" y="2666880"/>
-            <a:ext cx="10018440" cy="3123720"/>
+            <a:off x="609480" y="1604520"/>
+            <a:ext cx="10972440" cy="3977280"/>
           </a:xfrm>
           <a:prstGeom prst="rect">
             <a:avLst/>
@@ -731,7 +688,7 @@
       </p:grpSpPr>
       <p:sp>
         <p:nvSpPr>
-          <p:cNvPr id="69" name="PlaceHolder 1"/>
+          <p:cNvPr id="63" name="PlaceHolder 1"/>
           <p:cNvSpPr>
             <a:spLocks noGrp="1"/>
           </p:cNvSpPr>
@@ -741,8 +698,8 @@
         </p:nvSpPr>
         <p:spPr>
           <a:xfrm>
-            <a:off x="1484280" y="685800"/>
-            <a:ext cx="10018440" cy="1752120"/>
+            <a:off x="609480" y="273600"/>
+            <a:ext cx="10972440" cy="1144800"/>
           </a:xfrm>
           <a:prstGeom prst="rect">
             <a:avLst/>
@@ -751,18 +708,16 @@
         <p:txBody>
           <a:bodyPr lIns="0" rIns="0" tIns="0" bIns="0" anchor="ctr"/>
           <a:p>
-            <a:endParaRPr b="0" lang="en-US" sz="1800" spc="-1" strike="noStrike">
-              <a:solidFill>
-                <a:srgbClr val="000000"/>
-              </a:solidFill>
-              <a:latin typeface="Corbel"/>
-            </a:endParaRPr>
-          </a:p>
-        </p:txBody>
-      </p:sp>
-      <p:sp>
-        <p:nvSpPr>
-          <p:cNvPr id="70" name="PlaceHolder 2"/>
+            <a:pPr algn="ctr"/>
+            <a:endParaRPr b="0" lang="en-IN" sz="4400" spc="-1" strike="noStrike">
+              <a:latin typeface="Arial"/>
+            </a:endParaRPr>
+          </a:p>
+        </p:txBody>
+      </p:sp>
+      <p:sp>
+        <p:nvSpPr>
+          <p:cNvPr id="64" name="PlaceHolder 2"/>
           <p:cNvSpPr>
             <a:spLocks noGrp="1"/>
           </p:cNvSpPr>
@@ -772,8 +727,8 @@
         </p:nvSpPr>
         <p:spPr>
           <a:xfrm>
-            <a:off x="1484280" y="2666880"/>
-            <a:ext cx="10018440" cy="3123720"/>
+            <a:off x="609480" y="1604520"/>
+            <a:ext cx="10972440" cy="3977280"/>
           </a:xfrm>
           <a:prstGeom prst="rect">
             <a:avLst/>
@@ -784,11 +739,8 @@
             <a:normAutofit/>
           </a:bodyPr>
           <a:p>
-            <a:endParaRPr b="0" lang="en-US" sz="2400" spc="-1" strike="noStrike">
-              <a:solidFill>
-                <a:srgbClr val="000000"/>
-              </a:solidFill>
-              <a:latin typeface="Corbel"/>
+            <a:endParaRPr b="0" lang="en-IN" sz="3200" spc="-1" strike="noStrike">
+              <a:latin typeface="Arial"/>
             </a:endParaRPr>
           </a:p>
         </p:txBody>
@@ -817,7 +769,7 @@
       </p:grpSpPr>
       <p:sp>
         <p:nvSpPr>
-          <p:cNvPr id="71" name="PlaceHolder 1"/>
+          <p:cNvPr id="65" name="PlaceHolder 1"/>
           <p:cNvSpPr>
             <a:spLocks noGrp="1"/>
           </p:cNvSpPr>
@@ -827,8 +779,8 @@
         </p:nvSpPr>
         <p:spPr>
           <a:xfrm>
-            <a:off x="1484280" y="685800"/>
-            <a:ext cx="10018440" cy="1752120"/>
+            <a:off x="609480" y="273600"/>
+            <a:ext cx="10972440" cy="1144800"/>
           </a:xfrm>
           <a:prstGeom prst="rect">
             <a:avLst/>
@@ -837,18 +789,16 @@
         <p:txBody>
           <a:bodyPr lIns="0" rIns="0" tIns="0" bIns="0" anchor="ctr"/>
           <a:p>
-            <a:endParaRPr b="0" lang="en-US" sz="1800" spc="-1" strike="noStrike">
-              <a:solidFill>
-                <a:srgbClr val="000000"/>
-              </a:solidFill>
-              <a:latin typeface="Corbel"/>
-            </a:endParaRPr>
-          </a:p>
-        </p:txBody>
-      </p:sp>
-      <p:sp>
-        <p:nvSpPr>
-          <p:cNvPr id="72" name="PlaceHolder 2"/>
+            <a:pPr algn="ctr"/>
+            <a:endParaRPr b="0" lang="en-IN" sz="4400" spc="-1" strike="noStrike">
+              <a:latin typeface="Arial"/>
+            </a:endParaRPr>
+          </a:p>
+        </p:txBody>
+      </p:sp>
+      <p:sp>
+        <p:nvSpPr>
+          <p:cNvPr id="66" name="PlaceHolder 2"/>
           <p:cNvSpPr>
             <a:spLocks noGrp="1"/>
           </p:cNvSpPr>
@@ -858,8 +808,8 @@
         </p:nvSpPr>
         <p:spPr>
           <a:xfrm>
-            <a:off x="1484280" y="2666880"/>
-            <a:ext cx="4888800" cy="3123720"/>
+            <a:off x="609480" y="1604520"/>
+            <a:ext cx="5354280" cy="3977280"/>
           </a:xfrm>
           <a:prstGeom prst="rect">
             <a:avLst/>
@@ -870,18 +820,15 @@
             <a:normAutofit/>
           </a:bodyPr>
           <a:p>
-            <a:endParaRPr b="0" lang="en-US" sz="2400" spc="-1" strike="noStrike">
-              <a:solidFill>
-                <a:srgbClr val="000000"/>
-              </a:solidFill>
-              <a:latin typeface="Corbel"/>
-            </a:endParaRPr>
-          </a:p>
-        </p:txBody>
-      </p:sp>
-      <p:sp>
-        <p:nvSpPr>
-          <p:cNvPr id="73" name="PlaceHolder 3"/>
+            <a:endParaRPr b="0" lang="en-IN" sz="3200" spc="-1" strike="noStrike">
+              <a:latin typeface="Arial"/>
+            </a:endParaRPr>
+          </a:p>
+        </p:txBody>
+      </p:sp>
+      <p:sp>
+        <p:nvSpPr>
+          <p:cNvPr id="67" name="PlaceHolder 3"/>
           <p:cNvSpPr>
             <a:spLocks noGrp="1"/>
           </p:cNvSpPr>
@@ -891,8 +838,8 @@
         </p:nvSpPr>
         <p:spPr>
           <a:xfrm>
-            <a:off x="6617880" y="2666880"/>
-            <a:ext cx="4888800" cy="3123720"/>
+            <a:off x="6231960" y="1604520"/>
+            <a:ext cx="5354280" cy="3977280"/>
           </a:xfrm>
           <a:prstGeom prst="rect">
             <a:avLst/>
@@ -903,11 +850,8 @@
             <a:normAutofit/>
           </a:bodyPr>
           <a:p>
-            <a:endParaRPr b="0" lang="en-US" sz="2400" spc="-1" strike="noStrike">
-              <a:solidFill>
-                <a:srgbClr val="000000"/>
-              </a:solidFill>
-              <a:latin typeface="Corbel"/>
+            <a:endParaRPr b="0" lang="en-IN" sz="3200" spc="-1" strike="noStrike">
+              <a:latin typeface="Arial"/>
             </a:endParaRPr>
           </a:p>
         </p:txBody>
@@ -936,7 +880,7 @@
       </p:grpSpPr>
       <p:sp>
         <p:nvSpPr>
-          <p:cNvPr id="74" name="PlaceHolder 1"/>
+          <p:cNvPr id="68" name="PlaceHolder 1"/>
           <p:cNvSpPr>
             <a:spLocks noGrp="1"/>
           </p:cNvSpPr>
@@ -946,8 +890,8 @@
         </p:nvSpPr>
         <p:spPr>
           <a:xfrm>
-            <a:off x="1484280" y="685800"/>
-            <a:ext cx="10018440" cy="1752120"/>
+            <a:off x="609480" y="273600"/>
+            <a:ext cx="10972440" cy="1144800"/>
           </a:xfrm>
           <a:prstGeom prst="rect">
             <a:avLst/>
@@ -956,11 +900,9 @@
         <p:txBody>
           <a:bodyPr lIns="0" rIns="0" tIns="0" bIns="0" anchor="ctr"/>
           <a:p>
-            <a:endParaRPr b="0" lang="en-US" sz="1800" spc="-1" strike="noStrike">
-              <a:solidFill>
-                <a:srgbClr val="000000"/>
-              </a:solidFill>
-              <a:latin typeface="Corbel"/>
+            <a:pPr algn="ctr"/>
+            <a:endParaRPr b="0" lang="en-IN" sz="4400" spc="-1" strike="noStrike">
+              <a:latin typeface="Arial"/>
             </a:endParaRPr>
           </a:p>
         </p:txBody>
@@ -989,7 +931,7 @@
       </p:grpSpPr>
       <p:sp>
         <p:nvSpPr>
-          <p:cNvPr id="75" name="PlaceHolder 1"/>
+          <p:cNvPr id="69" name="PlaceHolder 1"/>
           <p:cNvSpPr>
             <a:spLocks noGrp="1"/>
           </p:cNvSpPr>
@@ -999,8 +941,8 @@
         </p:nvSpPr>
         <p:spPr>
           <a:xfrm>
-            <a:off x="1484280" y="685800"/>
-            <a:ext cx="10018440" cy="8123040"/>
+            <a:off x="609480" y="273600"/>
+            <a:ext cx="10972440" cy="5307840"/>
           </a:xfrm>
           <a:prstGeom prst="rect">
             <a:avLst/>
@@ -1040,7 +982,7 @@
       </p:grpSpPr>
       <p:sp>
         <p:nvSpPr>
-          <p:cNvPr id="76" name="PlaceHolder 1"/>
+          <p:cNvPr id="70" name="PlaceHolder 1"/>
           <p:cNvSpPr>
             <a:spLocks noGrp="1"/>
           </p:cNvSpPr>
@@ -1050,8 +992,8 @@
         </p:nvSpPr>
         <p:spPr>
           <a:xfrm>
-            <a:off x="1484280" y="685800"/>
-            <a:ext cx="10018440" cy="1752120"/>
+            <a:off x="609480" y="273600"/>
+            <a:ext cx="10972440" cy="1144800"/>
           </a:xfrm>
           <a:prstGeom prst="rect">
             <a:avLst/>
@@ -1060,18 +1002,16 @@
         <p:txBody>
           <a:bodyPr lIns="0" rIns="0" tIns="0" bIns="0" anchor="ctr"/>
           <a:p>
-            <a:endParaRPr b="0" lang="en-US" sz="1800" spc="-1" strike="noStrike">
-              <a:solidFill>
-                <a:srgbClr val="000000"/>
-              </a:solidFill>
-              <a:latin typeface="Corbel"/>
-            </a:endParaRPr>
-          </a:p>
-        </p:txBody>
-      </p:sp>
-      <p:sp>
-        <p:nvSpPr>
-          <p:cNvPr id="77" name="PlaceHolder 2"/>
+            <a:pPr algn="ctr"/>
+            <a:endParaRPr b="0" lang="en-IN" sz="4400" spc="-1" strike="noStrike">
+              <a:latin typeface="Arial"/>
+            </a:endParaRPr>
+          </a:p>
+        </p:txBody>
+      </p:sp>
+      <p:sp>
+        <p:nvSpPr>
+          <p:cNvPr id="71" name="PlaceHolder 2"/>
           <p:cNvSpPr>
             <a:spLocks noGrp="1"/>
           </p:cNvSpPr>
@@ -1081,8 +1021,8 @@
         </p:nvSpPr>
         <p:spPr>
           <a:xfrm>
-            <a:off x="1484280" y="2666880"/>
-            <a:ext cx="4888800" cy="1489680"/>
+            <a:off x="609480" y="1604520"/>
+            <a:ext cx="5354280" cy="1896840"/>
           </a:xfrm>
           <a:prstGeom prst="rect">
             <a:avLst/>
@@ -1093,18 +1033,15 @@
             <a:normAutofit/>
           </a:bodyPr>
           <a:p>
-            <a:endParaRPr b="0" lang="en-US" sz="2400" spc="-1" strike="noStrike">
-              <a:solidFill>
-                <a:srgbClr val="000000"/>
-              </a:solidFill>
-              <a:latin typeface="Corbel"/>
-            </a:endParaRPr>
-          </a:p>
-        </p:txBody>
-      </p:sp>
-      <p:sp>
-        <p:nvSpPr>
-          <p:cNvPr id="78" name="PlaceHolder 3"/>
+            <a:endParaRPr b="0" lang="en-IN" sz="3200" spc="-1" strike="noStrike">
+              <a:latin typeface="Arial"/>
+            </a:endParaRPr>
+          </a:p>
+        </p:txBody>
+      </p:sp>
+      <p:sp>
+        <p:nvSpPr>
+          <p:cNvPr id="72" name="PlaceHolder 3"/>
           <p:cNvSpPr>
             <a:spLocks noGrp="1"/>
           </p:cNvSpPr>
@@ -1114,8 +1051,8 @@
         </p:nvSpPr>
         <p:spPr>
           <a:xfrm>
-            <a:off x="6617880" y="2666880"/>
-            <a:ext cx="4888800" cy="3123720"/>
+            <a:off x="6231960" y="1604520"/>
+            <a:ext cx="5354280" cy="3977280"/>
           </a:xfrm>
           <a:prstGeom prst="rect">
             <a:avLst/>
@@ -1126,18 +1063,15 @@
             <a:normAutofit/>
           </a:bodyPr>
           <a:p>
-            <a:endParaRPr b="0" lang="en-US" sz="2400" spc="-1" strike="noStrike">
-              <a:solidFill>
-                <a:srgbClr val="000000"/>
-              </a:solidFill>
-              <a:latin typeface="Corbel"/>
-            </a:endParaRPr>
-          </a:p>
-        </p:txBody>
-      </p:sp>
-      <p:sp>
-        <p:nvSpPr>
-          <p:cNvPr id="79" name="PlaceHolder 4"/>
+            <a:endParaRPr b="0" lang="en-IN" sz="3200" spc="-1" strike="noStrike">
+              <a:latin typeface="Arial"/>
+            </a:endParaRPr>
+          </a:p>
+        </p:txBody>
+      </p:sp>
+      <p:sp>
+        <p:nvSpPr>
+          <p:cNvPr id="73" name="PlaceHolder 4"/>
           <p:cNvSpPr>
             <a:spLocks noGrp="1"/>
           </p:cNvSpPr>
@@ -1147,8 +1081,8 @@
         </p:nvSpPr>
         <p:spPr>
           <a:xfrm>
-            <a:off x="1484280" y="4298400"/>
-            <a:ext cx="4888800" cy="1489680"/>
+            <a:off x="609480" y="3682080"/>
+            <a:ext cx="5354280" cy="1896840"/>
           </a:xfrm>
           <a:prstGeom prst="rect">
             <a:avLst/>
@@ -1159,11 +1093,8 @@
             <a:normAutofit/>
           </a:bodyPr>
           <a:p>
-            <a:endParaRPr b="0" lang="en-US" sz="2400" spc="-1" strike="noStrike">
-              <a:solidFill>
-                <a:srgbClr val="000000"/>
-              </a:solidFill>
-              <a:latin typeface="Corbel"/>
+            <a:endParaRPr b="0" lang="en-IN" sz="3200" spc="-1" strike="noStrike">
+              <a:latin typeface="Arial"/>
             </a:endParaRPr>
           </a:p>
         </p:txBody>
@@ -1192,7 +1123,7 @@
       </p:grpSpPr>
       <p:sp>
         <p:nvSpPr>
-          <p:cNvPr id="19" name="PlaceHolder 1"/>
+          <p:cNvPr id="16" name="PlaceHolder 1"/>
           <p:cNvSpPr>
             <a:spLocks noGrp="1"/>
           </p:cNvSpPr>
@@ -1202,8 +1133,8 @@
         </p:nvSpPr>
         <p:spPr>
           <a:xfrm>
-            <a:off x="1484280" y="685800"/>
-            <a:ext cx="10018440" cy="1752120"/>
+            <a:off x="609480" y="273600"/>
+            <a:ext cx="10972440" cy="1144800"/>
           </a:xfrm>
           <a:prstGeom prst="rect">
             <a:avLst/>
@@ -1212,18 +1143,16 @@
         <p:txBody>
           <a:bodyPr lIns="0" rIns="0" tIns="0" bIns="0" anchor="ctr"/>
           <a:p>
-            <a:endParaRPr b="0" lang="en-US" sz="1800" spc="-1" strike="noStrike">
-              <a:solidFill>
-                <a:srgbClr val="000000"/>
-              </a:solidFill>
-              <a:latin typeface="Corbel"/>
-            </a:endParaRPr>
-          </a:p>
-        </p:txBody>
-      </p:sp>
-      <p:sp>
-        <p:nvSpPr>
-          <p:cNvPr id="20" name="PlaceHolder 2"/>
+            <a:pPr algn="ctr"/>
+            <a:endParaRPr b="0" lang="en-IN" sz="4400" spc="-1" strike="noStrike">
+              <a:latin typeface="Arial"/>
+            </a:endParaRPr>
+          </a:p>
+        </p:txBody>
+      </p:sp>
+      <p:sp>
+        <p:nvSpPr>
+          <p:cNvPr id="17" name="PlaceHolder 2"/>
           <p:cNvSpPr>
             <a:spLocks noGrp="1"/>
           </p:cNvSpPr>
@@ -1233,8 +1162,8 @@
         </p:nvSpPr>
         <p:spPr>
           <a:xfrm>
-            <a:off x="1484280" y="2666880"/>
-            <a:ext cx="10018440" cy="3123720"/>
+            <a:off x="609480" y="1604520"/>
+            <a:ext cx="10972440" cy="3977280"/>
           </a:xfrm>
           <a:prstGeom prst="rect">
             <a:avLst/>
@@ -1274,7 +1203,7 @@
       </p:grpSpPr>
       <p:sp>
         <p:nvSpPr>
-          <p:cNvPr id="80" name="PlaceHolder 1"/>
+          <p:cNvPr id="74" name="PlaceHolder 1"/>
           <p:cNvSpPr>
             <a:spLocks noGrp="1"/>
           </p:cNvSpPr>
@@ -1284,8 +1213,8 @@
         </p:nvSpPr>
         <p:spPr>
           <a:xfrm>
-            <a:off x="1484280" y="685800"/>
-            <a:ext cx="10018440" cy="1752120"/>
+            <a:off x="609480" y="273600"/>
+            <a:ext cx="10972440" cy="1144800"/>
           </a:xfrm>
           <a:prstGeom prst="rect">
             <a:avLst/>
@@ -1294,18 +1223,16 @@
         <p:txBody>
           <a:bodyPr lIns="0" rIns="0" tIns="0" bIns="0" anchor="ctr"/>
           <a:p>
-            <a:endParaRPr b="0" lang="en-US" sz="1800" spc="-1" strike="noStrike">
-              <a:solidFill>
-                <a:srgbClr val="000000"/>
-              </a:solidFill>
-              <a:latin typeface="Corbel"/>
-            </a:endParaRPr>
-          </a:p>
-        </p:txBody>
-      </p:sp>
-      <p:sp>
-        <p:nvSpPr>
-          <p:cNvPr id="81" name="PlaceHolder 2"/>
+            <a:pPr algn="ctr"/>
+            <a:endParaRPr b="0" lang="en-IN" sz="4400" spc="-1" strike="noStrike">
+              <a:latin typeface="Arial"/>
+            </a:endParaRPr>
+          </a:p>
+        </p:txBody>
+      </p:sp>
+      <p:sp>
+        <p:nvSpPr>
+          <p:cNvPr id="75" name="PlaceHolder 2"/>
           <p:cNvSpPr>
             <a:spLocks noGrp="1"/>
           </p:cNvSpPr>
@@ -1315,8 +1242,8 @@
         </p:nvSpPr>
         <p:spPr>
           <a:xfrm>
-            <a:off x="1484280" y="2666880"/>
-            <a:ext cx="4888800" cy="3123720"/>
+            <a:off x="609480" y="1604520"/>
+            <a:ext cx="5354280" cy="3977280"/>
           </a:xfrm>
           <a:prstGeom prst="rect">
             <a:avLst/>
@@ -1327,18 +1254,15 @@
             <a:normAutofit/>
           </a:bodyPr>
           <a:p>
-            <a:endParaRPr b="0" lang="en-US" sz="2400" spc="-1" strike="noStrike">
-              <a:solidFill>
-                <a:srgbClr val="000000"/>
-              </a:solidFill>
-              <a:latin typeface="Corbel"/>
-            </a:endParaRPr>
-          </a:p>
-        </p:txBody>
-      </p:sp>
-      <p:sp>
-        <p:nvSpPr>
-          <p:cNvPr id="82" name="PlaceHolder 3"/>
+            <a:endParaRPr b="0" lang="en-IN" sz="3200" spc="-1" strike="noStrike">
+              <a:latin typeface="Arial"/>
+            </a:endParaRPr>
+          </a:p>
+        </p:txBody>
+      </p:sp>
+      <p:sp>
+        <p:nvSpPr>
+          <p:cNvPr id="76" name="PlaceHolder 3"/>
           <p:cNvSpPr>
             <a:spLocks noGrp="1"/>
           </p:cNvSpPr>
@@ -1348,8 +1272,8 @@
         </p:nvSpPr>
         <p:spPr>
           <a:xfrm>
-            <a:off x="6617880" y="2666880"/>
-            <a:ext cx="4888800" cy="1489680"/>
+            <a:off x="6231960" y="1604520"/>
+            <a:ext cx="5354280" cy="1896840"/>
           </a:xfrm>
           <a:prstGeom prst="rect">
             <a:avLst/>
@@ -1360,18 +1284,15 @@
             <a:normAutofit/>
           </a:bodyPr>
           <a:p>
-            <a:endParaRPr b="0" lang="en-US" sz="2400" spc="-1" strike="noStrike">
-              <a:solidFill>
-                <a:srgbClr val="000000"/>
-              </a:solidFill>
-              <a:latin typeface="Corbel"/>
-            </a:endParaRPr>
-          </a:p>
-        </p:txBody>
-      </p:sp>
-      <p:sp>
-        <p:nvSpPr>
-          <p:cNvPr id="83" name="PlaceHolder 4"/>
+            <a:endParaRPr b="0" lang="en-IN" sz="3200" spc="-1" strike="noStrike">
+              <a:latin typeface="Arial"/>
+            </a:endParaRPr>
+          </a:p>
+        </p:txBody>
+      </p:sp>
+      <p:sp>
+        <p:nvSpPr>
+          <p:cNvPr id="77" name="PlaceHolder 4"/>
           <p:cNvSpPr>
             <a:spLocks noGrp="1"/>
           </p:cNvSpPr>
@@ -1381,8 +1302,8 @@
         </p:nvSpPr>
         <p:spPr>
           <a:xfrm>
-            <a:off x="6617880" y="4298400"/>
-            <a:ext cx="4888800" cy="1489680"/>
+            <a:off x="6231960" y="3682080"/>
+            <a:ext cx="5354280" cy="1896840"/>
           </a:xfrm>
           <a:prstGeom prst="rect">
             <a:avLst/>
@@ -1393,11 +1314,8 @@
             <a:normAutofit/>
           </a:bodyPr>
           <a:p>
-            <a:endParaRPr b="0" lang="en-US" sz="2400" spc="-1" strike="noStrike">
-              <a:solidFill>
-                <a:srgbClr val="000000"/>
-              </a:solidFill>
-              <a:latin typeface="Corbel"/>
+            <a:endParaRPr b="0" lang="en-IN" sz="3200" spc="-1" strike="noStrike">
+              <a:latin typeface="Arial"/>
             </a:endParaRPr>
           </a:p>
         </p:txBody>
@@ -1426,7 +1344,7 @@
       </p:grpSpPr>
       <p:sp>
         <p:nvSpPr>
-          <p:cNvPr id="84" name="PlaceHolder 1"/>
+          <p:cNvPr id="78" name="PlaceHolder 1"/>
           <p:cNvSpPr>
             <a:spLocks noGrp="1"/>
           </p:cNvSpPr>
@@ -1436,8 +1354,8 @@
         </p:nvSpPr>
         <p:spPr>
           <a:xfrm>
-            <a:off x="1484280" y="685800"/>
-            <a:ext cx="10018440" cy="1752120"/>
+            <a:off x="609480" y="273600"/>
+            <a:ext cx="10972440" cy="1144800"/>
           </a:xfrm>
           <a:prstGeom prst="rect">
             <a:avLst/>
@@ -1446,18 +1364,16 @@
         <p:txBody>
           <a:bodyPr lIns="0" rIns="0" tIns="0" bIns="0" anchor="ctr"/>
           <a:p>
-            <a:endParaRPr b="0" lang="en-US" sz="1800" spc="-1" strike="noStrike">
-              <a:solidFill>
-                <a:srgbClr val="000000"/>
-              </a:solidFill>
-              <a:latin typeface="Corbel"/>
-            </a:endParaRPr>
-          </a:p>
-        </p:txBody>
-      </p:sp>
-      <p:sp>
-        <p:nvSpPr>
-          <p:cNvPr id="85" name="PlaceHolder 2"/>
+            <a:pPr algn="ctr"/>
+            <a:endParaRPr b="0" lang="en-IN" sz="4400" spc="-1" strike="noStrike">
+              <a:latin typeface="Arial"/>
+            </a:endParaRPr>
+          </a:p>
+        </p:txBody>
+      </p:sp>
+      <p:sp>
+        <p:nvSpPr>
+          <p:cNvPr id="79" name="PlaceHolder 2"/>
           <p:cNvSpPr>
             <a:spLocks noGrp="1"/>
           </p:cNvSpPr>
@@ -1467,8 +1383,8 @@
         </p:nvSpPr>
         <p:spPr>
           <a:xfrm>
-            <a:off x="1484280" y="2666880"/>
-            <a:ext cx="4888800" cy="1489680"/>
+            <a:off x="609480" y="1604520"/>
+            <a:ext cx="5354280" cy="1896840"/>
           </a:xfrm>
           <a:prstGeom prst="rect">
             <a:avLst/>
@@ -1479,18 +1395,15 @@
             <a:normAutofit/>
           </a:bodyPr>
           <a:p>
-            <a:endParaRPr b="0" lang="en-US" sz="2400" spc="-1" strike="noStrike">
-              <a:solidFill>
-                <a:srgbClr val="000000"/>
-              </a:solidFill>
-              <a:latin typeface="Corbel"/>
-            </a:endParaRPr>
-          </a:p>
-        </p:txBody>
-      </p:sp>
-      <p:sp>
-        <p:nvSpPr>
-          <p:cNvPr id="86" name="PlaceHolder 3"/>
+            <a:endParaRPr b="0" lang="en-IN" sz="3200" spc="-1" strike="noStrike">
+              <a:latin typeface="Arial"/>
+            </a:endParaRPr>
+          </a:p>
+        </p:txBody>
+      </p:sp>
+      <p:sp>
+        <p:nvSpPr>
+          <p:cNvPr id="80" name="PlaceHolder 3"/>
           <p:cNvSpPr>
             <a:spLocks noGrp="1"/>
           </p:cNvSpPr>
@@ -1500,8 +1413,8 @@
         </p:nvSpPr>
         <p:spPr>
           <a:xfrm>
-            <a:off x="6617880" y="2666880"/>
-            <a:ext cx="4888800" cy="1489680"/>
+            <a:off x="6231960" y="1604520"/>
+            <a:ext cx="5354280" cy="1896840"/>
           </a:xfrm>
           <a:prstGeom prst="rect">
             <a:avLst/>
@@ -1512,18 +1425,15 @@
             <a:normAutofit/>
           </a:bodyPr>
           <a:p>
-            <a:endParaRPr b="0" lang="en-US" sz="2400" spc="-1" strike="noStrike">
-              <a:solidFill>
-                <a:srgbClr val="000000"/>
-              </a:solidFill>
-              <a:latin typeface="Corbel"/>
-            </a:endParaRPr>
-          </a:p>
-        </p:txBody>
-      </p:sp>
-      <p:sp>
-        <p:nvSpPr>
-          <p:cNvPr id="87" name="PlaceHolder 4"/>
+            <a:endParaRPr b="0" lang="en-IN" sz="3200" spc="-1" strike="noStrike">
+              <a:latin typeface="Arial"/>
+            </a:endParaRPr>
+          </a:p>
+        </p:txBody>
+      </p:sp>
+      <p:sp>
+        <p:nvSpPr>
+          <p:cNvPr id="81" name="PlaceHolder 4"/>
           <p:cNvSpPr>
             <a:spLocks noGrp="1"/>
           </p:cNvSpPr>
@@ -1533,8 +1443,8 @@
         </p:nvSpPr>
         <p:spPr>
           <a:xfrm>
-            <a:off x="1484280" y="4298400"/>
-            <a:ext cx="10018440" cy="1489680"/>
+            <a:off x="609480" y="3682080"/>
+            <a:ext cx="10972440" cy="1896840"/>
           </a:xfrm>
           <a:prstGeom prst="rect">
             <a:avLst/>
@@ -1545,11 +1455,8 @@
             <a:normAutofit/>
           </a:bodyPr>
           <a:p>
-            <a:endParaRPr b="0" lang="en-US" sz="2400" spc="-1" strike="noStrike">
-              <a:solidFill>
-                <a:srgbClr val="000000"/>
-              </a:solidFill>
-              <a:latin typeface="Corbel"/>
+            <a:endParaRPr b="0" lang="en-IN" sz="3200" spc="-1" strike="noStrike">
+              <a:latin typeface="Arial"/>
             </a:endParaRPr>
           </a:p>
         </p:txBody>
@@ -1578,7 +1485,7 @@
       </p:grpSpPr>
       <p:sp>
         <p:nvSpPr>
-          <p:cNvPr id="88" name="PlaceHolder 1"/>
+          <p:cNvPr id="82" name="PlaceHolder 1"/>
           <p:cNvSpPr>
             <a:spLocks noGrp="1"/>
           </p:cNvSpPr>
@@ -1588,8 +1495,8 @@
         </p:nvSpPr>
         <p:spPr>
           <a:xfrm>
-            <a:off x="1484280" y="685800"/>
-            <a:ext cx="10018440" cy="1752120"/>
+            <a:off x="609480" y="273600"/>
+            <a:ext cx="10972440" cy="1144800"/>
           </a:xfrm>
           <a:prstGeom prst="rect">
             <a:avLst/>
@@ -1598,18 +1505,16 @@
         <p:txBody>
           <a:bodyPr lIns="0" rIns="0" tIns="0" bIns="0" anchor="ctr"/>
           <a:p>
-            <a:endParaRPr b="0" lang="en-US" sz="1800" spc="-1" strike="noStrike">
-              <a:solidFill>
-                <a:srgbClr val="000000"/>
-              </a:solidFill>
-              <a:latin typeface="Corbel"/>
-            </a:endParaRPr>
-          </a:p>
-        </p:txBody>
-      </p:sp>
-      <p:sp>
-        <p:nvSpPr>
-          <p:cNvPr id="89" name="PlaceHolder 2"/>
+            <a:pPr algn="ctr"/>
+            <a:endParaRPr b="0" lang="en-IN" sz="4400" spc="-1" strike="noStrike">
+              <a:latin typeface="Arial"/>
+            </a:endParaRPr>
+          </a:p>
+        </p:txBody>
+      </p:sp>
+      <p:sp>
+        <p:nvSpPr>
+          <p:cNvPr id="83" name="PlaceHolder 2"/>
           <p:cNvSpPr>
             <a:spLocks noGrp="1"/>
           </p:cNvSpPr>
@@ -1619,8 +1524,8 @@
         </p:nvSpPr>
         <p:spPr>
           <a:xfrm>
-            <a:off x="1484280" y="2666880"/>
-            <a:ext cx="10018440" cy="1489680"/>
+            <a:off x="609480" y="1604520"/>
+            <a:ext cx="10972440" cy="1896840"/>
           </a:xfrm>
           <a:prstGeom prst="rect">
             <a:avLst/>
@@ -1631,18 +1536,15 @@
             <a:normAutofit/>
           </a:bodyPr>
           <a:p>
-            <a:endParaRPr b="0" lang="en-US" sz="2400" spc="-1" strike="noStrike">
-              <a:solidFill>
-                <a:srgbClr val="000000"/>
-              </a:solidFill>
-              <a:latin typeface="Corbel"/>
-            </a:endParaRPr>
-          </a:p>
-        </p:txBody>
-      </p:sp>
-      <p:sp>
-        <p:nvSpPr>
-          <p:cNvPr id="90" name="PlaceHolder 3"/>
+            <a:endParaRPr b="0" lang="en-IN" sz="3200" spc="-1" strike="noStrike">
+              <a:latin typeface="Arial"/>
+            </a:endParaRPr>
+          </a:p>
+        </p:txBody>
+      </p:sp>
+      <p:sp>
+        <p:nvSpPr>
+          <p:cNvPr id="84" name="PlaceHolder 3"/>
           <p:cNvSpPr>
             <a:spLocks noGrp="1"/>
           </p:cNvSpPr>
@@ -1652,8 +1554,8 @@
         </p:nvSpPr>
         <p:spPr>
           <a:xfrm>
-            <a:off x="1484280" y="4298400"/>
-            <a:ext cx="10018440" cy="1489680"/>
+            <a:off x="609480" y="3682080"/>
+            <a:ext cx="10972440" cy="1896840"/>
           </a:xfrm>
           <a:prstGeom prst="rect">
             <a:avLst/>
@@ -1664,11 +1566,8 @@
             <a:normAutofit/>
           </a:bodyPr>
           <a:p>
-            <a:endParaRPr b="0" lang="en-US" sz="2400" spc="-1" strike="noStrike">
-              <a:solidFill>
-                <a:srgbClr val="000000"/>
-              </a:solidFill>
-              <a:latin typeface="Corbel"/>
+            <a:endParaRPr b="0" lang="en-IN" sz="3200" spc="-1" strike="noStrike">
+              <a:latin typeface="Arial"/>
             </a:endParaRPr>
           </a:p>
         </p:txBody>
@@ -1697,7 +1596,7 @@
       </p:grpSpPr>
       <p:sp>
         <p:nvSpPr>
-          <p:cNvPr id="91" name="PlaceHolder 1"/>
+          <p:cNvPr id="85" name="PlaceHolder 1"/>
           <p:cNvSpPr>
             <a:spLocks noGrp="1"/>
           </p:cNvSpPr>
@@ -1707,8 +1606,8 @@
         </p:nvSpPr>
         <p:spPr>
           <a:xfrm>
-            <a:off x="1484280" y="685800"/>
-            <a:ext cx="10018440" cy="1752120"/>
+            <a:off x="609480" y="273600"/>
+            <a:ext cx="10972440" cy="1144800"/>
           </a:xfrm>
           <a:prstGeom prst="rect">
             <a:avLst/>
@@ -1717,18 +1616,16 @@
         <p:txBody>
           <a:bodyPr lIns="0" rIns="0" tIns="0" bIns="0" anchor="ctr"/>
           <a:p>
-            <a:endParaRPr b="0" lang="en-US" sz="1800" spc="-1" strike="noStrike">
-              <a:solidFill>
-                <a:srgbClr val="000000"/>
-              </a:solidFill>
-              <a:latin typeface="Corbel"/>
-            </a:endParaRPr>
-          </a:p>
-        </p:txBody>
-      </p:sp>
-      <p:sp>
-        <p:nvSpPr>
-          <p:cNvPr id="92" name="PlaceHolder 2"/>
+            <a:pPr algn="ctr"/>
+            <a:endParaRPr b="0" lang="en-IN" sz="4400" spc="-1" strike="noStrike">
+              <a:latin typeface="Arial"/>
+            </a:endParaRPr>
+          </a:p>
+        </p:txBody>
+      </p:sp>
+      <p:sp>
+        <p:nvSpPr>
+          <p:cNvPr id="86" name="PlaceHolder 2"/>
           <p:cNvSpPr>
             <a:spLocks noGrp="1"/>
           </p:cNvSpPr>
@@ -1738,8 +1635,8 @@
         </p:nvSpPr>
         <p:spPr>
           <a:xfrm>
-            <a:off x="1484280" y="2666880"/>
-            <a:ext cx="4888800" cy="1489680"/>
+            <a:off x="609480" y="1604520"/>
+            <a:ext cx="5354280" cy="1896840"/>
           </a:xfrm>
           <a:prstGeom prst="rect">
             <a:avLst/>
@@ -1750,18 +1647,15 @@
             <a:normAutofit/>
           </a:bodyPr>
           <a:p>
-            <a:endParaRPr b="0" lang="en-US" sz="2400" spc="-1" strike="noStrike">
-              <a:solidFill>
-                <a:srgbClr val="000000"/>
-              </a:solidFill>
-              <a:latin typeface="Corbel"/>
-            </a:endParaRPr>
-          </a:p>
-        </p:txBody>
-      </p:sp>
-      <p:sp>
-        <p:nvSpPr>
-          <p:cNvPr id="93" name="PlaceHolder 3"/>
+            <a:endParaRPr b="0" lang="en-IN" sz="3200" spc="-1" strike="noStrike">
+              <a:latin typeface="Arial"/>
+            </a:endParaRPr>
+          </a:p>
+        </p:txBody>
+      </p:sp>
+      <p:sp>
+        <p:nvSpPr>
+          <p:cNvPr id="87" name="PlaceHolder 3"/>
           <p:cNvSpPr>
             <a:spLocks noGrp="1"/>
           </p:cNvSpPr>
@@ -1771,8 +1665,8 @@
         </p:nvSpPr>
         <p:spPr>
           <a:xfrm>
-            <a:off x="6617880" y="2666880"/>
-            <a:ext cx="4888800" cy="1489680"/>
+            <a:off x="6231960" y="1604520"/>
+            <a:ext cx="5354280" cy="1896840"/>
           </a:xfrm>
           <a:prstGeom prst="rect">
             <a:avLst/>
@@ -1783,18 +1677,15 @@
             <a:normAutofit/>
           </a:bodyPr>
           <a:p>
-            <a:endParaRPr b="0" lang="en-US" sz="2400" spc="-1" strike="noStrike">
-              <a:solidFill>
-                <a:srgbClr val="000000"/>
-              </a:solidFill>
-              <a:latin typeface="Corbel"/>
-            </a:endParaRPr>
-          </a:p>
-        </p:txBody>
-      </p:sp>
-      <p:sp>
-        <p:nvSpPr>
-          <p:cNvPr id="94" name="PlaceHolder 4"/>
+            <a:endParaRPr b="0" lang="en-IN" sz="3200" spc="-1" strike="noStrike">
+              <a:latin typeface="Arial"/>
+            </a:endParaRPr>
+          </a:p>
+        </p:txBody>
+      </p:sp>
+      <p:sp>
+        <p:nvSpPr>
+          <p:cNvPr id="88" name="PlaceHolder 4"/>
           <p:cNvSpPr>
             <a:spLocks noGrp="1"/>
           </p:cNvSpPr>
@@ -1804,8 +1695,8 @@
         </p:nvSpPr>
         <p:spPr>
           <a:xfrm>
-            <a:off x="1484280" y="4298400"/>
-            <a:ext cx="4888800" cy="1489680"/>
+            <a:off x="609480" y="3682080"/>
+            <a:ext cx="5354280" cy="1896840"/>
           </a:xfrm>
           <a:prstGeom prst="rect">
             <a:avLst/>
@@ -1816,18 +1707,15 @@
             <a:normAutofit/>
           </a:bodyPr>
           <a:p>
-            <a:endParaRPr b="0" lang="en-US" sz="2400" spc="-1" strike="noStrike">
-              <a:solidFill>
-                <a:srgbClr val="000000"/>
-              </a:solidFill>
-              <a:latin typeface="Corbel"/>
-            </a:endParaRPr>
-          </a:p>
-        </p:txBody>
-      </p:sp>
-      <p:sp>
-        <p:nvSpPr>
-          <p:cNvPr id="95" name="PlaceHolder 5"/>
+            <a:endParaRPr b="0" lang="en-IN" sz="3200" spc="-1" strike="noStrike">
+              <a:latin typeface="Arial"/>
+            </a:endParaRPr>
+          </a:p>
+        </p:txBody>
+      </p:sp>
+      <p:sp>
+        <p:nvSpPr>
+          <p:cNvPr id="89" name="PlaceHolder 5"/>
           <p:cNvSpPr>
             <a:spLocks noGrp="1"/>
           </p:cNvSpPr>
@@ -1837,8 +1725,8 @@
         </p:nvSpPr>
         <p:spPr>
           <a:xfrm>
-            <a:off x="6617880" y="4298400"/>
-            <a:ext cx="4888800" cy="1489680"/>
+            <a:off x="6231960" y="3682080"/>
+            <a:ext cx="5354280" cy="1896840"/>
           </a:xfrm>
           <a:prstGeom prst="rect">
             <a:avLst/>
@@ -1849,11 +1737,8 @@
             <a:normAutofit/>
           </a:bodyPr>
           <a:p>
-            <a:endParaRPr b="0" lang="en-US" sz="2400" spc="-1" strike="noStrike">
-              <a:solidFill>
-                <a:srgbClr val="000000"/>
-              </a:solidFill>
-              <a:latin typeface="Corbel"/>
+            <a:endParaRPr b="0" lang="en-IN" sz="3200" spc="-1" strike="noStrike">
+              <a:latin typeface="Arial"/>
             </a:endParaRPr>
           </a:p>
         </p:txBody>
@@ -1882,7 +1767,7 @@
       </p:grpSpPr>
       <p:sp>
         <p:nvSpPr>
-          <p:cNvPr id="96" name="PlaceHolder 1"/>
+          <p:cNvPr id="90" name="PlaceHolder 1"/>
           <p:cNvSpPr>
             <a:spLocks noGrp="1"/>
           </p:cNvSpPr>
@@ -1892,8 +1777,8 @@
         </p:nvSpPr>
         <p:spPr>
           <a:xfrm>
-            <a:off x="1484280" y="685800"/>
-            <a:ext cx="10018440" cy="1752120"/>
+            <a:off x="609480" y="273600"/>
+            <a:ext cx="10972440" cy="1144800"/>
           </a:xfrm>
           <a:prstGeom prst="rect">
             <a:avLst/>
@@ -1902,18 +1787,16 @@
         <p:txBody>
           <a:bodyPr lIns="0" rIns="0" tIns="0" bIns="0" anchor="ctr"/>
           <a:p>
-            <a:endParaRPr b="0" lang="en-US" sz="1800" spc="-1" strike="noStrike">
-              <a:solidFill>
-                <a:srgbClr val="000000"/>
-              </a:solidFill>
-              <a:latin typeface="Corbel"/>
-            </a:endParaRPr>
-          </a:p>
-        </p:txBody>
-      </p:sp>
-      <p:sp>
-        <p:nvSpPr>
-          <p:cNvPr id="97" name="PlaceHolder 2"/>
+            <a:pPr algn="ctr"/>
+            <a:endParaRPr b="0" lang="en-IN" sz="4400" spc="-1" strike="noStrike">
+              <a:latin typeface="Arial"/>
+            </a:endParaRPr>
+          </a:p>
+        </p:txBody>
+      </p:sp>
+      <p:sp>
+        <p:nvSpPr>
+          <p:cNvPr id="91" name="PlaceHolder 2"/>
           <p:cNvSpPr>
             <a:spLocks noGrp="1"/>
           </p:cNvSpPr>
@@ -1923,8 +1806,8 @@
         </p:nvSpPr>
         <p:spPr>
           <a:xfrm>
-            <a:off x="1484280" y="2666880"/>
-            <a:ext cx="3225600" cy="1489680"/>
+            <a:off x="609480" y="1604520"/>
+            <a:ext cx="3533040" cy="1896840"/>
           </a:xfrm>
           <a:prstGeom prst="rect">
             <a:avLst/>
@@ -1935,18 +1818,15 @@
             <a:normAutofit/>
           </a:bodyPr>
           <a:p>
-            <a:endParaRPr b="0" lang="en-US" sz="2400" spc="-1" strike="noStrike">
-              <a:solidFill>
-                <a:srgbClr val="000000"/>
-              </a:solidFill>
-              <a:latin typeface="Corbel"/>
-            </a:endParaRPr>
-          </a:p>
-        </p:txBody>
-      </p:sp>
-      <p:sp>
-        <p:nvSpPr>
-          <p:cNvPr id="98" name="PlaceHolder 3"/>
+            <a:endParaRPr b="0" lang="en-IN" sz="3200" spc="-1" strike="noStrike">
+              <a:latin typeface="Arial"/>
+            </a:endParaRPr>
+          </a:p>
+        </p:txBody>
+      </p:sp>
+      <p:sp>
+        <p:nvSpPr>
+          <p:cNvPr id="92" name="PlaceHolder 3"/>
           <p:cNvSpPr>
             <a:spLocks noGrp="1"/>
           </p:cNvSpPr>
@@ -1956,8 +1836,8 @@
         </p:nvSpPr>
         <p:spPr>
           <a:xfrm>
-            <a:off x="4871520" y="2666880"/>
-            <a:ext cx="3225600" cy="1489680"/>
+            <a:off x="4319640" y="1604520"/>
+            <a:ext cx="3533040" cy="1896840"/>
           </a:xfrm>
           <a:prstGeom prst="rect">
             <a:avLst/>
@@ -1968,18 +1848,15 @@
             <a:normAutofit/>
           </a:bodyPr>
           <a:p>
-            <a:endParaRPr b="0" lang="en-US" sz="2400" spc="-1" strike="noStrike">
-              <a:solidFill>
-                <a:srgbClr val="000000"/>
-              </a:solidFill>
-              <a:latin typeface="Corbel"/>
-            </a:endParaRPr>
-          </a:p>
-        </p:txBody>
-      </p:sp>
-      <p:sp>
-        <p:nvSpPr>
-          <p:cNvPr id="99" name="PlaceHolder 4"/>
+            <a:endParaRPr b="0" lang="en-IN" sz="3200" spc="-1" strike="noStrike">
+              <a:latin typeface="Arial"/>
+            </a:endParaRPr>
+          </a:p>
+        </p:txBody>
+      </p:sp>
+      <p:sp>
+        <p:nvSpPr>
+          <p:cNvPr id="93" name="PlaceHolder 4"/>
           <p:cNvSpPr>
             <a:spLocks noGrp="1"/>
           </p:cNvSpPr>
@@ -1989,8 +1866,8 @@
         </p:nvSpPr>
         <p:spPr>
           <a:xfrm>
-            <a:off x="8258760" y="2666880"/>
-            <a:ext cx="3225600" cy="1489680"/>
+            <a:off x="8029800" y="1604520"/>
+            <a:ext cx="3533040" cy="1896840"/>
           </a:xfrm>
           <a:prstGeom prst="rect">
             <a:avLst/>
@@ -2001,18 +1878,15 @@
             <a:normAutofit/>
           </a:bodyPr>
           <a:p>
-            <a:endParaRPr b="0" lang="en-US" sz="2400" spc="-1" strike="noStrike">
-              <a:solidFill>
-                <a:srgbClr val="000000"/>
-              </a:solidFill>
-              <a:latin typeface="Corbel"/>
-            </a:endParaRPr>
-          </a:p>
-        </p:txBody>
-      </p:sp>
-      <p:sp>
-        <p:nvSpPr>
-          <p:cNvPr id="100" name="PlaceHolder 5"/>
+            <a:endParaRPr b="0" lang="en-IN" sz="3200" spc="-1" strike="noStrike">
+              <a:latin typeface="Arial"/>
+            </a:endParaRPr>
+          </a:p>
+        </p:txBody>
+      </p:sp>
+      <p:sp>
+        <p:nvSpPr>
+          <p:cNvPr id="94" name="PlaceHolder 5"/>
           <p:cNvSpPr>
             <a:spLocks noGrp="1"/>
           </p:cNvSpPr>
@@ -2022,8 +1896,8 @@
         </p:nvSpPr>
         <p:spPr>
           <a:xfrm>
-            <a:off x="1484280" y="4298400"/>
-            <a:ext cx="3225600" cy="1489680"/>
+            <a:off x="609480" y="3682080"/>
+            <a:ext cx="3533040" cy="1896840"/>
           </a:xfrm>
           <a:prstGeom prst="rect">
             <a:avLst/>
@@ -2034,18 +1908,15 @@
             <a:normAutofit/>
           </a:bodyPr>
           <a:p>
-            <a:endParaRPr b="0" lang="en-US" sz="2400" spc="-1" strike="noStrike">
-              <a:solidFill>
-                <a:srgbClr val="000000"/>
-              </a:solidFill>
-              <a:latin typeface="Corbel"/>
-            </a:endParaRPr>
-          </a:p>
-        </p:txBody>
-      </p:sp>
-      <p:sp>
-        <p:nvSpPr>
-          <p:cNvPr id="101" name="PlaceHolder 6"/>
+            <a:endParaRPr b="0" lang="en-IN" sz="3200" spc="-1" strike="noStrike">
+              <a:latin typeface="Arial"/>
+            </a:endParaRPr>
+          </a:p>
+        </p:txBody>
+      </p:sp>
+      <p:sp>
+        <p:nvSpPr>
+          <p:cNvPr id="95" name="PlaceHolder 6"/>
           <p:cNvSpPr>
             <a:spLocks noGrp="1"/>
           </p:cNvSpPr>
@@ -2055,8 +1926,8 @@
         </p:nvSpPr>
         <p:spPr>
           <a:xfrm>
-            <a:off x="4871520" y="4298400"/>
-            <a:ext cx="3225600" cy="1489680"/>
+            <a:off x="4319640" y="3682080"/>
+            <a:ext cx="3533040" cy="1896840"/>
           </a:xfrm>
           <a:prstGeom prst="rect">
             <a:avLst/>
@@ -2067,18 +1938,15 @@
             <a:normAutofit/>
           </a:bodyPr>
           <a:p>
-            <a:endParaRPr b="0" lang="en-US" sz="2400" spc="-1" strike="noStrike">
-              <a:solidFill>
-                <a:srgbClr val="000000"/>
-              </a:solidFill>
-              <a:latin typeface="Corbel"/>
-            </a:endParaRPr>
-          </a:p>
-        </p:txBody>
-      </p:sp>
-      <p:sp>
-        <p:nvSpPr>
-          <p:cNvPr id="102" name="PlaceHolder 7"/>
+            <a:endParaRPr b="0" lang="en-IN" sz="3200" spc="-1" strike="noStrike">
+              <a:latin typeface="Arial"/>
+            </a:endParaRPr>
+          </a:p>
+        </p:txBody>
+      </p:sp>
+      <p:sp>
+        <p:nvSpPr>
+          <p:cNvPr id="96" name="PlaceHolder 7"/>
           <p:cNvSpPr>
             <a:spLocks noGrp="1"/>
           </p:cNvSpPr>
@@ -2088,8 +1956,8 @@
         </p:nvSpPr>
         <p:spPr>
           <a:xfrm>
-            <a:off x="8258760" y="4298400"/>
-            <a:ext cx="3225600" cy="1489680"/>
+            <a:off x="8029800" y="3682080"/>
+            <a:ext cx="3533040" cy="1896840"/>
           </a:xfrm>
           <a:prstGeom prst="rect">
             <a:avLst/>
@@ -2100,11 +1968,8 @@
             <a:normAutofit/>
           </a:bodyPr>
           <a:p>
-            <a:endParaRPr b="0" lang="en-US" sz="2400" spc="-1" strike="noStrike">
-              <a:solidFill>
-                <a:srgbClr val="000000"/>
-              </a:solidFill>
-              <a:latin typeface="Corbel"/>
+            <a:endParaRPr b="0" lang="en-IN" sz="3200" spc="-1" strike="noStrike">
+              <a:latin typeface="Arial"/>
             </a:endParaRPr>
           </a:p>
         </p:txBody>
@@ -2133,7 +1998,7 @@
       </p:grpSpPr>
       <p:sp>
         <p:nvSpPr>
-          <p:cNvPr id="21" name="PlaceHolder 1"/>
+          <p:cNvPr id="18" name="PlaceHolder 1"/>
           <p:cNvSpPr>
             <a:spLocks noGrp="1"/>
           </p:cNvSpPr>
@@ -2143,8 +2008,8 @@
         </p:nvSpPr>
         <p:spPr>
           <a:xfrm>
-            <a:off x="1484280" y="685800"/>
-            <a:ext cx="10018440" cy="1752120"/>
+            <a:off x="609480" y="273600"/>
+            <a:ext cx="10972440" cy="1144800"/>
           </a:xfrm>
           <a:prstGeom prst="rect">
             <a:avLst/>
@@ -2153,18 +2018,16 @@
         <p:txBody>
           <a:bodyPr lIns="0" rIns="0" tIns="0" bIns="0" anchor="ctr"/>
           <a:p>
-            <a:endParaRPr b="0" lang="en-US" sz="1800" spc="-1" strike="noStrike">
-              <a:solidFill>
-                <a:srgbClr val="000000"/>
-              </a:solidFill>
-              <a:latin typeface="Corbel"/>
-            </a:endParaRPr>
-          </a:p>
-        </p:txBody>
-      </p:sp>
-      <p:sp>
-        <p:nvSpPr>
-          <p:cNvPr id="22" name="PlaceHolder 2"/>
+            <a:pPr algn="ctr"/>
+            <a:endParaRPr b="0" lang="en-IN" sz="4400" spc="-1" strike="noStrike">
+              <a:latin typeface="Arial"/>
+            </a:endParaRPr>
+          </a:p>
+        </p:txBody>
+      </p:sp>
+      <p:sp>
+        <p:nvSpPr>
+          <p:cNvPr id="19" name="PlaceHolder 2"/>
           <p:cNvSpPr>
             <a:spLocks noGrp="1"/>
           </p:cNvSpPr>
@@ -2174,8 +2037,8 @@
         </p:nvSpPr>
         <p:spPr>
           <a:xfrm>
-            <a:off x="1484280" y="2666880"/>
-            <a:ext cx="10018440" cy="3123720"/>
+            <a:off x="609480" y="1604520"/>
+            <a:ext cx="10972440" cy="3977280"/>
           </a:xfrm>
           <a:prstGeom prst="rect">
             <a:avLst/>
@@ -2186,11 +2049,8 @@
             <a:normAutofit/>
           </a:bodyPr>
           <a:p>
-            <a:endParaRPr b="0" lang="en-US" sz="2400" spc="-1" strike="noStrike">
-              <a:solidFill>
-                <a:srgbClr val="000000"/>
-              </a:solidFill>
-              <a:latin typeface="Corbel"/>
+            <a:endParaRPr b="0" lang="en-IN" sz="3200" spc="-1" strike="noStrike">
+              <a:latin typeface="Arial"/>
             </a:endParaRPr>
           </a:p>
         </p:txBody>
@@ -2219,7 +2079,7 @@
       </p:grpSpPr>
       <p:sp>
         <p:nvSpPr>
-          <p:cNvPr id="23" name="PlaceHolder 1"/>
+          <p:cNvPr id="20" name="PlaceHolder 1"/>
           <p:cNvSpPr>
             <a:spLocks noGrp="1"/>
           </p:cNvSpPr>
@@ -2229,8 +2089,8 @@
         </p:nvSpPr>
         <p:spPr>
           <a:xfrm>
-            <a:off x="1484280" y="685800"/>
-            <a:ext cx="10018440" cy="1752120"/>
+            <a:off x="609480" y="273600"/>
+            <a:ext cx="10972440" cy="1144800"/>
           </a:xfrm>
           <a:prstGeom prst="rect">
             <a:avLst/>
@@ -2239,18 +2099,16 @@
         <p:txBody>
           <a:bodyPr lIns="0" rIns="0" tIns="0" bIns="0" anchor="ctr"/>
           <a:p>
-            <a:endParaRPr b="0" lang="en-US" sz="1800" spc="-1" strike="noStrike">
-              <a:solidFill>
-                <a:srgbClr val="000000"/>
-              </a:solidFill>
-              <a:latin typeface="Corbel"/>
-            </a:endParaRPr>
-          </a:p>
-        </p:txBody>
-      </p:sp>
-      <p:sp>
-        <p:nvSpPr>
-          <p:cNvPr id="24" name="PlaceHolder 2"/>
+            <a:pPr algn="ctr"/>
+            <a:endParaRPr b="0" lang="en-IN" sz="4400" spc="-1" strike="noStrike">
+              <a:latin typeface="Arial"/>
+            </a:endParaRPr>
+          </a:p>
+        </p:txBody>
+      </p:sp>
+      <p:sp>
+        <p:nvSpPr>
+          <p:cNvPr id="21" name="PlaceHolder 2"/>
           <p:cNvSpPr>
             <a:spLocks noGrp="1"/>
           </p:cNvSpPr>
@@ -2260,8 +2118,8 @@
         </p:nvSpPr>
         <p:spPr>
           <a:xfrm>
-            <a:off x="1484280" y="2666880"/>
-            <a:ext cx="4888800" cy="3123720"/>
+            <a:off x="609480" y="1604520"/>
+            <a:ext cx="5354280" cy="3977280"/>
           </a:xfrm>
           <a:prstGeom prst="rect">
             <a:avLst/>
@@ -2272,18 +2130,15 @@
             <a:normAutofit/>
           </a:bodyPr>
           <a:p>
-            <a:endParaRPr b="0" lang="en-US" sz="2400" spc="-1" strike="noStrike">
-              <a:solidFill>
-                <a:srgbClr val="000000"/>
-              </a:solidFill>
-              <a:latin typeface="Corbel"/>
-            </a:endParaRPr>
-          </a:p>
-        </p:txBody>
-      </p:sp>
-      <p:sp>
-        <p:nvSpPr>
-          <p:cNvPr id="25" name="PlaceHolder 3"/>
+            <a:endParaRPr b="0" lang="en-IN" sz="3200" spc="-1" strike="noStrike">
+              <a:latin typeface="Arial"/>
+            </a:endParaRPr>
+          </a:p>
+        </p:txBody>
+      </p:sp>
+      <p:sp>
+        <p:nvSpPr>
+          <p:cNvPr id="22" name="PlaceHolder 3"/>
           <p:cNvSpPr>
             <a:spLocks noGrp="1"/>
           </p:cNvSpPr>
@@ -2293,8 +2148,8 @@
         </p:nvSpPr>
         <p:spPr>
           <a:xfrm>
-            <a:off x="6617880" y="2666880"/>
-            <a:ext cx="4888800" cy="3123720"/>
+            <a:off x="6231960" y="1604520"/>
+            <a:ext cx="5354280" cy="3977280"/>
           </a:xfrm>
           <a:prstGeom prst="rect">
             <a:avLst/>
@@ -2305,11 +2160,8 @@
             <a:normAutofit/>
           </a:bodyPr>
           <a:p>
-            <a:endParaRPr b="0" lang="en-US" sz="2400" spc="-1" strike="noStrike">
-              <a:solidFill>
-                <a:srgbClr val="000000"/>
-              </a:solidFill>
-              <a:latin typeface="Corbel"/>
+            <a:endParaRPr b="0" lang="en-IN" sz="3200" spc="-1" strike="noStrike">
+              <a:latin typeface="Arial"/>
             </a:endParaRPr>
           </a:p>
         </p:txBody>
@@ -2338,7 +2190,7 @@
       </p:grpSpPr>
       <p:sp>
         <p:nvSpPr>
-          <p:cNvPr id="26" name="PlaceHolder 1"/>
+          <p:cNvPr id="23" name="PlaceHolder 1"/>
           <p:cNvSpPr>
             <a:spLocks noGrp="1"/>
           </p:cNvSpPr>
@@ -2348,8 +2200,8 @@
         </p:nvSpPr>
         <p:spPr>
           <a:xfrm>
-            <a:off x="1484280" y="685800"/>
-            <a:ext cx="10018440" cy="1752120"/>
+            <a:off x="609480" y="273600"/>
+            <a:ext cx="10972440" cy="1144800"/>
           </a:xfrm>
           <a:prstGeom prst="rect">
             <a:avLst/>
@@ -2358,11 +2210,9 @@
         <p:txBody>
           <a:bodyPr lIns="0" rIns="0" tIns="0" bIns="0" anchor="ctr"/>
           <a:p>
-            <a:endParaRPr b="0" lang="en-US" sz="1800" spc="-1" strike="noStrike">
-              <a:solidFill>
-                <a:srgbClr val="000000"/>
-              </a:solidFill>
-              <a:latin typeface="Corbel"/>
+            <a:pPr algn="ctr"/>
+            <a:endParaRPr b="0" lang="en-IN" sz="4400" spc="-1" strike="noStrike">
+              <a:latin typeface="Arial"/>
             </a:endParaRPr>
           </a:p>
         </p:txBody>
@@ -2391,7 +2241,7 @@
       </p:grpSpPr>
       <p:sp>
         <p:nvSpPr>
-          <p:cNvPr id="27" name="PlaceHolder 1"/>
+          <p:cNvPr id="24" name="PlaceHolder 1"/>
           <p:cNvSpPr>
             <a:spLocks noGrp="1"/>
           </p:cNvSpPr>
@@ -2401,8 +2251,8 @@
         </p:nvSpPr>
         <p:spPr>
           <a:xfrm>
-            <a:off x="1484280" y="685800"/>
-            <a:ext cx="10018440" cy="8123040"/>
+            <a:off x="609480" y="273600"/>
+            <a:ext cx="10972440" cy="5307840"/>
           </a:xfrm>
           <a:prstGeom prst="rect">
             <a:avLst/>
@@ -2442,7 +2292,7 @@
       </p:grpSpPr>
       <p:sp>
         <p:nvSpPr>
-          <p:cNvPr id="28" name="PlaceHolder 1"/>
+          <p:cNvPr id="25" name="PlaceHolder 1"/>
           <p:cNvSpPr>
             <a:spLocks noGrp="1"/>
           </p:cNvSpPr>
@@ -2452,8 +2302,8 @@
         </p:nvSpPr>
         <p:spPr>
           <a:xfrm>
-            <a:off x="1484280" y="685800"/>
-            <a:ext cx="10018440" cy="1752120"/>
+            <a:off x="609480" y="273600"/>
+            <a:ext cx="10972440" cy="1144800"/>
           </a:xfrm>
           <a:prstGeom prst="rect">
             <a:avLst/>
@@ -2462,18 +2312,16 @@
         <p:txBody>
           <a:bodyPr lIns="0" rIns="0" tIns="0" bIns="0" anchor="ctr"/>
           <a:p>
-            <a:endParaRPr b="0" lang="en-US" sz="1800" spc="-1" strike="noStrike">
-              <a:solidFill>
-                <a:srgbClr val="000000"/>
-              </a:solidFill>
-              <a:latin typeface="Corbel"/>
-            </a:endParaRPr>
-          </a:p>
-        </p:txBody>
-      </p:sp>
-      <p:sp>
-        <p:nvSpPr>
-          <p:cNvPr id="29" name="PlaceHolder 2"/>
+            <a:pPr algn="ctr"/>
+            <a:endParaRPr b="0" lang="en-IN" sz="4400" spc="-1" strike="noStrike">
+              <a:latin typeface="Arial"/>
+            </a:endParaRPr>
+          </a:p>
+        </p:txBody>
+      </p:sp>
+      <p:sp>
+        <p:nvSpPr>
+          <p:cNvPr id="26" name="PlaceHolder 2"/>
           <p:cNvSpPr>
             <a:spLocks noGrp="1"/>
           </p:cNvSpPr>
@@ -2483,8 +2331,8 @@
         </p:nvSpPr>
         <p:spPr>
           <a:xfrm>
-            <a:off x="1484280" y="2666880"/>
-            <a:ext cx="4888800" cy="1489680"/>
+            <a:off x="609480" y="1604520"/>
+            <a:ext cx="5354280" cy="1896840"/>
           </a:xfrm>
           <a:prstGeom prst="rect">
             <a:avLst/>
@@ -2495,18 +2343,15 @@
             <a:normAutofit/>
           </a:bodyPr>
           <a:p>
-            <a:endParaRPr b="0" lang="en-US" sz="2400" spc="-1" strike="noStrike">
-              <a:solidFill>
-                <a:srgbClr val="000000"/>
-              </a:solidFill>
-              <a:latin typeface="Corbel"/>
-            </a:endParaRPr>
-          </a:p>
-        </p:txBody>
-      </p:sp>
-      <p:sp>
-        <p:nvSpPr>
-          <p:cNvPr id="30" name="PlaceHolder 3"/>
+            <a:endParaRPr b="0" lang="en-IN" sz="3200" spc="-1" strike="noStrike">
+              <a:latin typeface="Arial"/>
+            </a:endParaRPr>
+          </a:p>
+        </p:txBody>
+      </p:sp>
+      <p:sp>
+        <p:nvSpPr>
+          <p:cNvPr id="27" name="PlaceHolder 3"/>
           <p:cNvSpPr>
             <a:spLocks noGrp="1"/>
           </p:cNvSpPr>
@@ -2516,8 +2361,8 @@
         </p:nvSpPr>
         <p:spPr>
           <a:xfrm>
-            <a:off x="6617880" y="2666880"/>
-            <a:ext cx="4888800" cy="3123720"/>
+            <a:off x="6231960" y="1604520"/>
+            <a:ext cx="5354280" cy="3977280"/>
           </a:xfrm>
           <a:prstGeom prst="rect">
             <a:avLst/>
@@ -2528,18 +2373,15 @@
             <a:normAutofit/>
           </a:bodyPr>
           <a:p>
-            <a:endParaRPr b="0" lang="en-US" sz="2400" spc="-1" strike="noStrike">
-              <a:solidFill>
-                <a:srgbClr val="000000"/>
-              </a:solidFill>
-              <a:latin typeface="Corbel"/>
-            </a:endParaRPr>
-          </a:p>
-        </p:txBody>
-      </p:sp>
-      <p:sp>
-        <p:nvSpPr>
-          <p:cNvPr id="31" name="PlaceHolder 4"/>
+            <a:endParaRPr b="0" lang="en-IN" sz="3200" spc="-1" strike="noStrike">
+              <a:latin typeface="Arial"/>
+            </a:endParaRPr>
+          </a:p>
+        </p:txBody>
+      </p:sp>
+      <p:sp>
+        <p:nvSpPr>
+          <p:cNvPr id="28" name="PlaceHolder 4"/>
           <p:cNvSpPr>
             <a:spLocks noGrp="1"/>
           </p:cNvSpPr>
@@ -2549,8 +2391,8 @@
         </p:nvSpPr>
         <p:spPr>
           <a:xfrm>
-            <a:off x="1484280" y="4298400"/>
-            <a:ext cx="4888800" cy="1489680"/>
+            <a:off x="609480" y="3682080"/>
+            <a:ext cx="5354280" cy="1896840"/>
           </a:xfrm>
           <a:prstGeom prst="rect">
             <a:avLst/>
@@ -2561,11 +2403,8 @@
             <a:normAutofit/>
           </a:bodyPr>
           <a:p>
-            <a:endParaRPr b="0" lang="en-US" sz="2400" spc="-1" strike="noStrike">
-              <a:solidFill>
-                <a:srgbClr val="000000"/>
-              </a:solidFill>
-              <a:latin typeface="Corbel"/>
+            <a:endParaRPr b="0" lang="en-IN" sz="3200" spc="-1" strike="noStrike">
+              <a:latin typeface="Arial"/>
             </a:endParaRPr>
           </a:p>
         </p:txBody>
@@ -2594,7 +2433,7 @@
       </p:grpSpPr>
       <p:sp>
         <p:nvSpPr>
-          <p:cNvPr id="32" name="PlaceHolder 1"/>
+          <p:cNvPr id="29" name="PlaceHolder 1"/>
           <p:cNvSpPr>
             <a:spLocks noGrp="1"/>
           </p:cNvSpPr>
@@ -2604,8 +2443,8 @@
         </p:nvSpPr>
         <p:spPr>
           <a:xfrm>
-            <a:off x="1484280" y="685800"/>
-            <a:ext cx="10018440" cy="1752120"/>
+            <a:off x="609480" y="273600"/>
+            <a:ext cx="10972440" cy="1144800"/>
           </a:xfrm>
           <a:prstGeom prst="rect">
             <a:avLst/>
@@ -2614,18 +2453,16 @@
         <p:txBody>
           <a:bodyPr lIns="0" rIns="0" tIns="0" bIns="0" anchor="ctr"/>
           <a:p>
-            <a:endParaRPr b="0" lang="en-US" sz="1800" spc="-1" strike="noStrike">
-              <a:solidFill>
-                <a:srgbClr val="000000"/>
-              </a:solidFill>
-              <a:latin typeface="Corbel"/>
-            </a:endParaRPr>
-          </a:p>
-        </p:txBody>
-      </p:sp>
-      <p:sp>
-        <p:nvSpPr>
-          <p:cNvPr id="33" name="PlaceHolder 2"/>
+            <a:pPr algn="ctr"/>
+            <a:endParaRPr b="0" lang="en-IN" sz="4400" spc="-1" strike="noStrike">
+              <a:latin typeface="Arial"/>
+            </a:endParaRPr>
+          </a:p>
+        </p:txBody>
+      </p:sp>
+      <p:sp>
+        <p:nvSpPr>
+          <p:cNvPr id="30" name="PlaceHolder 2"/>
           <p:cNvSpPr>
             <a:spLocks noGrp="1"/>
           </p:cNvSpPr>
@@ -2635,8 +2472,8 @@
         </p:nvSpPr>
         <p:spPr>
           <a:xfrm>
-            <a:off x="1484280" y="2666880"/>
-            <a:ext cx="4888800" cy="3123720"/>
+            <a:off x="609480" y="1604520"/>
+            <a:ext cx="5354280" cy="3977280"/>
           </a:xfrm>
           <a:prstGeom prst="rect">
             <a:avLst/>
@@ -2647,18 +2484,15 @@
             <a:normAutofit/>
           </a:bodyPr>
           <a:p>
-            <a:endParaRPr b="0" lang="en-US" sz="2400" spc="-1" strike="noStrike">
-              <a:solidFill>
-                <a:srgbClr val="000000"/>
-              </a:solidFill>
-              <a:latin typeface="Corbel"/>
-            </a:endParaRPr>
-          </a:p>
-        </p:txBody>
-      </p:sp>
-      <p:sp>
-        <p:nvSpPr>
-          <p:cNvPr id="34" name="PlaceHolder 3"/>
+            <a:endParaRPr b="0" lang="en-IN" sz="3200" spc="-1" strike="noStrike">
+              <a:latin typeface="Arial"/>
+            </a:endParaRPr>
+          </a:p>
+        </p:txBody>
+      </p:sp>
+      <p:sp>
+        <p:nvSpPr>
+          <p:cNvPr id="31" name="PlaceHolder 3"/>
           <p:cNvSpPr>
             <a:spLocks noGrp="1"/>
           </p:cNvSpPr>
@@ -2668,8 +2502,8 @@
         </p:nvSpPr>
         <p:spPr>
           <a:xfrm>
-            <a:off x="6617880" y="2666880"/>
-            <a:ext cx="4888800" cy="1489680"/>
+            <a:off x="6231960" y="1604520"/>
+            <a:ext cx="5354280" cy="1896840"/>
           </a:xfrm>
           <a:prstGeom prst="rect">
             <a:avLst/>
@@ -2680,18 +2514,15 @@
             <a:normAutofit/>
           </a:bodyPr>
           <a:p>
-            <a:endParaRPr b="0" lang="en-US" sz="2400" spc="-1" strike="noStrike">
-              <a:solidFill>
-                <a:srgbClr val="000000"/>
-              </a:solidFill>
-              <a:latin typeface="Corbel"/>
-            </a:endParaRPr>
-          </a:p>
-        </p:txBody>
-      </p:sp>
-      <p:sp>
-        <p:nvSpPr>
-          <p:cNvPr id="35" name="PlaceHolder 4"/>
+            <a:endParaRPr b="0" lang="en-IN" sz="3200" spc="-1" strike="noStrike">
+              <a:latin typeface="Arial"/>
+            </a:endParaRPr>
+          </a:p>
+        </p:txBody>
+      </p:sp>
+      <p:sp>
+        <p:nvSpPr>
+          <p:cNvPr id="32" name="PlaceHolder 4"/>
           <p:cNvSpPr>
             <a:spLocks noGrp="1"/>
           </p:cNvSpPr>
@@ -2701,8 +2532,8 @@
         </p:nvSpPr>
         <p:spPr>
           <a:xfrm>
-            <a:off x="6617880" y="4298400"/>
-            <a:ext cx="4888800" cy="1489680"/>
+            <a:off x="6231960" y="3682080"/>
+            <a:ext cx="5354280" cy="1896840"/>
           </a:xfrm>
           <a:prstGeom prst="rect">
             <a:avLst/>
@@ -2713,11 +2544,8 @@
             <a:normAutofit/>
           </a:bodyPr>
           <a:p>
-            <a:endParaRPr b="0" lang="en-US" sz="2400" spc="-1" strike="noStrike">
-              <a:solidFill>
-                <a:srgbClr val="000000"/>
-              </a:solidFill>
-              <a:latin typeface="Corbel"/>
+            <a:endParaRPr b="0" lang="en-IN" sz="3200" spc="-1" strike="noStrike">
+              <a:latin typeface="Arial"/>
             </a:endParaRPr>
           </a:p>
         </p:txBody>
@@ -2746,7 +2574,7 @@
       </p:grpSpPr>
       <p:sp>
         <p:nvSpPr>
-          <p:cNvPr id="36" name="PlaceHolder 1"/>
+          <p:cNvPr id="33" name="PlaceHolder 1"/>
           <p:cNvSpPr>
             <a:spLocks noGrp="1"/>
           </p:cNvSpPr>
@@ -2756,8 +2584,8 @@
         </p:nvSpPr>
         <p:spPr>
           <a:xfrm>
-            <a:off x="1484280" y="685800"/>
-            <a:ext cx="10018440" cy="1752120"/>
+            <a:off x="609480" y="273600"/>
+            <a:ext cx="10972440" cy="1144800"/>
           </a:xfrm>
           <a:prstGeom prst="rect">
             <a:avLst/>
@@ -2766,18 +2594,16 @@
         <p:txBody>
           <a:bodyPr lIns="0" rIns="0" tIns="0" bIns="0" anchor="ctr"/>
           <a:p>
-            <a:endParaRPr b="0" lang="en-US" sz="1800" spc="-1" strike="noStrike">
-              <a:solidFill>
-                <a:srgbClr val="000000"/>
-              </a:solidFill>
-              <a:latin typeface="Corbel"/>
-            </a:endParaRPr>
-          </a:p>
-        </p:txBody>
-      </p:sp>
-      <p:sp>
-        <p:nvSpPr>
-          <p:cNvPr id="37" name="PlaceHolder 2"/>
+            <a:pPr algn="ctr"/>
+            <a:endParaRPr b="0" lang="en-IN" sz="4400" spc="-1" strike="noStrike">
+              <a:latin typeface="Arial"/>
+            </a:endParaRPr>
+          </a:p>
+        </p:txBody>
+      </p:sp>
+      <p:sp>
+        <p:nvSpPr>
+          <p:cNvPr id="34" name="PlaceHolder 2"/>
           <p:cNvSpPr>
             <a:spLocks noGrp="1"/>
           </p:cNvSpPr>
@@ -2787,8 +2613,8 @@
         </p:nvSpPr>
         <p:spPr>
           <a:xfrm>
-            <a:off x="1484280" y="2666880"/>
-            <a:ext cx="4888800" cy="1489680"/>
+            <a:off x="609480" y="1604520"/>
+            <a:ext cx="5354280" cy="1896840"/>
           </a:xfrm>
           <a:prstGeom prst="rect">
             <a:avLst/>
@@ -2799,18 +2625,15 @@
             <a:normAutofit/>
           </a:bodyPr>
           <a:p>
-            <a:endParaRPr b="0" lang="en-US" sz="2400" spc="-1" strike="noStrike">
-              <a:solidFill>
-                <a:srgbClr val="000000"/>
-              </a:solidFill>
-              <a:latin typeface="Corbel"/>
-            </a:endParaRPr>
-          </a:p>
-        </p:txBody>
-      </p:sp>
-      <p:sp>
-        <p:nvSpPr>
-          <p:cNvPr id="38" name="PlaceHolder 3"/>
+            <a:endParaRPr b="0" lang="en-IN" sz="3200" spc="-1" strike="noStrike">
+              <a:latin typeface="Arial"/>
+            </a:endParaRPr>
+          </a:p>
+        </p:txBody>
+      </p:sp>
+      <p:sp>
+        <p:nvSpPr>
+          <p:cNvPr id="35" name="PlaceHolder 3"/>
           <p:cNvSpPr>
             <a:spLocks noGrp="1"/>
           </p:cNvSpPr>
@@ -2820,8 +2643,8 @@
         </p:nvSpPr>
         <p:spPr>
           <a:xfrm>
-            <a:off x="6617880" y="2666880"/>
-            <a:ext cx="4888800" cy="1489680"/>
+            <a:off x="6231960" y="1604520"/>
+            <a:ext cx="5354280" cy="1896840"/>
           </a:xfrm>
           <a:prstGeom prst="rect">
             <a:avLst/>
@@ -2832,18 +2655,15 @@
             <a:normAutofit/>
           </a:bodyPr>
           <a:p>
-            <a:endParaRPr b="0" lang="en-US" sz="2400" spc="-1" strike="noStrike">
-              <a:solidFill>
-                <a:srgbClr val="000000"/>
-              </a:solidFill>
-              <a:latin typeface="Corbel"/>
-            </a:endParaRPr>
-          </a:p>
-        </p:txBody>
-      </p:sp>
-      <p:sp>
-        <p:nvSpPr>
-          <p:cNvPr id="39" name="PlaceHolder 4"/>
+            <a:endParaRPr b="0" lang="en-IN" sz="3200" spc="-1" strike="noStrike">
+              <a:latin typeface="Arial"/>
+            </a:endParaRPr>
+          </a:p>
+        </p:txBody>
+      </p:sp>
+      <p:sp>
+        <p:nvSpPr>
+          <p:cNvPr id="36" name="PlaceHolder 4"/>
           <p:cNvSpPr>
             <a:spLocks noGrp="1"/>
           </p:cNvSpPr>
@@ -2853,8 +2673,8 @@
         </p:nvSpPr>
         <p:spPr>
           <a:xfrm>
-            <a:off x="1484280" y="4298400"/>
-            <a:ext cx="10018440" cy="1489680"/>
+            <a:off x="609480" y="3682080"/>
+            <a:ext cx="10972440" cy="1896840"/>
           </a:xfrm>
           <a:prstGeom prst="rect">
             <a:avLst/>
@@ -2865,11 +2685,8 @@
             <a:normAutofit/>
           </a:bodyPr>
           <a:p>
-            <a:endParaRPr b="0" lang="en-US" sz="2400" spc="-1" strike="noStrike">
-              <a:solidFill>
-                <a:srgbClr val="000000"/>
-              </a:solidFill>
-              <a:latin typeface="Corbel"/>
+            <a:endParaRPr b="0" lang="en-IN" sz="3200" spc="-1" strike="noStrike">
+              <a:latin typeface="Arial"/>
             </a:endParaRPr>
           </a:p>
         </p:txBody>
@@ -2915,9 +2732,9 @@
         <p:grpSpPr>
           <a:xfrm>
             <a:off x="150840" y="0"/>
-            <a:ext cx="2436480" cy="6857640"/>
+            <a:ext cx="2436120" cy="6857280"/>
             <a:chOff x="150840" y="0"/>
-            <a:chExt cx="2436480" cy="6857640"/>
+            <a:chExt cx="2436120" cy="6857280"/>
           </a:xfrm>
         </p:grpSpPr>
         <p:sp>
@@ -2929,7 +2746,7 @@
           <p:spPr>
             <a:xfrm>
               <a:off x="457200" y="0"/>
-              <a:ext cx="1122120" cy="5328720"/>
+              <a:ext cx="1121760" cy="5328360"/>
             </a:xfrm>
             <a:custGeom>
               <a:avLst/>
@@ -2980,7 +2797,7 @@
           <p:spPr>
             <a:xfrm>
               <a:off x="150840" y="0"/>
-              <a:ext cx="1117080" cy="5276520"/>
+              <a:ext cx="1116720" cy="5276160"/>
             </a:xfrm>
             <a:custGeom>
               <a:avLst/>
@@ -3034,7 +2851,7 @@
           <p:spPr>
             <a:xfrm>
               <a:off x="150840" y="5238720"/>
-              <a:ext cx="1228320" cy="1618920"/>
+              <a:ext cx="1227960" cy="1618560"/>
             </a:xfrm>
             <a:custGeom>
               <a:avLst/>
@@ -3085,7 +2902,7 @@
           <p:spPr>
             <a:xfrm>
               <a:off x="457200" y="5291280"/>
-              <a:ext cx="1495080" cy="1566360"/>
+              <a:ext cx="1494720" cy="1566000"/>
             </a:xfrm>
             <a:custGeom>
               <a:avLst/>
@@ -3135,7 +2952,7 @@
           <p:spPr>
             <a:xfrm>
               <a:off x="457200" y="5286240"/>
-              <a:ext cx="2130120" cy="1571400"/>
+              <a:ext cx="2129760" cy="1571040"/>
             </a:xfrm>
             <a:custGeom>
               <a:avLst/>
@@ -3191,7 +3008,7 @@
           <p:spPr>
             <a:xfrm>
               <a:off x="150840" y="5238720"/>
-              <a:ext cx="1695240" cy="1618920"/>
+              <a:ext cx="1694880" cy="1618560"/>
             </a:xfrm>
             <a:custGeom>
               <a:avLst/>
@@ -3261,9 +3078,9 @@
         <p:grpSpPr>
           <a:xfrm>
             <a:off x="546120" y="-4680"/>
-            <a:ext cx="5014440" cy="6862320"/>
+            <a:ext cx="5014080" cy="6861960"/>
             <a:chOff x="546120" y="-4680"/>
-            <a:chExt cx="5014440" cy="6862320"/>
+            <a:chExt cx="5014080" cy="6861960"/>
           </a:xfrm>
         </p:grpSpPr>
         <p:sp>
@@ -3275,7 +3092,7 @@
           <p:spPr>
             <a:xfrm>
               <a:off x="984240" y="-4680"/>
-              <a:ext cx="1063440" cy="2782440"/>
+              <a:ext cx="1063080" cy="2782080"/>
             </a:xfrm>
             <a:custGeom>
               <a:avLst/>
@@ -3326,7 +3143,7 @@
           <p:spPr>
             <a:xfrm>
               <a:off x="546120" y="-4680"/>
-              <a:ext cx="1034640" cy="2673000"/>
+              <a:ext cx="1034280" cy="2672640"/>
             </a:xfrm>
             <a:custGeom>
               <a:avLst/>
@@ -3383,7 +3200,7 @@
           <p:spPr>
             <a:xfrm>
               <a:off x="546120" y="2583000"/>
-              <a:ext cx="2693520" cy="4274640"/>
+              <a:ext cx="2693160" cy="4274280"/>
             </a:xfrm>
             <a:custGeom>
               <a:avLst/>
@@ -3434,7 +3251,7 @@
           <p:spPr>
             <a:xfrm>
               <a:off x="988920" y="2692440"/>
-              <a:ext cx="3331800" cy="4165200"/>
+              <a:ext cx="3331440" cy="4164840"/>
             </a:xfrm>
             <a:custGeom>
               <a:avLst/>
@@ -3484,7 +3301,7 @@
           <p:spPr>
             <a:xfrm>
               <a:off x="984240" y="2687760"/>
-              <a:ext cx="4576320" cy="4169880"/>
+              <a:ext cx="4575960" cy="4169520"/>
             </a:xfrm>
             <a:custGeom>
               <a:avLst/>
@@ -3540,7 +3357,7 @@
           <p:spPr>
             <a:xfrm>
               <a:off x="546120" y="2577960"/>
-              <a:ext cx="3584160" cy="4279680"/>
+              <a:ext cx="3583800" cy="4279320"/>
             </a:xfrm>
             <a:custGeom>
               <a:avLst/>
@@ -3607,37 +3424,24 @@
         </p:nvSpPr>
         <p:spPr>
           <a:xfrm>
-            <a:off x="2928240" y="1380240"/>
-            <a:ext cx="8574120" cy="2615760"/>
-          </a:xfrm>
-          <a:prstGeom prst="rect">
-            <a:avLst/>
-          </a:prstGeom>
-        </p:spPr>
-        <p:txBody>
-          <a:bodyPr anchor="b">
-            <a:normAutofit/>
-          </a:bodyPr>
-          <a:p>
-            <a:pPr algn="r">
-              <a:lnSpc>
-                <a:spcPct val="100000"/>
-              </a:lnSpc>
-            </a:pPr>
+            <a:off x="1484280" y="685800"/>
+            <a:ext cx="10018080" cy="1751760"/>
+          </a:xfrm>
+          <a:prstGeom prst="rect">
+            <a:avLst/>
+          </a:prstGeom>
+        </p:spPr>
+        <p:txBody>
+          <a:bodyPr lIns="0" rIns="0" tIns="0" bIns="0" anchor="ctr"/>
+          <a:p>
             <a:r>
-              <a:rPr b="0" lang="en-US" sz="6000" spc="-1" strike="noStrike">
-                <a:solidFill>
-                  <a:srgbClr val="000000"/>
-                </a:solidFill>
-                <a:latin typeface="Corbel"/>
+              <a:rPr b="0" lang="en-IN" sz="1800" spc="-1" strike="noStrike">
+                <a:latin typeface="Arial"/>
               </a:rPr>
-              <a:t>Click to edit Master title style</a:t>
+              <a:t>Click to edit the title text format</a:t>
             </a:r>
-            <a:endParaRPr b="0" lang="en-US" sz="6000" spc="-1" strike="noStrike">
-              <a:solidFill>
-                <a:srgbClr val="000000"/>
-              </a:solidFill>
-              <a:latin typeface="Corbel"/>
+            <a:endParaRPr b="0" lang="en-IN" sz="1800" spc="-1" strike="noStrike">
+              <a:latin typeface="Arial"/>
             </a:endParaRPr>
           </a:p>
         </p:txBody>
@@ -3645,118 +3449,6 @@
       <p:sp>
         <p:nvSpPr>
           <p:cNvPr id="15" name="PlaceHolder 16"/>
-          <p:cNvSpPr>
-            <a:spLocks noGrp="1"/>
-          </p:cNvSpPr>
-          <p:nvPr>
-            <p:ph type="dt"/>
-          </p:nvPr>
-        </p:nvSpPr>
-        <p:spPr>
-          <a:xfrm>
-            <a:off x="9732600" y="5883120"/>
-            <a:ext cx="1142640" cy="364680"/>
-          </a:xfrm>
-          <a:prstGeom prst="rect">
-            <a:avLst/>
-          </a:prstGeom>
-        </p:spPr>
-        <p:txBody>
-          <a:bodyPr anchor="ctr"/>
-          <a:p>
-            <a:pPr algn="r">
-              <a:lnSpc>
-                <a:spcPct val="100000"/>
-              </a:lnSpc>
-            </a:pPr>
-            <a:fld id="{DA3C4BD2-DDA8-4584-8771-80F9AB93CE63}" type="datetime">
-              <a:rPr b="0" lang="en-IN" sz="1000" spc="-1" strike="noStrike">
-                <a:solidFill>
-                  <a:srgbClr val="000000"/>
-                </a:solidFill>
-                <a:latin typeface="Corbel"/>
-              </a:rPr>
-              <a:t>18/11/19</a:t>
-            </a:fld>
-            <a:endParaRPr b="0" lang="en-IN" sz="1000" spc="-1" strike="noStrike">
-              <a:latin typeface="Times New Roman"/>
-            </a:endParaRPr>
-          </a:p>
-        </p:txBody>
-      </p:sp>
-      <p:sp>
-        <p:nvSpPr>
-          <p:cNvPr id="16" name="PlaceHolder 17"/>
-          <p:cNvSpPr>
-            <a:spLocks noGrp="1"/>
-          </p:cNvSpPr>
-          <p:nvPr>
-            <p:ph type="ftr"/>
-          </p:nvPr>
-        </p:nvSpPr>
-        <p:spPr>
-          <a:xfrm>
-            <a:off x="5332320" y="5883120"/>
-            <a:ext cx="4323600" cy="364680"/>
-          </a:xfrm>
-          <a:prstGeom prst="rect">
-            <a:avLst/>
-          </a:prstGeom>
-        </p:spPr>
-        <p:txBody>
-          <a:bodyPr anchor="ctr"/>
-          <a:p>
-            <a:endParaRPr b="0" lang="en-IN" sz="2400" spc="-1" strike="noStrike">
-              <a:latin typeface="Times New Roman"/>
-            </a:endParaRPr>
-          </a:p>
-        </p:txBody>
-      </p:sp>
-      <p:sp>
-        <p:nvSpPr>
-          <p:cNvPr id="17" name="PlaceHolder 18"/>
-          <p:cNvSpPr>
-            <a:spLocks noGrp="1"/>
-          </p:cNvSpPr>
-          <p:nvPr>
-            <p:ph type="sldNum"/>
-          </p:nvPr>
-        </p:nvSpPr>
-        <p:spPr>
-          <a:xfrm>
-            <a:off x="10951920" y="5883120"/>
-            <a:ext cx="550800" cy="364680"/>
-          </a:xfrm>
-          <a:prstGeom prst="rect">
-            <a:avLst/>
-          </a:prstGeom>
-        </p:spPr>
-        <p:txBody>
-          <a:bodyPr anchor="ctr"/>
-          <a:p>
-            <a:pPr algn="r">
-              <a:lnSpc>
-                <a:spcPct val="100000"/>
-              </a:lnSpc>
-            </a:pPr>
-            <a:fld id="{11C8F298-C40E-4681-802A-24C7BA4EC6F0}" type="slidenum">
-              <a:rPr b="0" lang="en-IN" sz="1000" spc="-1" strike="noStrike">
-                <a:solidFill>
-                  <a:srgbClr val="000000"/>
-                </a:solidFill>
-                <a:latin typeface="Corbel"/>
-              </a:rPr>
-              <a:t>&lt;number&gt;</a:t>
-            </a:fld>
-            <a:endParaRPr b="0" lang="en-IN" sz="1000" spc="-1" strike="noStrike">
-              <a:latin typeface="Times New Roman"/>
-            </a:endParaRPr>
-          </a:p>
-        </p:txBody>
-      </p:sp>
-      <p:sp>
-        <p:nvSpPr>
-          <p:cNvPr id="18" name="PlaceHolder 19"/>
           <p:cNvSpPr>
             <a:spLocks noGrp="1"/>
           </p:cNvSpPr>
@@ -3790,19 +3482,13 @@
               <a:buChar char=""/>
             </a:pPr>
             <a:r>
-              <a:rPr b="0" lang="en-US" sz="2400" spc="-1" strike="noStrike">
-                <a:solidFill>
-                  <a:srgbClr val="000000"/>
-                </a:solidFill>
-                <a:latin typeface="Corbel"/>
+              <a:rPr b="0" lang="en-IN" sz="3200" spc="-1" strike="noStrike">
+                <a:latin typeface="Arial"/>
               </a:rPr>
               <a:t>Click to edit the outline text format</a:t>
             </a:r>
-            <a:endParaRPr b="0" lang="en-US" sz="2400" spc="-1" strike="noStrike">
-              <a:solidFill>
-                <a:srgbClr val="000000"/>
-              </a:solidFill>
-              <a:latin typeface="Corbel"/>
+            <a:endParaRPr b="0" lang="en-IN" sz="3200" spc="-1" strike="noStrike">
+              <a:latin typeface="Arial"/>
             </a:endParaRPr>
           </a:p>
           <a:p>
@@ -3818,19 +3504,13 @@
               <a:buChar char=""/>
             </a:pPr>
             <a:r>
-              <a:rPr b="0" lang="en-US" sz="1800" spc="-1" strike="noStrike">
-                <a:solidFill>
-                  <a:srgbClr val="000000"/>
-                </a:solidFill>
-                <a:latin typeface="Corbel"/>
+              <a:rPr b="0" lang="en-IN" sz="2800" spc="-1" strike="noStrike">
+                <a:latin typeface="Arial"/>
               </a:rPr>
               <a:t>Second Outline Level</a:t>
             </a:r>
-            <a:endParaRPr b="0" lang="en-US" sz="1800" spc="-1" strike="noStrike">
-              <a:solidFill>
-                <a:srgbClr val="000000"/>
-              </a:solidFill>
-              <a:latin typeface="Corbel"/>
+            <a:endParaRPr b="0" lang="en-IN" sz="2800" spc="-1" strike="noStrike">
+              <a:latin typeface="Arial"/>
             </a:endParaRPr>
           </a:p>
           <a:p>
@@ -3846,19 +3526,13 @@
               <a:buChar char=""/>
             </a:pPr>
             <a:r>
-              <a:rPr b="0" lang="en-US" sz="1600" spc="-1" strike="noStrike">
-                <a:solidFill>
-                  <a:srgbClr val="000000"/>
-                </a:solidFill>
-                <a:latin typeface="Corbel"/>
+              <a:rPr b="0" lang="en-IN" sz="2400" spc="-1" strike="noStrike">
+                <a:latin typeface="Arial"/>
               </a:rPr>
               <a:t>Third Outline Level</a:t>
             </a:r>
-            <a:endParaRPr b="0" lang="en-US" sz="1600" spc="-1" strike="noStrike">
-              <a:solidFill>
-                <a:srgbClr val="000000"/>
-              </a:solidFill>
-              <a:latin typeface="Corbel"/>
+            <a:endParaRPr b="0" lang="en-IN" sz="2400" spc="-1" strike="noStrike">
+              <a:latin typeface="Arial"/>
             </a:endParaRPr>
           </a:p>
           <a:p>
@@ -3874,19 +3548,13 @@
               <a:buChar char=""/>
             </a:pPr>
             <a:r>
-              <a:rPr b="0" lang="en-US" sz="1400" spc="-1" strike="noStrike">
-                <a:solidFill>
-                  <a:srgbClr val="000000"/>
-                </a:solidFill>
-                <a:latin typeface="Corbel"/>
+              <a:rPr b="0" lang="en-IN" sz="2000" spc="-1" strike="noStrike">
+                <a:latin typeface="Arial"/>
               </a:rPr>
               <a:t>Fourth Outline Level</a:t>
             </a:r>
-            <a:endParaRPr b="0" lang="en-US" sz="1400" spc="-1" strike="noStrike">
-              <a:solidFill>
-                <a:srgbClr val="000000"/>
-              </a:solidFill>
-              <a:latin typeface="Corbel"/>
+            <a:endParaRPr b="0" lang="en-IN" sz="2000" spc="-1" strike="noStrike">
+              <a:latin typeface="Arial"/>
             </a:endParaRPr>
           </a:p>
           <a:p>
@@ -3902,19 +3570,13 @@
               <a:buChar char=""/>
             </a:pPr>
             <a:r>
-              <a:rPr b="0" lang="en-US" sz="2000" spc="-1" strike="noStrike">
-                <a:solidFill>
-                  <a:srgbClr val="000000"/>
-                </a:solidFill>
-                <a:latin typeface="Corbel"/>
+              <a:rPr b="0" lang="en-IN" sz="2000" spc="-1" strike="noStrike">
+                <a:latin typeface="Arial"/>
               </a:rPr>
               <a:t>Fifth Outline Level</a:t>
             </a:r>
-            <a:endParaRPr b="0" lang="en-US" sz="2000" spc="-1" strike="noStrike">
-              <a:solidFill>
-                <a:srgbClr val="000000"/>
-              </a:solidFill>
-              <a:latin typeface="Corbel"/>
+            <a:endParaRPr b="0" lang="en-IN" sz="2000" spc="-1" strike="noStrike">
+              <a:latin typeface="Arial"/>
             </a:endParaRPr>
           </a:p>
           <a:p>
@@ -3930,19 +3592,13 @@
               <a:buChar char=""/>
             </a:pPr>
             <a:r>
-              <a:rPr b="0" lang="en-US" sz="2000" spc="-1" strike="noStrike">
-                <a:solidFill>
-                  <a:srgbClr val="000000"/>
-                </a:solidFill>
-                <a:latin typeface="Corbel"/>
+              <a:rPr b="0" lang="en-IN" sz="2000" spc="-1" strike="noStrike">
+                <a:latin typeface="Arial"/>
               </a:rPr>
               <a:t>Sixth Outline Level</a:t>
             </a:r>
-            <a:endParaRPr b="0" lang="en-US" sz="2000" spc="-1" strike="noStrike">
-              <a:solidFill>
-                <a:srgbClr val="000000"/>
-              </a:solidFill>
-              <a:latin typeface="Corbel"/>
+            <a:endParaRPr b="0" lang="en-IN" sz="2000" spc="-1" strike="noStrike">
+              <a:latin typeface="Arial"/>
             </a:endParaRPr>
           </a:p>
           <a:p>
@@ -3958,19 +3614,13 @@
               <a:buChar char=""/>
             </a:pPr>
             <a:r>
-              <a:rPr b="0" lang="en-US" sz="2000" spc="-1" strike="noStrike">
-                <a:solidFill>
-                  <a:srgbClr val="000000"/>
-                </a:solidFill>
-                <a:latin typeface="Corbel"/>
+              <a:rPr b="0" lang="en-IN" sz="2000" spc="-1" strike="noStrike">
+                <a:latin typeface="Arial"/>
               </a:rPr>
               <a:t>Seventh Outline Level</a:t>
             </a:r>
-            <a:endParaRPr b="0" lang="en-US" sz="2000" spc="-1" strike="noStrike">
-              <a:solidFill>
-                <a:srgbClr val="000000"/>
-              </a:solidFill>
-              <a:latin typeface="Corbel"/>
+            <a:endParaRPr b="0" lang="en-IN" sz="2000" spc="-1" strike="noStrike">
+              <a:latin typeface="Arial"/>
             </a:endParaRPr>
           </a:p>
         </p:txBody>
@@ -4024,28 +3674,28 @@
       </p:grpSpPr>
       <p:grpSp>
         <p:nvGrpSpPr>
-          <p:cNvPr id="55" name="Group 1"/>
+          <p:cNvPr id="52" name="Group 1"/>
           <p:cNvGrpSpPr/>
           <p:nvPr/>
         </p:nvGrpSpPr>
         <p:grpSpPr>
           <a:xfrm>
             <a:off x="150840" y="0"/>
-            <a:ext cx="2436480" cy="6857640"/>
+            <a:ext cx="2436120" cy="6857280"/>
             <a:chOff x="150840" y="0"/>
-            <a:chExt cx="2436480" cy="6857640"/>
+            <a:chExt cx="2436120" cy="6857280"/>
           </a:xfrm>
         </p:grpSpPr>
         <p:sp>
           <p:nvSpPr>
-            <p:cNvPr id="56" name="CustomShape 2"/>
+            <p:cNvPr id="53" name="CustomShape 2"/>
             <p:cNvSpPr/>
             <p:nvPr/>
           </p:nvSpPr>
           <p:spPr>
             <a:xfrm>
               <a:off x="457200" y="0"/>
-              <a:ext cx="1122120" cy="5328720"/>
+              <a:ext cx="1121760" cy="5328360"/>
             </a:xfrm>
             <a:custGeom>
               <a:avLst/>
@@ -4089,14 +3739,14 @@
         </p:sp>
         <p:sp>
           <p:nvSpPr>
-            <p:cNvPr id="57" name="CustomShape 3"/>
+            <p:cNvPr id="54" name="CustomShape 3"/>
             <p:cNvSpPr/>
             <p:nvPr/>
           </p:nvSpPr>
           <p:spPr>
             <a:xfrm>
               <a:off x="150840" y="0"/>
-              <a:ext cx="1117080" cy="5276520"/>
+              <a:ext cx="1116720" cy="5276160"/>
             </a:xfrm>
             <a:custGeom>
               <a:avLst/>
@@ -4143,14 +3793,14 @@
         </p:sp>
         <p:sp>
           <p:nvSpPr>
-            <p:cNvPr id="58" name="CustomShape 4"/>
+            <p:cNvPr id="55" name="CustomShape 4"/>
             <p:cNvSpPr/>
             <p:nvPr/>
           </p:nvSpPr>
           <p:spPr>
             <a:xfrm>
               <a:off x="150840" y="5238720"/>
-              <a:ext cx="1228320" cy="1618920"/>
+              <a:ext cx="1227960" cy="1618560"/>
             </a:xfrm>
             <a:custGeom>
               <a:avLst/>
@@ -4194,14 +3844,14 @@
         </p:sp>
         <p:sp>
           <p:nvSpPr>
-            <p:cNvPr id="59" name="CustomShape 5"/>
+            <p:cNvPr id="56" name="CustomShape 5"/>
             <p:cNvSpPr/>
             <p:nvPr/>
           </p:nvSpPr>
           <p:spPr>
             <a:xfrm>
               <a:off x="457200" y="5291280"/>
-              <a:ext cx="1495080" cy="1566360"/>
+              <a:ext cx="1494720" cy="1566000"/>
             </a:xfrm>
             <a:custGeom>
               <a:avLst/>
@@ -4244,14 +3894,14 @@
         </p:sp>
         <p:sp>
           <p:nvSpPr>
-            <p:cNvPr id="60" name="CustomShape 6"/>
+            <p:cNvPr id="57" name="CustomShape 6"/>
             <p:cNvSpPr/>
             <p:nvPr/>
           </p:nvSpPr>
           <p:spPr>
             <a:xfrm>
               <a:off x="457200" y="5286240"/>
-              <a:ext cx="2130120" cy="1571400"/>
+              <a:ext cx="2129760" cy="1571040"/>
             </a:xfrm>
             <a:custGeom>
               <a:avLst/>
@@ -4300,14 +3950,14 @@
         </p:sp>
         <p:sp>
           <p:nvSpPr>
-            <p:cNvPr id="61" name="CustomShape 7"/>
+            <p:cNvPr id="58" name="CustomShape 7"/>
             <p:cNvSpPr/>
             <p:nvPr/>
           </p:nvSpPr>
           <p:spPr>
             <a:xfrm>
               <a:off x="150840" y="5238720"/>
-              <a:ext cx="1695240" cy="1618920"/>
+              <a:ext cx="1694880" cy="1618560"/>
             </a:xfrm>
             <a:custGeom>
               <a:avLst/>
@@ -4370,7 +4020,7 @@
       </p:grpSp>
       <p:sp>
         <p:nvSpPr>
-          <p:cNvPr id="62" name="PlaceHolder 8"/>
+          <p:cNvPr id="59" name="PlaceHolder 8"/>
           <p:cNvSpPr>
             <a:spLocks noGrp="1"/>
           </p:cNvSpPr>
@@ -4380,42 +4030,32 @@
         </p:nvSpPr>
         <p:spPr>
           <a:xfrm>
-            <a:off x="1484280" y="685800"/>
-            <a:ext cx="10018440" cy="1752120"/>
-          </a:xfrm>
-          <a:prstGeom prst="rect">
-            <a:avLst/>
-          </a:prstGeom>
-        </p:spPr>
-        <p:txBody>
-          <a:bodyPr anchor="ctr"/>
-          <a:p>
-            <a:pPr algn="ctr">
-              <a:lnSpc>
-                <a:spcPct val="100000"/>
-              </a:lnSpc>
-            </a:pPr>
+            <a:off x="609480" y="273600"/>
+            <a:ext cx="10972440" cy="1144800"/>
+          </a:xfrm>
+          <a:prstGeom prst="rect">
+            <a:avLst/>
+          </a:prstGeom>
+        </p:spPr>
+        <p:txBody>
+          <a:bodyPr lIns="0" rIns="0" tIns="0" bIns="0" anchor="ctr"/>
+          <a:p>
+            <a:pPr algn="ctr"/>
             <a:r>
-              <a:rPr b="0" lang="en-US" sz="4000" spc="-1" strike="noStrike">
-                <a:solidFill>
-                  <a:srgbClr val="000000"/>
-                </a:solidFill>
-                <a:latin typeface="Corbel"/>
+              <a:rPr b="0" lang="en-IN" sz="4400" spc="-1" strike="noStrike">
+                <a:latin typeface="Arial"/>
               </a:rPr>
-              <a:t>Click to edit Master title style</a:t>
+              <a:t>Click to edit the title text format</a:t>
             </a:r>
-            <a:endParaRPr b="0" lang="en-US" sz="4000" spc="-1" strike="noStrike">
-              <a:solidFill>
-                <a:srgbClr val="000000"/>
-              </a:solidFill>
-              <a:latin typeface="Corbel"/>
-            </a:endParaRPr>
-          </a:p>
-        </p:txBody>
-      </p:sp>
-      <p:sp>
-        <p:nvSpPr>
-          <p:cNvPr id="63" name="PlaceHolder 9"/>
+            <a:endParaRPr b="0" lang="en-IN" sz="4400" spc="-1" strike="noStrike">
+              <a:latin typeface="Arial"/>
+            </a:endParaRPr>
+          </a:p>
+        </p:txBody>
+      </p:sp>
+      <p:sp>
+        <p:nvSpPr>
+          <p:cNvPr id="60" name="PlaceHolder 9"/>
           <p:cNvSpPr>
             <a:spLocks noGrp="1"/>
           </p:cNvSpPr>
@@ -4425,295 +4065,169 @@
         </p:nvSpPr>
         <p:spPr>
           <a:xfrm>
-            <a:off x="1484280" y="2666880"/>
-            <a:ext cx="10018440" cy="3123720"/>
-          </a:xfrm>
-          <a:prstGeom prst="rect">
-            <a:avLst/>
-          </a:prstGeom>
-        </p:spPr>
-        <p:txBody>
-          <a:bodyPr anchor="ctr"/>
-          <a:p>
-            <a:pPr marL="285840" indent="-285480">
-              <a:lnSpc>
-                <a:spcPct val="100000"/>
-              </a:lnSpc>
+            <a:off x="609480" y="1604520"/>
+            <a:ext cx="10972440" cy="3977280"/>
+          </a:xfrm>
+          <a:prstGeom prst="rect">
+            <a:avLst/>
+          </a:prstGeom>
+        </p:spPr>
+        <p:txBody>
+          <a:bodyPr lIns="0" rIns="0" tIns="0" bIns="0">
+            <a:normAutofit/>
+          </a:bodyPr>
+          <a:p>
+            <a:pPr marL="432000" indent="-324000">
               <a:spcBef>
-                <a:spcPts val="479"/>
+                <a:spcPts val="1417"/>
               </a:spcBef>
-              <a:spcAft>
-                <a:spcPts val="601"/>
-              </a:spcAft>
               <a:buClr>
-                <a:srgbClr val="8d1515"/>
+                <a:srgbClr val="000000"/>
               </a:buClr>
-              <a:buSzPct val="145000"/>
-              <a:buFont typeface="Arial"/>
-              <a:buChar char="•"/>
+              <a:buSzPct val="45000"/>
+              <a:buFont typeface="Wingdings" charset="2"/>
+              <a:buChar char=""/>
             </a:pPr>
             <a:r>
-              <a:rPr b="0" lang="en-US" sz="2400" spc="-1" strike="noStrike">
-                <a:solidFill>
-                  <a:srgbClr val="000000"/>
-                </a:solidFill>
-                <a:latin typeface="Corbel"/>
+              <a:rPr b="0" lang="en-IN" sz="3200" spc="-1" strike="noStrike">
+                <a:latin typeface="Arial"/>
               </a:rPr>
-              <a:t>Edit Master text styles</a:t>
+              <a:t>Click to edit the outline text format</a:t>
             </a:r>
-            <a:endParaRPr b="0" lang="en-US" sz="2400" spc="-1" strike="noStrike">
-              <a:solidFill>
+            <a:endParaRPr b="0" lang="en-IN" sz="3200" spc="-1" strike="noStrike">
+              <a:latin typeface="Arial"/>
+            </a:endParaRPr>
+          </a:p>
+          <a:p>
+            <a:pPr lvl="1" marL="864000" indent="-324000">
+              <a:spcBef>
+                <a:spcPts val="1134"/>
+              </a:spcBef>
+              <a:buClr>
                 <a:srgbClr val="000000"/>
-              </a:solidFill>
-              <a:latin typeface="Corbel"/>
-            </a:endParaRPr>
-          </a:p>
-          <a:p>
-            <a:pPr lvl="1" marL="743040" indent="-285480">
-              <a:lnSpc>
-                <a:spcPct val="100000"/>
-              </a:lnSpc>
-              <a:spcBef>
-                <a:spcPts val="400"/>
-              </a:spcBef>
-              <a:spcAft>
-                <a:spcPts val="601"/>
-              </a:spcAft>
-              <a:buClr>
-                <a:srgbClr val="8d1515"/>
               </a:buClr>
-              <a:buSzPct val="145000"/>
-              <a:buFont typeface="Arial"/>
-              <a:buChar char="•"/>
+              <a:buSzPct val="75000"/>
+              <a:buFont typeface="Symbol" charset="2"/>
+              <a:buChar char=""/>
             </a:pPr>
             <a:r>
-              <a:rPr b="0" lang="en-US" sz="2000" spc="-1" strike="noStrike">
-                <a:solidFill>
-                  <a:srgbClr val="000000"/>
-                </a:solidFill>
-                <a:latin typeface="Corbel"/>
+              <a:rPr b="0" lang="en-IN" sz="2800" spc="-1" strike="noStrike">
+                <a:latin typeface="Arial"/>
               </a:rPr>
-              <a:t>Second level</a:t>
+              <a:t>Second Outline Level</a:t>
             </a:r>
-            <a:endParaRPr b="0" lang="en-US" sz="2000" spc="-1" strike="noStrike">
-              <a:solidFill>
+            <a:endParaRPr b="0" lang="en-IN" sz="2800" spc="-1" strike="noStrike">
+              <a:latin typeface="Arial"/>
+            </a:endParaRPr>
+          </a:p>
+          <a:p>
+            <a:pPr lvl="2" marL="1296000" indent="-288000">
+              <a:spcBef>
+                <a:spcPts val="850"/>
+              </a:spcBef>
+              <a:buClr>
                 <a:srgbClr val="000000"/>
-              </a:solidFill>
-              <a:latin typeface="Corbel"/>
-            </a:endParaRPr>
-          </a:p>
-          <a:p>
-            <a:pPr lvl="2" marL="1200240" indent="-285480">
-              <a:lnSpc>
-                <a:spcPct val="100000"/>
-              </a:lnSpc>
-              <a:spcBef>
-                <a:spcPts val="360"/>
-              </a:spcBef>
-              <a:spcAft>
-                <a:spcPts val="601"/>
-              </a:spcAft>
-              <a:buClr>
-                <a:srgbClr val="8d1515"/>
               </a:buClr>
-              <a:buSzPct val="145000"/>
-              <a:buFont typeface="Arial"/>
-              <a:buChar char="•"/>
+              <a:buSzPct val="45000"/>
+              <a:buFont typeface="Wingdings" charset="2"/>
+              <a:buChar char=""/>
             </a:pPr>
             <a:r>
-              <a:rPr b="0" lang="en-US" sz="1800" spc="-1" strike="noStrike">
-                <a:solidFill>
-                  <a:srgbClr val="000000"/>
-                </a:solidFill>
-                <a:latin typeface="Corbel"/>
+              <a:rPr b="0" lang="en-IN" sz="2400" spc="-1" strike="noStrike">
+                <a:latin typeface="Arial"/>
               </a:rPr>
-              <a:t>Third level</a:t>
+              <a:t>Third Outline Level</a:t>
             </a:r>
-            <a:endParaRPr b="0" lang="en-US" sz="1800" spc="-1" strike="noStrike">
-              <a:solidFill>
+            <a:endParaRPr b="0" lang="en-IN" sz="2400" spc="-1" strike="noStrike">
+              <a:latin typeface="Arial"/>
+            </a:endParaRPr>
+          </a:p>
+          <a:p>
+            <a:pPr lvl="3" marL="1728000" indent="-216000">
+              <a:spcBef>
+                <a:spcPts val="567"/>
+              </a:spcBef>
+              <a:buClr>
                 <a:srgbClr val="000000"/>
-              </a:solidFill>
-              <a:latin typeface="Corbel"/>
-            </a:endParaRPr>
-          </a:p>
-          <a:p>
-            <a:pPr lvl="3" marL="1542960" indent="-171000">
-              <a:lnSpc>
-                <a:spcPct val="100000"/>
-              </a:lnSpc>
-              <a:spcBef>
-                <a:spcPts val="320"/>
-              </a:spcBef>
-              <a:spcAft>
-                <a:spcPts val="601"/>
-              </a:spcAft>
-              <a:buClr>
-                <a:srgbClr val="8d1515"/>
               </a:buClr>
-              <a:buSzPct val="145000"/>
-              <a:buFont typeface="Arial"/>
-              <a:buChar char="•"/>
+              <a:buSzPct val="75000"/>
+              <a:buFont typeface="Symbol" charset="2"/>
+              <a:buChar char=""/>
             </a:pPr>
             <a:r>
-              <a:rPr b="0" lang="en-US" sz="1600" spc="-1" strike="noStrike">
-                <a:solidFill>
-                  <a:srgbClr val="000000"/>
-                </a:solidFill>
-                <a:latin typeface="Corbel"/>
+              <a:rPr b="0" lang="en-IN" sz="2000" spc="-1" strike="noStrike">
+                <a:latin typeface="Arial"/>
               </a:rPr>
-              <a:t>Fourth level</a:t>
+              <a:t>Fourth Outline Level</a:t>
             </a:r>
-            <a:endParaRPr b="0" lang="en-US" sz="1600" spc="-1" strike="noStrike">
-              <a:solidFill>
+            <a:endParaRPr b="0" lang="en-IN" sz="2000" spc="-1" strike="noStrike">
+              <a:latin typeface="Arial"/>
+            </a:endParaRPr>
+          </a:p>
+          <a:p>
+            <a:pPr lvl="4" marL="2160000" indent="-216000">
+              <a:spcBef>
+                <a:spcPts val="283"/>
+              </a:spcBef>
+              <a:buClr>
                 <a:srgbClr val="000000"/>
-              </a:solidFill>
-              <a:latin typeface="Corbel"/>
-            </a:endParaRPr>
-          </a:p>
-          <a:p>
-            <a:pPr lvl="4" marL="2000160" indent="-171000">
-              <a:lnSpc>
-                <a:spcPct val="100000"/>
-              </a:lnSpc>
-              <a:spcBef>
-                <a:spcPts val="281"/>
-              </a:spcBef>
-              <a:spcAft>
-                <a:spcPts val="601"/>
-              </a:spcAft>
-              <a:buClr>
-                <a:srgbClr val="8d1515"/>
               </a:buClr>
-              <a:buSzPct val="145000"/>
-              <a:buFont typeface="Arial"/>
-              <a:buChar char="•"/>
+              <a:buSzPct val="45000"/>
+              <a:buFont typeface="Wingdings" charset="2"/>
+              <a:buChar char=""/>
             </a:pPr>
             <a:r>
-              <a:rPr b="0" lang="en-US" sz="1400" spc="-1" strike="noStrike">
-                <a:solidFill>
-                  <a:srgbClr val="000000"/>
-                </a:solidFill>
-                <a:latin typeface="Corbel"/>
+              <a:rPr b="0" lang="en-IN" sz="2000" spc="-1" strike="noStrike">
+                <a:latin typeface="Arial"/>
               </a:rPr>
-              <a:t>Fifth level</a:t>
+              <a:t>Fifth Outline Level</a:t>
             </a:r>
-            <a:endParaRPr b="0" lang="en-US" sz="1400" spc="-1" strike="noStrike">
-              <a:solidFill>
+            <a:endParaRPr b="0" lang="en-IN" sz="2000" spc="-1" strike="noStrike">
+              <a:latin typeface="Arial"/>
+            </a:endParaRPr>
+          </a:p>
+          <a:p>
+            <a:pPr lvl="5" marL="2592000" indent="-216000">
+              <a:spcBef>
+                <a:spcPts val="283"/>
+              </a:spcBef>
+              <a:buClr>
                 <a:srgbClr val="000000"/>
-              </a:solidFill>
-              <a:latin typeface="Corbel"/>
-            </a:endParaRPr>
-          </a:p>
-        </p:txBody>
-      </p:sp>
-      <p:sp>
-        <p:nvSpPr>
-          <p:cNvPr id="64" name="PlaceHolder 10"/>
-          <p:cNvSpPr>
-            <a:spLocks noGrp="1"/>
-          </p:cNvSpPr>
-          <p:nvPr>
-            <p:ph type="dt"/>
-          </p:nvPr>
-        </p:nvSpPr>
-        <p:spPr>
-          <a:xfrm>
-            <a:off x="9732600" y="5883120"/>
-            <a:ext cx="1142640" cy="364680"/>
-          </a:xfrm>
-          <a:prstGeom prst="rect">
-            <a:avLst/>
-          </a:prstGeom>
-        </p:spPr>
-        <p:txBody>
-          <a:bodyPr anchor="ctr"/>
-          <a:p>
-            <a:pPr algn="r">
-              <a:lnSpc>
-                <a:spcPct val="100000"/>
-              </a:lnSpc>
+              </a:buClr>
+              <a:buSzPct val="45000"/>
+              <a:buFont typeface="Wingdings" charset="2"/>
+              <a:buChar char=""/>
             </a:pPr>
-            <a:fld id="{FD204B31-7635-4BC7-A191-5B3D599524D5}" type="datetime">
-              <a:rPr b="0" lang="en-IN" sz="1000" spc="-1" strike="noStrike">
-                <a:solidFill>
-                  <a:srgbClr val="000000"/>
-                </a:solidFill>
-                <a:latin typeface="Corbel"/>
+            <a:r>
+              <a:rPr b="0" lang="en-IN" sz="2000" spc="-1" strike="noStrike">
+                <a:latin typeface="Arial"/>
               </a:rPr>
-              <a:t>18/11/19</a:t>
-            </a:fld>
-            <a:endParaRPr b="0" lang="en-IN" sz="1000" spc="-1" strike="noStrike">
-              <a:latin typeface="Times New Roman"/>
-            </a:endParaRPr>
-          </a:p>
-        </p:txBody>
-      </p:sp>
-      <p:sp>
-        <p:nvSpPr>
-          <p:cNvPr id="65" name="PlaceHolder 11"/>
-          <p:cNvSpPr>
-            <a:spLocks noGrp="1"/>
-          </p:cNvSpPr>
-          <p:nvPr>
-            <p:ph type="ftr"/>
-          </p:nvPr>
-        </p:nvSpPr>
-        <p:spPr>
-          <a:xfrm>
-            <a:off x="2572200" y="5883120"/>
-            <a:ext cx="7083720" cy="364680"/>
-          </a:xfrm>
-          <a:prstGeom prst="rect">
-            <a:avLst/>
-          </a:prstGeom>
-        </p:spPr>
-        <p:txBody>
-          <a:bodyPr anchor="ctr"/>
-          <a:p>
-            <a:endParaRPr b="0" lang="en-IN" sz="2400" spc="-1" strike="noStrike">
-              <a:latin typeface="Times New Roman"/>
-            </a:endParaRPr>
-          </a:p>
-        </p:txBody>
-      </p:sp>
-      <p:sp>
-        <p:nvSpPr>
-          <p:cNvPr id="66" name="PlaceHolder 12"/>
-          <p:cNvSpPr>
-            <a:spLocks noGrp="1"/>
-          </p:cNvSpPr>
-          <p:nvPr>
-            <p:ph type="sldNum"/>
-          </p:nvPr>
-        </p:nvSpPr>
-        <p:spPr>
-          <a:xfrm>
-            <a:off x="10951920" y="5867280"/>
-            <a:ext cx="550800" cy="364680"/>
-          </a:xfrm>
-          <a:prstGeom prst="rect">
-            <a:avLst/>
-          </a:prstGeom>
-        </p:spPr>
-        <p:txBody>
-          <a:bodyPr anchor="ctr"/>
-          <a:p>
-            <a:pPr algn="r">
-              <a:lnSpc>
-                <a:spcPct val="100000"/>
-              </a:lnSpc>
+              <a:t>Sixth Outline Level</a:t>
+            </a:r>
+            <a:endParaRPr b="0" lang="en-IN" sz="2000" spc="-1" strike="noStrike">
+              <a:latin typeface="Arial"/>
+            </a:endParaRPr>
+          </a:p>
+          <a:p>
+            <a:pPr lvl="6" marL="3024000" indent="-216000">
+              <a:spcBef>
+                <a:spcPts val="283"/>
+              </a:spcBef>
+              <a:buClr>
+                <a:srgbClr val="000000"/>
+              </a:buClr>
+              <a:buSzPct val="45000"/>
+              <a:buFont typeface="Wingdings" charset="2"/>
+              <a:buChar char=""/>
             </a:pPr>
-            <a:fld id="{31FE2469-538B-4C87-8DDE-BA5D81F3CAA6}" type="slidenum">
-              <a:rPr b="0" lang="en-IN" sz="1000" spc="-1" strike="noStrike">
-                <a:solidFill>
-                  <a:srgbClr val="000000"/>
-                </a:solidFill>
-                <a:latin typeface="Corbel"/>
+            <a:r>
+              <a:rPr b="0" lang="en-IN" sz="2000" spc="-1" strike="noStrike">
+                <a:latin typeface="Arial"/>
               </a:rPr>
-              <a:t>&lt;number&gt;</a:t>
-            </a:fld>
-            <a:endParaRPr b="0" lang="en-IN" sz="1000" spc="-1" strike="noStrike">
-              <a:latin typeface="Times New Roman"/>
+              <a:t>Seventh Outline Level</a:t>
+            </a:r>
+            <a:endParaRPr b="0" lang="en-IN" sz="2000" spc="-1" strike="noStrike">
+              <a:latin typeface="Arial"/>
             </a:endParaRPr>
           </a:p>
         </p:txBody>
@@ -4757,14 +4271,14 @@
       </p:grpSpPr>
       <p:sp>
         <p:nvSpPr>
-          <p:cNvPr id="103" name="TextShape 1"/>
-          <p:cNvSpPr txBox="1"/>
+          <p:cNvPr id="97" name="CustomShape 1"/>
+          <p:cNvSpPr/>
           <p:nvPr/>
         </p:nvSpPr>
         <p:spPr>
           <a:xfrm>
             <a:off x="2928240" y="1380240"/>
-            <a:ext cx="8574120" cy="2615760"/>
+            <a:ext cx="8573760" cy="2615400"/>
           </a:xfrm>
           <a:prstGeom prst="rect">
             <a:avLst/>
@@ -4774,8 +4288,14 @@
             <a:noFill/>
           </a:ln>
         </p:spPr>
-        <p:txBody>
-          <a:bodyPr anchor="b"/>
+        <p:style>
+          <a:lnRef idx="0"/>
+          <a:fillRef idx="0"/>
+          <a:effectRef idx="0"/>
+          <a:fontRef idx="minor"/>
+        </p:style>
+        <p:txBody>
+          <a:bodyPr lIns="90000" rIns="90000" tIns="45000" bIns="45000" anchor="b"/>
           <a:p>
             <a:pPr algn="r">
               <a:lnSpc>
@@ -4783,7 +4303,7 @@
               </a:lnSpc>
             </a:pPr>
             <a:r>
-              <a:rPr b="0" lang="en-US" sz="6000" spc="-1" strike="noStrike">
+              <a:rPr b="0" lang="en-IN" sz="6000" spc="-1" strike="noStrike">
                 <a:solidFill>
                   <a:srgbClr val="000000"/>
                 </a:solidFill>
@@ -4791,25 +4311,22 @@
               </a:rPr>
               <a:t>An analysis of applications on Google Play Store</a:t>
             </a:r>
-            <a:endParaRPr b="0" lang="en-US" sz="6000" spc="-1" strike="noStrike">
-              <a:solidFill>
-                <a:srgbClr val="000000"/>
-              </a:solidFill>
-              <a:latin typeface="Corbel"/>
-            </a:endParaRPr>
-          </a:p>
-        </p:txBody>
-      </p:sp>
-      <p:sp>
-        <p:nvSpPr>
-          <p:cNvPr id="104" name="TextShape 2"/>
-          <p:cNvSpPr txBox="1"/>
+            <a:endParaRPr b="0" lang="en-IN" sz="6000" spc="-1" strike="noStrike">
+              <a:latin typeface="Arial"/>
+            </a:endParaRPr>
+          </a:p>
+        </p:txBody>
+      </p:sp>
+      <p:sp>
+        <p:nvSpPr>
+          <p:cNvPr id="98" name="CustomShape 2"/>
+          <p:cNvSpPr/>
           <p:nvPr/>
         </p:nvSpPr>
         <p:spPr>
           <a:xfrm>
             <a:off x="4515480" y="3996360"/>
-            <a:ext cx="6987240" cy="1388160"/>
+            <a:ext cx="6986880" cy="1387800"/>
           </a:xfrm>
           <a:prstGeom prst="rect">
             <a:avLst/>
@@ -4819,8 +4336,14 @@
             <a:noFill/>
           </a:ln>
         </p:spPr>
-        <p:txBody>
-          <a:bodyPr/>
+        <p:style>
+          <a:lnRef idx="0"/>
+          <a:fillRef idx="0"/>
+          <a:effectRef idx="0"/>
+          <a:fontRef idx="minor"/>
+        </p:style>
+        <p:txBody>
+          <a:bodyPr lIns="90000" rIns="90000" tIns="45000" bIns="45000"/>
           <a:p>
             <a:pPr algn="r">
               <a:lnSpc>
@@ -4924,14 +4447,14 @@
       </p:grpSpPr>
       <p:sp>
         <p:nvSpPr>
-          <p:cNvPr id="128" name="TextShape 1"/>
-          <p:cNvSpPr txBox="1"/>
+          <p:cNvPr id="122" name="CustomShape 1"/>
+          <p:cNvSpPr/>
           <p:nvPr/>
         </p:nvSpPr>
         <p:spPr>
           <a:xfrm>
             <a:off x="1475640" y="102240"/>
-            <a:ext cx="10018440" cy="698400"/>
+            <a:ext cx="10018080" cy="698040"/>
           </a:xfrm>
           <a:prstGeom prst="rect">
             <a:avLst/>
@@ -4941,8 +4464,14 @@
             <a:noFill/>
           </a:ln>
         </p:spPr>
-        <p:txBody>
-          <a:bodyPr anchor="ctr">
+        <p:style>
+          <a:lnRef idx="0"/>
+          <a:fillRef idx="0"/>
+          <a:effectRef idx="0"/>
+          <a:fontRef idx="minor"/>
+        </p:style>
+        <p:txBody>
+          <a:bodyPr lIns="90000" rIns="90000" tIns="45000" bIns="45000" anchor="ctr">
             <a:normAutofit/>
           </a:bodyPr>
           <a:p>
@@ -4952,7 +4481,7 @@
               </a:lnSpc>
             </a:pPr>
             <a:r>
-              <a:rPr b="0" lang="en-US" sz="4000" spc="-1" strike="noStrike">
+              <a:rPr b="0" lang="en-IN" sz="4000" spc="-1" strike="noStrike">
                 <a:solidFill>
                   <a:srgbClr val="000000"/>
                 </a:solidFill>
@@ -4960,25 +4489,22 @@
               </a:rPr>
               <a:t>After cleaning (size)</a:t>
             </a:r>
-            <a:endParaRPr b="0" lang="en-US" sz="4000" spc="-1" strike="noStrike">
-              <a:solidFill>
-                <a:srgbClr val="000000"/>
-              </a:solidFill>
-              <a:latin typeface="Corbel"/>
-            </a:endParaRPr>
-          </a:p>
-        </p:txBody>
-      </p:sp>
-      <p:sp>
-        <p:nvSpPr>
-          <p:cNvPr id="129" name="CustomShape 2"/>
+            <a:endParaRPr b="0" lang="en-IN" sz="4000" spc="-1" strike="noStrike">
+              <a:latin typeface="Arial"/>
+            </a:endParaRPr>
+          </a:p>
+        </p:txBody>
+      </p:sp>
+      <p:sp>
+        <p:nvSpPr>
+          <p:cNvPr id="123" name="CustomShape 2"/>
           <p:cNvSpPr/>
           <p:nvPr/>
         </p:nvSpPr>
         <p:spPr>
           <a:xfrm>
             <a:off x="6643800" y="1253880"/>
-            <a:ext cx="3256560" cy="364680"/>
+            <a:ext cx="3256200" cy="364320"/>
           </a:xfrm>
           <a:prstGeom prst="rect">
             <a:avLst/>
@@ -5008,6 +4534,7 @@
                   <a:srgbClr val="000000"/>
                 </a:solidFill>
                 <a:latin typeface="Corbel"/>
+                <a:ea typeface="DejaVu Sans"/>
               </a:rPr>
               <a:t>Replaced ‘Varies’ with NaN</a:t>
             </a:r>
@@ -5019,14 +4546,14 @@
       </p:sp>
       <p:sp>
         <p:nvSpPr>
-          <p:cNvPr id="130" name="CustomShape 3"/>
+          <p:cNvPr id="124" name="CustomShape 3"/>
           <p:cNvSpPr/>
           <p:nvPr/>
         </p:nvSpPr>
         <p:spPr>
           <a:xfrm>
             <a:off x="3799080" y="5083560"/>
-            <a:ext cx="2522160" cy="364680"/>
+            <a:ext cx="2521800" cy="364320"/>
           </a:xfrm>
           <a:prstGeom prst="rect">
             <a:avLst/>
@@ -5056,6 +4583,7 @@
                   <a:srgbClr val="000000"/>
                 </a:solidFill>
                 <a:latin typeface="Corbel"/>
+                <a:ea typeface="DejaVu Sans"/>
               </a:rPr>
               <a:t>Removed ‘M’ and ‘k’</a:t>
             </a:r>
@@ -5067,7 +4595,7 @@
       </p:sp>
       <p:pic>
         <p:nvPicPr>
-          <p:cNvPr id="131" name="Content Placeholder 3" descr=""/>
+          <p:cNvPr id="125" name="Content Placeholder 3" descr=""/>
           <p:cNvPicPr/>
           <p:nvPr/>
         </p:nvPicPr>
@@ -5078,7 +4606,7 @@
         <p:spPr>
           <a:xfrm>
             <a:off x="1343160" y="986400"/>
-            <a:ext cx="5553720" cy="3123720"/>
+            <a:ext cx="5553360" cy="3123360"/>
           </a:xfrm>
           <a:prstGeom prst="rect">
             <a:avLst/>
@@ -5090,7 +4618,7 @@
       </p:pic>
       <p:pic>
         <p:nvPicPr>
-          <p:cNvPr id="132" name="Picture 4" descr=""/>
+          <p:cNvPr id="126" name="Picture 4" descr=""/>
           <p:cNvPicPr/>
           <p:nvPr/>
         </p:nvPicPr>
@@ -5101,7 +4629,7 @@
         <p:spPr>
           <a:xfrm>
             <a:off x="6383520" y="3517200"/>
-            <a:ext cx="5712480" cy="3213000"/>
+            <a:ext cx="5712120" cy="3212640"/>
           </a:xfrm>
           <a:prstGeom prst="rect">
             <a:avLst/>
@@ -5162,14 +4690,14 @@
       </p:grpSpPr>
       <p:sp>
         <p:nvSpPr>
-          <p:cNvPr id="133" name="TextShape 1"/>
-          <p:cNvSpPr txBox="1"/>
+          <p:cNvPr id="127" name="CustomShape 1"/>
+          <p:cNvSpPr/>
           <p:nvPr/>
         </p:nvSpPr>
         <p:spPr>
           <a:xfrm>
             <a:off x="1484280" y="685800"/>
-            <a:ext cx="10018440" cy="1752120"/>
+            <a:ext cx="10018080" cy="1751760"/>
           </a:xfrm>
           <a:prstGeom prst="rect">
             <a:avLst/>
@@ -5179,8 +4707,14 @@
             <a:noFill/>
           </a:ln>
         </p:spPr>
-        <p:txBody>
-          <a:bodyPr anchor="ctr"/>
+        <p:style>
+          <a:lnRef idx="0"/>
+          <a:fillRef idx="0"/>
+          <a:effectRef idx="0"/>
+          <a:fontRef idx="minor"/>
+        </p:style>
+        <p:txBody>
+          <a:bodyPr lIns="90000" rIns="90000" tIns="45000" bIns="45000" anchor="ctr"/>
           <a:p>
             <a:pPr algn="ctr">
               <a:lnSpc>
@@ -5188,7 +4722,7 @@
               </a:lnSpc>
             </a:pPr>
             <a:r>
-              <a:rPr b="0" lang="en-US" sz="4000" spc="-1" strike="noStrike">
+              <a:rPr b="0" lang="en-IN" sz="4000" spc="-1" strike="noStrike">
                 <a:solidFill>
                   <a:srgbClr val="000000"/>
                 </a:solidFill>
@@ -5196,25 +4730,22 @@
               </a:rPr>
               <a:t>Data Visualisation</a:t>
             </a:r>
-            <a:endParaRPr b="0" lang="en-US" sz="4000" spc="-1" strike="noStrike">
-              <a:solidFill>
-                <a:srgbClr val="000000"/>
-              </a:solidFill>
-              <a:latin typeface="Corbel"/>
-            </a:endParaRPr>
-          </a:p>
-        </p:txBody>
-      </p:sp>
-      <p:sp>
-        <p:nvSpPr>
-          <p:cNvPr id="134" name="TextShape 2"/>
-          <p:cNvSpPr txBox="1"/>
+            <a:endParaRPr b="0" lang="en-IN" sz="4000" spc="-1" strike="noStrike">
+              <a:latin typeface="Arial"/>
+            </a:endParaRPr>
+          </a:p>
+        </p:txBody>
+      </p:sp>
+      <p:sp>
+        <p:nvSpPr>
+          <p:cNvPr id="128" name="CustomShape 2"/>
+          <p:cNvSpPr/>
           <p:nvPr/>
         </p:nvSpPr>
         <p:spPr>
           <a:xfrm>
             <a:off x="1484280" y="2666880"/>
-            <a:ext cx="10018440" cy="3123720"/>
+            <a:ext cx="10018080" cy="3123360"/>
           </a:xfrm>
           <a:prstGeom prst="rect">
             <a:avLst/>
@@ -5224,8 +4755,14 @@
             <a:noFill/>
           </a:ln>
         </p:spPr>
-        <p:txBody>
-          <a:bodyPr anchor="ctr"/>
+        <p:style>
+          <a:lnRef idx="0"/>
+          <a:fillRef idx="0"/>
+          <a:effectRef idx="0"/>
+          <a:fontRef idx="minor"/>
+        </p:style>
+        <p:txBody>
+          <a:bodyPr lIns="90000" rIns="90000" tIns="45000" bIns="45000" anchor="ctr"/>
           <a:p>
             <a:pPr algn="just">
               <a:lnSpc>
@@ -5239,7 +4776,7 @@
               </a:spcAft>
             </a:pPr>
             <a:r>
-              <a:rPr b="0" lang="en-US" sz="2400" spc="-1" strike="noStrike" u="sng">
+              <a:rPr b="0" lang="en-IN" sz="2400" spc="-1" strike="noStrike" u="sng">
                 <a:solidFill>
                   <a:srgbClr val="000000"/>
                 </a:solidFill>
@@ -5248,11 +4785,8 @@
               </a:rPr>
               <a:t>1. Find out the most popular categories and what categories don’t have much competition:</a:t>
             </a:r>
-            <a:endParaRPr b="0" lang="en-US" sz="2400" spc="-1" strike="noStrike">
-              <a:solidFill>
-                <a:srgbClr val="000000"/>
-              </a:solidFill>
-              <a:latin typeface="Corbel"/>
+            <a:endParaRPr b="0" lang="en-IN" sz="2400" spc="-1" strike="noStrike">
+              <a:latin typeface="Arial"/>
             </a:endParaRPr>
           </a:p>
           <a:p>
@@ -5267,11 +4801,8 @@
                 <a:spcPts val="601"/>
               </a:spcAft>
             </a:pPr>
-            <a:endParaRPr b="0" lang="en-US" sz="2400" spc="-1" strike="noStrike">
-              <a:solidFill>
-                <a:srgbClr val="000000"/>
-              </a:solidFill>
-              <a:latin typeface="Corbel"/>
+            <a:endParaRPr b="0" lang="en-IN" sz="2400" spc="-1" strike="noStrike">
+              <a:latin typeface="Arial"/>
             </a:endParaRPr>
           </a:p>
           <a:p>
@@ -5287,7 +4818,7 @@
               </a:spcAft>
             </a:pPr>
             <a:r>
-              <a:rPr b="0" lang="en-US" sz="2400" spc="-1" strike="noStrike">
+              <a:rPr b="0" lang="en-IN" sz="2400" spc="-1" strike="noStrike">
                 <a:solidFill>
                   <a:srgbClr val="000000"/>
                 </a:solidFill>
@@ -5295,11 +4826,8 @@
               </a:rPr>
               <a:t>We create a bar graph consisting of the category on the y axis, and the number of installs on the x axis</a:t>
             </a:r>
-            <a:endParaRPr b="0" lang="en-US" sz="2400" spc="-1" strike="noStrike">
-              <a:solidFill>
-                <a:srgbClr val="000000"/>
-              </a:solidFill>
-              <a:latin typeface="Corbel"/>
+            <a:endParaRPr b="0" lang="en-IN" sz="2400" spc="-1" strike="noStrike">
+              <a:latin typeface="Arial"/>
             </a:endParaRPr>
           </a:p>
           <a:p>
@@ -5315,7 +4843,7 @@
               </a:spcAft>
             </a:pPr>
             <a:r>
-              <a:rPr b="0" lang="en-US" sz="2400" spc="-1" strike="noStrike">
+              <a:rPr b="0" lang="en-IN" sz="2400" spc="-1" strike="noStrike">
                 <a:solidFill>
                   <a:srgbClr val="000000"/>
                 </a:solidFill>
@@ -5323,11 +4851,8 @@
               </a:rPr>
               <a:t>From this we see that Family, Games, and Tools are the most popular categories, in that order.</a:t>
             </a:r>
-            <a:endParaRPr b="0" lang="en-US" sz="2400" spc="-1" strike="noStrike">
-              <a:solidFill>
-                <a:srgbClr val="000000"/>
-              </a:solidFill>
-              <a:latin typeface="Corbel"/>
+            <a:endParaRPr b="0" lang="en-IN" sz="2400" spc="-1" strike="noStrike">
+              <a:latin typeface="Arial"/>
             </a:endParaRPr>
           </a:p>
         </p:txBody>
@@ -5383,14 +4908,14 @@
       </p:grpSpPr>
       <p:sp>
         <p:nvSpPr>
-          <p:cNvPr id="135" name="TextShape 1"/>
-          <p:cNvSpPr txBox="1"/>
+          <p:cNvPr id="129" name="CustomShape 1"/>
+          <p:cNvSpPr/>
           <p:nvPr/>
         </p:nvSpPr>
         <p:spPr>
           <a:xfrm>
             <a:off x="1475640" y="102240"/>
-            <a:ext cx="10018440" cy="698400"/>
+            <a:ext cx="10018080" cy="698040"/>
           </a:xfrm>
           <a:prstGeom prst="rect">
             <a:avLst/>
@@ -5400,8 +4925,14 @@
             <a:noFill/>
           </a:ln>
         </p:spPr>
-        <p:txBody>
-          <a:bodyPr anchor="ctr">
+        <p:style>
+          <a:lnRef idx="0"/>
+          <a:fillRef idx="0"/>
+          <a:effectRef idx="0"/>
+          <a:fontRef idx="minor"/>
+        </p:style>
+        <p:txBody>
+          <a:bodyPr lIns="90000" rIns="90000" tIns="45000" bIns="45000" anchor="ctr">
             <a:normAutofit/>
           </a:bodyPr>
           <a:p>
@@ -5411,7 +4942,7 @@
               </a:lnSpc>
             </a:pPr>
             <a:r>
-              <a:rPr b="0" lang="en-US" sz="4000" spc="-1" strike="noStrike">
+              <a:rPr b="0" lang="en-IN" sz="4000" spc="-1" strike="noStrike">
                 <a:solidFill>
                   <a:srgbClr val="000000"/>
                 </a:solidFill>
@@ -5419,25 +4950,22 @@
               </a:rPr>
               <a:t>Data Visualisation</a:t>
             </a:r>
-            <a:endParaRPr b="0" lang="en-US" sz="4000" spc="-1" strike="noStrike">
-              <a:solidFill>
-                <a:srgbClr val="000000"/>
-              </a:solidFill>
-              <a:latin typeface="Corbel"/>
-            </a:endParaRPr>
-          </a:p>
-        </p:txBody>
-      </p:sp>
-      <p:sp>
-        <p:nvSpPr>
-          <p:cNvPr id="136" name="CustomShape 2"/>
+            <a:endParaRPr b="0" lang="en-IN" sz="4000" spc="-1" strike="noStrike">
+              <a:latin typeface="Arial"/>
+            </a:endParaRPr>
+          </a:p>
+        </p:txBody>
+      </p:sp>
+      <p:sp>
+        <p:nvSpPr>
+          <p:cNvPr id="130" name="CustomShape 2"/>
           <p:cNvSpPr/>
           <p:nvPr/>
         </p:nvSpPr>
         <p:spPr>
           <a:xfrm>
             <a:off x="3843720" y="5083560"/>
-            <a:ext cx="2293560" cy="364680"/>
+            <a:ext cx="2293200" cy="364320"/>
           </a:xfrm>
           <a:prstGeom prst="rect">
             <a:avLst/>
@@ -5467,6 +4995,7 @@
                   <a:srgbClr val="000000"/>
                 </a:solidFill>
                 <a:latin typeface="Corbel"/>
+                <a:ea typeface="DejaVu Sans"/>
               </a:rPr>
               <a:t>Removed commas</a:t>
             </a:r>
@@ -5478,7 +5007,7 @@
       </p:sp>
       <p:pic>
         <p:nvPicPr>
-          <p:cNvPr id="137" name="Content Placeholder 4" descr=""/>
+          <p:cNvPr id="131" name="Content Placeholder 4" descr=""/>
           <p:cNvPicPr/>
           <p:nvPr/>
         </p:nvPicPr>
@@ -5489,7 +5018,7 @@
         <p:spPr>
           <a:xfrm>
             <a:off x="2154960" y="966600"/>
-            <a:ext cx="8652240" cy="4978440"/>
+            <a:ext cx="8651880" cy="4978080"/>
           </a:xfrm>
           <a:prstGeom prst="rect">
             <a:avLst/>
@@ -5550,14 +5079,14 @@
       </p:grpSpPr>
       <p:sp>
         <p:nvSpPr>
-          <p:cNvPr id="138" name="TextShape 1"/>
-          <p:cNvSpPr txBox="1"/>
+          <p:cNvPr id="132" name="CustomShape 1"/>
+          <p:cNvSpPr/>
           <p:nvPr/>
         </p:nvSpPr>
         <p:spPr>
           <a:xfrm>
             <a:off x="1484280" y="685800"/>
-            <a:ext cx="10018440" cy="1752120"/>
+            <a:ext cx="10018080" cy="1751760"/>
           </a:xfrm>
           <a:prstGeom prst="rect">
             <a:avLst/>
@@ -5567,8 +5096,14 @@
             <a:noFill/>
           </a:ln>
         </p:spPr>
-        <p:txBody>
-          <a:bodyPr anchor="ctr"/>
+        <p:style>
+          <a:lnRef idx="0"/>
+          <a:fillRef idx="0"/>
+          <a:effectRef idx="0"/>
+          <a:fontRef idx="minor"/>
+        </p:style>
+        <p:txBody>
+          <a:bodyPr lIns="90000" rIns="90000" tIns="45000" bIns="45000" anchor="ctr"/>
           <a:p>
             <a:pPr algn="ctr">
               <a:lnSpc>
@@ -5576,7 +5111,7 @@
               </a:lnSpc>
             </a:pPr>
             <a:r>
-              <a:rPr b="0" lang="en-US" sz="4000" spc="-1" strike="noStrike">
+              <a:rPr b="0" lang="en-IN" sz="4000" spc="-1" strike="noStrike">
                 <a:solidFill>
                   <a:srgbClr val="000000"/>
                 </a:solidFill>
@@ -5584,25 +5119,22 @@
               </a:rPr>
               <a:t>Data Visualisation</a:t>
             </a:r>
-            <a:endParaRPr b="0" lang="en-US" sz="4000" spc="-1" strike="noStrike">
-              <a:solidFill>
-                <a:srgbClr val="000000"/>
-              </a:solidFill>
-              <a:latin typeface="Corbel"/>
-            </a:endParaRPr>
-          </a:p>
-        </p:txBody>
-      </p:sp>
-      <p:sp>
-        <p:nvSpPr>
-          <p:cNvPr id="139" name="TextShape 2"/>
-          <p:cNvSpPr txBox="1"/>
+            <a:endParaRPr b="0" lang="en-IN" sz="4000" spc="-1" strike="noStrike">
+              <a:latin typeface="Arial"/>
+            </a:endParaRPr>
+          </a:p>
+        </p:txBody>
+      </p:sp>
+      <p:sp>
+        <p:nvSpPr>
+          <p:cNvPr id="133" name="CustomShape 2"/>
+          <p:cNvSpPr/>
           <p:nvPr/>
         </p:nvSpPr>
         <p:spPr>
           <a:xfrm>
             <a:off x="1484280" y="2666880"/>
-            <a:ext cx="10018440" cy="3123720"/>
+            <a:ext cx="10018080" cy="3123360"/>
           </a:xfrm>
           <a:prstGeom prst="rect">
             <a:avLst/>
@@ -5612,8 +5144,14 @@
             <a:noFill/>
           </a:ln>
         </p:spPr>
-        <p:txBody>
-          <a:bodyPr anchor="ctr"/>
+        <p:style>
+          <a:lnRef idx="0"/>
+          <a:fillRef idx="0"/>
+          <a:effectRef idx="0"/>
+          <a:fontRef idx="minor"/>
+        </p:style>
+        <p:txBody>
+          <a:bodyPr lIns="90000" rIns="90000" tIns="45000" bIns="45000" anchor="ctr"/>
           <a:p>
             <a:pPr algn="just">
               <a:lnSpc>
@@ -5627,7 +5165,7 @@
               </a:spcAft>
             </a:pPr>
             <a:r>
-              <a:rPr b="0" lang="en-US" sz="2400" spc="-1" strike="noStrike" u="sng">
+              <a:rPr b="0" lang="en-IN" sz="2400" spc="-1" strike="noStrike" u="sng">
                 <a:solidFill>
                   <a:srgbClr val="000000"/>
                 </a:solidFill>
@@ -5636,11 +5174,8 @@
               </a:rPr>
               <a:t>2. The distribution of apps and their ratings:</a:t>
             </a:r>
-            <a:endParaRPr b="0" lang="en-US" sz="2400" spc="-1" strike="noStrike">
-              <a:solidFill>
-                <a:srgbClr val="000000"/>
-              </a:solidFill>
-              <a:latin typeface="Corbel"/>
+            <a:endParaRPr b="0" lang="en-IN" sz="2400" spc="-1" strike="noStrike">
+              <a:latin typeface="Arial"/>
             </a:endParaRPr>
           </a:p>
           <a:p>
@@ -5655,11 +5190,8 @@
                 <a:spcPts val="601"/>
               </a:spcAft>
             </a:pPr>
-            <a:endParaRPr b="0" lang="en-US" sz="2400" spc="-1" strike="noStrike">
-              <a:solidFill>
-                <a:srgbClr val="000000"/>
-              </a:solidFill>
-              <a:latin typeface="Corbel"/>
+            <a:endParaRPr b="0" lang="en-IN" sz="2400" spc="-1" strike="noStrike">
+              <a:latin typeface="Arial"/>
             </a:endParaRPr>
           </a:p>
           <a:p>
@@ -5675,7 +5207,7 @@
               </a:spcAft>
             </a:pPr>
             <a:r>
-              <a:rPr b="0" lang="en-US" sz="2400" spc="-1" strike="noStrike">
+              <a:rPr b="0" lang="en-IN" sz="2400" spc="-1" strike="noStrike">
                 <a:solidFill>
                   <a:srgbClr val="000000"/>
                 </a:solidFill>
@@ -5683,11 +5215,8 @@
               </a:rPr>
               <a:t>Similar to last time, we plot the number of apps on the y axis and the rating on the x axis.</a:t>
             </a:r>
-            <a:endParaRPr b="0" lang="en-US" sz="2400" spc="-1" strike="noStrike">
-              <a:solidFill>
-                <a:srgbClr val="000000"/>
-              </a:solidFill>
-              <a:latin typeface="Corbel"/>
+            <a:endParaRPr b="0" lang="en-IN" sz="2400" spc="-1" strike="noStrike">
+              <a:latin typeface="Arial"/>
             </a:endParaRPr>
           </a:p>
           <a:p>
@@ -5703,7 +5232,7 @@
               </a:spcAft>
             </a:pPr>
             <a:r>
-              <a:rPr b="0" lang="en-US" sz="2400" spc="-1" strike="noStrike">
+              <a:rPr b="0" lang="en-IN" sz="2400" spc="-1" strike="noStrike">
                 <a:solidFill>
                   <a:srgbClr val="000000"/>
                 </a:solidFill>
@@ -5711,11 +5240,8 @@
               </a:rPr>
               <a:t>We can see that most apps lie between 4 to 5  points.</a:t>
             </a:r>
-            <a:endParaRPr b="0" lang="en-US" sz="2400" spc="-1" strike="noStrike">
-              <a:solidFill>
-                <a:srgbClr val="000000"/>
-              </a:solidFill>
-              <a:latin typeface="Corbel"/>
+            <a:endParaRPr b="0" lang="en-IN" sz="2400" spc="-1" strike="noStrike">
+              <a:latin typeface="Arial"/>
             </a:endParaRPr>
           </a:p>
         </p:txBody>
@@ -5771,14 +5297,14 @@
       </p:grpSpPr>
       <p:sp>
         <p:nvSpPr>
-          <p:cNvPr id="140" name="TextShape 1"/>
-          <p:cNvSpPr txBox="1"/>
+          <p:cNvPr id="134" name="CustomShape 1"/>
+          <p:cNvSpPr/>
           <p:nvPr/>
         </p:nvSpPr>
         <p:spPr>
           <a:xfrm>
             <a:off x="1475640" y="102240"/>
-            <a:ext cx="10018440" cy="698400"/>
+            <a:ext cx="10018080" cy="698040"/>
           </a:xfrm>
           <a:prstGeom prst="rect">
             <a:avLst/>
@@ -5788,8 +5314,14 @@
             <a:noFill/>
           </a:ln>
         </p:spPr>
-        <p:txBody>
-          <a:bodyPr anchor="ctr">
+        <p:style>
+          <a:lnRef idx="0"/>
+          <a:fillRef idx="0"/>
+          <a:effectRef idx="0"/>
+          <a:fontRef idx="minor"/>
+        </p:style>
+        <p:txBody>
+          <a:bodyPr lIns="90000" rIns="90000" tIns="45000" bIns="45000" anchor="ctr">
             <a:normAutofit/>
           </a:bodyPr>
           <a:p>
@@ -5799,7 +5331,7 @@
               </a:lnSpc>
             </a:pPr>
             <a:r>
-              <a:rPr b="0" lang="en-US" sz="4000" spc="-1" strike="noStrike">
+              <a:rPr b="0" lang="en-IN" sz="4000" spc="-1" strike="noStrike">
                 <a:solidFill>
                   <a:srgbClr val="000000"/>
                 </a:solidFill>
@@ -5807,25 +5339,22 @@
               </a:rPr>
               <a:t>Data Visualisation</a:t>
             </a:r>
-            <a:endParaRPr b="0" lang="en-US" sz="4000" spc="-1" strike="noStrike">
-              <a:solidFill>
-                <a:srgbClr val="000000"/>
-              </a:solidFill>
-              <a:latin typeface="Corbel"/>
-            </a:endParaRPr>
-          </a:p>
-        </p:txBody>
-      </p:sp>
-      <p:sp>
-        <p:nvSpPr>
-          <p:cNvPr id="141" name="CustomShape 2"/>
+            <a:endParaRPr b="0" lang="en-IN" sz="4000" spc="-1" strike="noStrike">
+              <a:latin typeface="Arial"/>
+            </a:endParaRPr>
+          </a:p>
+        </p:txBody>
+      </p:sp>
+      <p:sp>
+        <p:nvSpPr>
+          <p:cNvPr id="135" name="CustomShape 2"/>
           <p:cNvSpPr/>
           <p:nvPr/>
         </p:nvSpPr>
         <p:spPr>
           <a:xfrm>
             <a:off x="3843720" y="5083560"/>
-            <a:ext cx="2293560" cy="364680"/>
+            <a:ext cx="2293200" cy="364320"/>
           </a:xfrm>
           <a:prstGeom prst="rect">
             <a:avLst/>
@@ -5855,6 +5384,7 @@
                   <a:srgbClr val="000000"/>
                 </a:solidFill>
                 <a:latin typeface="Corbel"/>
+                <a:ea typeface="DejaVu Sans"/>
               </a:rPr>
               <a:t>Removed commas</a:t>
             </a:r>
@@ -5866,7 +5396,7 @@
       </p:sp>
       <p:pic>
         <p:nvPicPr>
-          <p:cNvPr id="142" name="Content Placeholder 4" descr=""/>
+          <p:cNvPr id="136" name="Content Placeholder 4" descr=""/>
           <p:cNvPicPr/>
           <p:nvPr/>
         </p:nvPicPr>
@@ -5877,7 +5407,7 @@
         <p:spPr>
           <a:xfrm>
             <a:off x="955440" y="2111760"/>
-            <a:ext cx="5639400" cy="3664440"/>
+            <a:ext cx="5639040" cy="3664080"/>
           </a:xfrm>
           <a:prstGeom prst="rect">
             <a:avLst/>
@@ -5889,7 +5419,7 @@
       </p:pic>
       <p:pic>
         <p:nvPicPr>
-          <p:cNvPr id="143" name="Picture 5" descr=""/>
+          <p:cNvPr id="137" name="Picture 5" descr=""/>
           <p:cNvPicPr/>
           <p:nvPr/>
         </p:nvPicPr>
@@ -5900,7 +5430,7 @@
         <p:spPr>
           <a:xfrm>
             <a:off x="6746400" y="2111760"/>
-            <a:ext cx="5175360" cy="3664440"/>
+            <a:ext cx="5175000" cy="3664080"/>
           </a:xfrm>
           <a:prstGeom prst="rect">
             <a:avLst/>
@@ -5961,14 +5491,14 @@
       </p:grpSpPr>
       <p:sp>
         <p:nvSpPr>
-          <p:cNvPr id="144" name="TextShape 1"/>
-          <p:cNvSpPr txBox="1"/>
+          <p:cNvPr id="138" name="CustomShape 1"/>
+          <p:cNvSpPr/>
           <p:nvPr/>
         </p:nvSpPr>
         <p:spPr>
           <a:xfrm>
             <a:off x="1484280" y="685800"/>
-            <a:ext cx="10018440" cy="1752120"/>
+            <a:ext cx="10018080" cy="1751760"/>
           </a:xfrm>
           <a:prstGeom prst="rect">
             <a:avLst/>
@@ -5978,8 +5508,14 @@
             <a:noFill/>
           </a:ln>
         </p:spPr>
-        <p:txBody>
-          <a:bodyPr anchor="ctr"/>
+        <p:style>
+          <a:lnRef idx="0"/>
+          <a:fillRef idx="0"/>
+          <a:effectRef idx="0"/>
+          <a:fontRef idx="minor"/>
+        </p:style>
+        <p:txBody>
+          <a:bodyPr lIns="90000" rIns="90000" tIns="45000" bIns="45000" anchor="ctr"/>
           <a:p>
             <a:pPr algn="ctr">
               <a:lnSpc>
@@ -5987,7 +5523,7 @@
               </a:lnSpc>
             </a:pPr>
             <a:r>
-              <a:rPr b="0" lang="en-US" sz="4000" spc="-1" strike="noStrike">
+              <a:rPr b="0" lang="en-IN" sz="4000" spc="-1" strike="noStrike">
                 <a:solidFill>
                   <a:srgbClr val="000000"/>
                 </a:solidFill>
@@ -5995,25 +5531,22 @@
               </a:rPr>
               <a:t>Data Visualisation</a:t>
             </a:r>
-            <a:endParaRPr b="0" lang="en-US" sz="4000" spc="-1" strike="noStrike">
-              <a:solidFill>
-                <a:srgbClr val="000000"/>
-              </a:solidFill>
-              <a:latin typeface="Corbel"/>
-            </a:endParaRPr>
-          </a:p>
-        </p:txBody>
-      </p:sp>
-      <p:sp>
-        <p:nvSpPr>
-          <p:cNvPr id="145" name="TextShape 2"/>
-          <p:cNvSpPr txBox="1"/>
+            <a:endParaRPr b="0" lang="en-IN" sz="4000" spc="-1" strike="noStrike">
+              <a:latin typeface="Arial"/>
+            </a:endParaRPr>
+          </a:p>
+        </p:txBody>
+      </p:sp>
+      <p:sp>
+        <p:nvSpPr>
+          <p:cNvPr id="139" name="CustomShape 2"/>
+          <p:cNvSpPr/>
           <p:nvPr/>
         </p:nvSpPr>
         <p:spPr>
           <a:xfrm>
             <a:off x="1484280" y="2666880"/>
-            <a:ext cx="10018440" cy="3123720"/>
+            <a:ext cx="10018080" cy="3123360"/>
           </a:xfrm>
           <a:prstGeom prst="rect">
             <a:avLst/>
@@ -6023,8 +5556,14 @@
             <a:noFill/>
           </a:ln>
         </p:spPr>
-        <p:txBody>
-          <a:bodyPr anchor="ctr"/>
+        <p:style>
+          <a:lnRef idx="0"/>
+          <a:fillRef idx="0"/>
+          <a:effectRef idx="0"/>
+          <a:fontRef idx="minor"/>
+        </p:style>
+        <p:txBody>
+          <a:bodyPr lIns="90000" rIns="90000" tIns="45000" bIns="45000" anchor="ctr"/>
           <a:p>
             <a:pPr algn="just">
               <a:lnSpc>
@@ -6038,7 +5577,7 @@
               </a:spcAft>
             </a:pPr>
             <a:r>
-              <a:rPr b="0" lang="en-US" sz="2400" spc="-1" strike="noStrike" u="sng">
+              <a:rPr b="0" lang="en-IN" sz="2400" spc="-1" strike="noStrike" u="sng">
                 <a:solidFill>
                   <a:srgbClr val="000000"/>
                 </a:solidFill>
@@ -6047,11 +5586,8 @@
               </a:rPr>
               <a:t>3. Paid vs Free apps:</a:t>
             </a:r>
-            <a:endParaRPr b="0" lang="en-US" sz="2400" spc="-1" strike="noStrike">
-              <a:solidFill>
-                <a:srgbClr val="000000"/>
-              </a:solidFill>
-              <a:latin typeface="Corbel"/>
+            <a:endParaRPr b="0" lang="en-IN" sz="2400" spc="-1" strike="noStrike">
+              <a:latin typeface="Arial"/>
             </a:endParaRPr>
           </a:p>
           <a:p>
@@ -6066,11 +5602,8 @@
                 <a:spcPts val="601"/>
               </a:spcAft>
             </a:pPr>
-            <a:endParaRPr b="0" lang="en-US" sz="2400" spc="-1" strike="noStrike">
-              <a:solidFill>
-                <a:srgbClr val="000000"/>
-              </a:solidFill>
-              <a:latin typeface="Corbel"/>
+            <a:endParaRPr b="0" lang="en-IN" sz="2400" spc="-1" strike="noStrike">
+              <a:latin typeface="Arial"/>
             </a:endParaRPr>
           </a:p>
           <a:p>
@@ -6086,7 +5619,7 @@
               </a:spcAft>
             </a:pPr>
             <a:r>
-              <a:rPr b="0" lang="en-US" sz="2400" spc="-1" strike="noStrike">
+              <a:rPr b="0" lang="en-IN" sz="2400" spc="-1" strike="noStrike">
                 <a:solidFill>
                   <a:srgbClr val="000000"/>
                 </a:solidFill>
@@ -6094,11 +5627,8 @@
               </a:rPr>
               <a:t>A simple pie chart that represents the proportion of paid vs free apps</a:t>
             </a:r>
-            <a:endParaRPr b="0" lang="en-US" sz="2400" spc="-1" strike="noStrike">
-              <a:solidFill>
-                <a:srgbClr val="000000"/>
-              </a:solidFill>
-              <a:latin typeface="Corbel"/>
+            <a:endParaRPr b="0" lang="en-IN" sz="2400" spc="-1" strike="noStrike">
+              <a:latin typeface="Arial"/>
             </a:endParaRPr>
           </a:p>
           <a:p>
@@ -6114,7 +5644,7 @@
               </a:spcAft>
             </a:pPr>
             <a:r>
-              <a:rPr b="0" lang="en-US" sz="2400" spc="-1" strike="noStrike">
+              <a:rPr b="0" lang="en-IN" sz="2400" spc="-1" strike="noStrike">
                 <a:solidFill>
                   <a:srgbClr val="000000"/>
                 </a:solidFill>
@@ -6122,11 +5652,8 @@
               </a:rPr>
               <a:t>We can see that only 7.4% are paid, and 92.6% are free!</a:t>
             </a:r>
-            <a:endParaRPr b="0" lang="en-US" sz="2400" spc="-1" strike="noStrike">
-              <a:solidFill>
-                <a:srgbClr val="000000"/>
-              </a:solidFill>
-              <a:latin typeface="Corbel"/>
+            <a:endParaRPr b="0" lang="en-IN" sz="2400" spc="-1" strike="noStrike">
+              <a:latin typeface="Arial"/>
             </a:endParaRPr>
           </a:p>
         </p:txBody>
@@ -6182,14 +5709,14 @@
       </p:grpSpPr>
       <p:sp>
         <p:nvSpPr>
-          <p:cNvPr id="146" name="TextShape 1"/>
-          <p:cNvSpPr txBox="1"/>
+          <p:cNvPr id="140" name="CustomShape 1"/>
+          <p:cNvSpPr/>
           <p:nvPr/>
         </p:nvSpPr>
         <p:spPr>
           <a:xfrm>
             <a:off x="1475640" y="102240"/>
-            <a:ext cx="10018440" cy="698400"/>
+            <a:ext cx="10018080" cy="698040"/>
           </a:xfrm>
           <a:prstGeom prst="rect">
             <a:avLst/>
@@ -6199,8 +5726,14 @@
             <a:noFill/>
           </a:ln>
         </p:spPr>
-        <p:txBody>
-          <a:bodyPr anchor="ctr">
+        <p:style>
+          <a:lnRef idx="0"/>
+          <a:fillRef idx="0"/>
+          <a:effectRef idx="0"/>
+          <a:fontRef idx="minor"/>
+        </p:style>
+        <p:txBody>
+          <a:bodyPr lIns="90000" rIns="90000" tIns="45000" bIns="45000" anchor="ctr">
             <a:normAutofit/>
           </a:bodyPr>
           <a:p>
@@ -6210,7 +5743,7 @@
               </a:lnSpc>
             </a:pPr>
             <a:r>
-              <a:rPr b="0" lang="en-US" sz="4000" spc="-1" strike="noStrike">
+              <a:rPr b="0" lang="en-IN" sz="4000" spc="-1" strike="noStrike">
                 <a:solidFill>
                   <a:srgbClr val="000000"/>
                 </a:solidFill>
@@ -6218,25 +5751,22 @@
               </a:rPr>
               <a:t>Data Visualisation</a:t>
             </a:r>
-            <a:endParaRPr b="0" lang="en-US" sz="4000" spc="-1" strike="noStrike">
-              <a:solidFill>
-                <a:srgbClr val="000000"/>
-              </a:solidFill>
-              <a:latin typeface="Corbel"/>
-            </a:endParaRPr>
-          </a:p>
-        </p:txBody>
-      </p:sp>
-      <p:sp>
-        <p:nvSpPr>
-          <p:cNvPr id="147" name="CustomShape 2"/>
+            <a:endParaRPr b="0" lang="en-IN" sz="4000" spc="-1" strike="noStrike">
+              <a:latin typeface="Arial"/>
+            </a:endParaRPr>
+          </a:p>
+        </p:txBody>
+      </p:sp>
+      <p:sp>
+        <p:nvSpPr>
+          <p:cNvPr id="141" name="CustomShape 2"/>
           <p:cNvSpPr/>
           <p:nvPr/>
         </p:nvSpPr>
         <p:spPr>
           <a:xfrm>
             <a:off x="3843720" y="5083560"/>
-            <a:ext cx="2293560" cy="364680"/>
+            <a:ext cx="2293200" cy="364320"/>
           </a:xfrm>
           <a:prstGeom prst="rect">
             <a:avLst/>
@@ -6266,6 +5796,7 @@
                   <a:srgbClr val="000000"/>
                 </a:solidFill>
                 <a:latin typeface="Corbel"/>
+                <a:ea typeface="DejaVu Sans"/>
               </a:rPr>
               <a:t>Removed commas</a:t>
             </a:r>
@@ -6277,7 +5808,7 @@
       </p:sp>
       <p:pic>
         <p:nvPicPr>
-          <p:cNvPr id="148" name="Content Placeholder 4" descr=""/>
+          <p:cNvPr id="142" name="Content Placeholder 4" descr=""/>
           <p:cNvPicPr/>
           <p:nvPr/>
         </p:nvPicPr>
@@ -6288,7 +5819,7 @@
         <p:spPr>
           <a:xfrm>
             <a:off x="3587760" y="1886400"/>
-            <a:ext cx="5137560" cy="4142160"/>
+            <a:ext cx="5137200" cy="4141800"/>
           </a:xfrm>
           <a:prstGeom prst="rect">
             <a:avLst/>
@@ -6349,14 +5880,14 @@
       </p:grpSpPr>
       <p:sp>
         <p:nvSpPr>
-          <p:cNvPr id="149" name="TextShape 1"/>
-          <p:cNvSpPr txBox="1"/>
+          <p:cNvPr id="143" name="CustomShape 1"/>
+          <p:cNvSpPr/>
           <p:nvPr/>
         </p:nvSpPr>
         <p:spPr>
           <a:xfrm>
             <a:off x="1484280" y="685800"/>
-            <a:ext cx="10018440" cy="1752120"/>
+            <a:ext cx="10018080" cy="1751760"/>
           </a:xfrm>
           <a:prstGeom prst="rect">
             <a:avLst/>
@@ -6366,8 +5897,14 @@
             <a:noFill/>
           </a:ln>
         </p:spPr>
-        <p:txBody>
-          <a:bodyPr anchor="ctr"/>
+        <p:style>
+          <a:lnRef idx="0"/>
+          <a:fillRef idx="0"/>
+          <a:effectRef idx="0"/>
+          <a:fontRef idx="minor"/>
+        </p:style>
+        <p:txBody>
+          <a:bodyPr lIns="90000" rIns="90000" tIns="45000" bIns="45000" anchor="ctr"/>
           <a:p>
             <a:pPr algn="ctr">
               <a:lnSpc>
@@ -6375,7 +5912,7 @@
               </a:lnSpc>
             </a:pPr>
             <a:r>
-              <a:rPr b="0" lang="en-US" sz="4000" spc="-1" strike="noStrike">
+              <a:rPr b="0" lang="en-IN" sz="4000" spc="-1" strike="noStrike">
                 <a:solidFill>
                   <a:srgbClr val="000000"/>
                 </a:solidFill>
@@ -6383,25 +5920,22 @@
               </a:rPr>
               <a:t>Data Visualisation</a:t>
             </a:r>
-            <a:endParaRPr b="0" lang="en-US" sz="4000" spc="-1" strike="noStrike">
-              <a:solidFill>
-                <a:srgbClr val="000000"/>
-              </a:solidFill>
-              <a:latin typeface="Corbel"/>
-            </a:endParaRPr>
-          </a:p>
-        </p:txBody>
-      </p:sp>
-      <p:sp>
-        <p:nvSpPr>
-          <p:cNvPr id="150" name="TextShape 2"/>
-          <p:cNvSpPr txBox="1"/>
+            <a:endParaRPr b="0" lang="en-IN" sz="4000" spc="-1" strike="noStrike">
+              <a:latin typeface="Arial"/>
+            </a:endParaRPr>
+          </a:p>
+        </p:txBody>
+      </p:sp>
+      <p:sp>
+        <p:nvSpPr>
+          <p:cNvPr id="144" name="CustomShape 2"/>
+          <p:cNvSpPr/>
           <p:nvPr/>
         </p:nvSpPr>
         <p:spPr>
           <a:xfrm>
             <a:off x="1484280" y="2666880"/>
-            <a:ext cx="10018440" cy="3123720"/>
+            <a:ext cx="10018080" cy="3123360"/>
           </a:xfrm>
           <a:prstGeom prst="rect">
             <a:avLst/>
@@ -6411,8 +5945,14 @@
             <a:noFill/>
           </a:ln>
         </p:spPr>
-        <p:txBody>
-          <a:bodyPr anchor="ctr"/>
+        <p:style>
+          <a:lnRef idx="0"/>
+          <a:fillRef idx="0"/>
+          <a:effectRef idx="0"/>
+          <a:fontRef idx="minor"/>
+        </p:style>
+        <p:txBody>
+          <a:bodyPr lIns="90000" rIns="90000" tIns="45000" bIns="45000" anchor="ctr"/>
           <a:p>
             <a:pPr algn="just">
               <a:lnSpc>
@@ -6426,7 +5966,7 @@
               </a:spcAft>
             </a:pPr>
             <a:r>
-              <a:rPr b="0" lang="en-US" sz="2400" spc="-1" strike="noStrike" u="sng">
+              <a:rPr b="0" lang="en-IN" sz="2400" spc="-1" strike="noStrike" u="sng">
                 <a:solidFill>
                   <a:srgbClr val="000000"/>
                 </a:solidFill>
@@ -6435,11 +5975,8 @@
               </a:rPr>
               <a:t>4.Trusted App:</a:t>
             </a:r>
-            <a:endParaRPr b="0" lang="en-US" sz="2400" spc="-1" strike="noStrike">
-              <a:solidFill>
-                <a:srgbClr val="000000"/>
-              </a:solidFill>
-              <a:latin typeface="Corbel"/>
+            <a:endParaRPr b="0" lang="en-IN" sz="2400" spc="-1" strike="noStrike">
+              <a:latin typeface="Arial"/>
             </a:endParaRPr>
           </a:p>
           <a:p>
@@ -6455,7 +5992,7 @@
               </a:spcAft>
             </a:pPr>
             <a:r>
-              <a:rPr b="0" lang="en-US" sz="2400" spc="-1" strike="noStrike">
+              <a:rPr b="0" lang="en-IN" sz="2400" spc="-1" strike="noStrike">
                 <a:solidFill>
                   <a:srgbClr val="000000"/>
                 </a:solidFill>
@@ -6463,11 +6000,8 @@
               </a:rPr>
               <a:t>Aims to assign a score of ‘trust’ to apps to see how much you can trust the reviews, based solely on the number of reviews.</a:t>
             </a:r>
-            <a:endParaRPr b="0" lang="en-US" sz="2400" spc="-1" strike="noStrike">
-              <a:solidFill>
-                <a:srgbClr val="000000"/>
-              </a:solidFill>
-              <a:latin typeface="Corbel"/>
+            <a:endParaRPr b="0" lang="en-IN" sz="2400" spc="-1" strike="noStrike">
+              <a:latin typeface="Arial"/>
             </a:endParaRPr>
           </a:p>
           <a:p>
@@ -6482,11 +6016,8 @@
                 <a:spcPts val="601"/>
               </a:spcAft>
             </a:pPr>
-            <a:endParaRPr b="0" lang="en-US" sz="2400" spc="-1" strike="noStrike">
-              <a:solidFill>
-                <a:srgbClr val="000000"/>
-              </a:solidFill>
-              <a:latin typeface="Corbel"/>
+            <a:endParaRPr b="0" lang="en-IN" sz="2400" spc="-1" strike="noStrike">
+              <a:latin typeface="Arial"/>
             </a:endParaRPr>
           </a:p>
         </p:txBody>
@@ -6542,14 +6073,14 @@
       </p:grpSpPr>
       <p:sp>
         <p:nvSpPr>
-          <p:cNvPr id="151" name="TextShape 1"/>
-          <p:cNvSpPr txBox="1"/>
+          <p:cNvPr id="145" name="CustomShape 1"/>
+          <p:cNvSpPr/>
           <p:nvPr/>
         </p:nvSpPr>
         <p:spPr>
           <a:xfrm>
             <a:off x="1475640" y="102240"/>
-            <a:ext cx="10018440" cy="698400"/>
+            <a:ext cx="10018080" cy="698040"/>
           </a:xfrm>
           <a:prstGeom prst="rect">
             <a:avLst/>
@@ -6559,8 +6090,14 @@
             <a:noFill/>
           </a:ln>
         </p:spPr>
-        <p:txBody>
-          <a:bodyPr anchor="ctr">
+        <p:style>
+          <a:lnRef idx="0"/>
+          <a:fillRef idx="0"/>
+          <a:effectRef idx="0"/>
+          <a:fontRef idx="minor"/>
+        </p:style>
+        <p:txBody>
+          <a:bodyPr lIns="90000" rIns="90000" tIns="45000" bIns="45000" anchor="ctr">
             <a:normAutofit/>
           </a:bodyPr>
           <a:p>
@@ -6570,7 +6107,7 @@
               </a:lnSpc>
             </a:pPr>
             <a:r>
-              <a:rPr b="0" lang="en-US" sz="4000" spc="-1" strike="noStrike">
+              <a:rPr b="0" lang="en-IN" sz="4000" spc="-1" strike="noStrike">
                 <a:solidFill>
                   <a:srgbClr val="000000"/>
                 </a:solidFill>
@@ -6578,18 +6115,15 @@
               </a:rPr>
               <a:t>Data Visualisation</a:t>
             </a:r>
-            <a:endParaRPr b="0" lang="en-US" sz="4000" spc="-1" strike="noStrike">
-              <a:solidFill>
-                <a:srgbClr val="000000"/>
-              </a:solidFill>
-              <a:latin typeface="Corbel"/>
+            <a:endParaRPr b="0" lang="en-IN" sz="4000" spc="-1" strike="noStrike">
+              <a:latin typeface="Arial"/>
             </a:endParaRPr>
           </a:p>
         </p:txBody>
       </p:sp>
       <p:pic>
         <p:nvPicPr>
-          <p:cNvPr id="152" name="Content Placeholder 5" descr=""/>
+          <p:cNvPr id="146" name="Content Placeholder 5" descr=""/>
           <p:cNvPicPr/>
           <p:nvPr/>
         </p:nvPicPr>
@@ -6600,7 +6134,7 @@
         <p:spPr>
           <a:xfrm>
             <a:off x="2303640" y="1936440"/>
-            <a:ext cx="2659680" cy="3408840"/>
+            <a:ext cx="2659320" cy="3408480"/>
           </a:xfrm>
           <a:prstGeom prst="rect">
             <a:avLst/>
@@ -6612,7 +6146,7 @@
       </p:pic>
       <p:pic>
         <p:nvPicPr>
-          <p:cNvPr id="153" name="Picture 6" descr=""/>
+          <p:cNvPr id="147" name="Picture 6" descr=""/>
           <p:cNvPicPr/>
           <p:nvPr/>
         </p:nvPicPr>
@@ -6623,7 +6157,7 @@
         <p:spPr>
           <a:xfrm>
             <a:off x="6236280" y="1936440"/>
-            <a:ext cx="4666680" cy="3404520"/>
+            <a:ext cx="4666320" cy="3404160"/>
           </a:xfrm>
           <a:prstGeom prst="rect">
             <a:avLst/>
@@ -6684,14 +6218,14 @@
       </p:grpSpPr>
       <p:sp>
         <p:nvSpPr>
-          <p:cNvPr id="154" name="TextShape 1"/>
-          <p:cNvSpPr txBox="1"/>
+          <p:cNvPr id="148" name="CustomShape 1"/>
+          <p:cNvSpPr/>
           <p:nvPr/>
         </p:nvSpPr>
         <p:spPr>
           <a:xfrm>
             <a:off x="1475640" y="102240"/>
-            <a:ext cx="10018440" cy="698400"/>
+            <a:ext cx="10018080" cy="698040"/>
           </a:xfrm>
           <a:prstGeom prst="rect">
             <a:avLst/>
@@ -6701,8 +6235,14 @@
             <a:noFill/>
           </a:ln>
         </p:spPr>
-        <p:txBody>
-          <a:bodyPr anchor="ctr">
+        <p:style>
+          <a:lnRef idx="0"/>
+          <a:fillRef idx="0"/>
+          <a:effectRef idx="0"/>
+          <a:fontRef idx="minor"/>
+        </p:style>
+        <p:txBody>
+          <a:bodyPr lIns="90000" rIns="90000" tIns="45000" bIns="45000" anchor="ctr">
             <a:normAutofit/>
           </a:bodyPr>
           <a:p>
@@ -6712,7 +6252,7 @@
               </a:lnSpc>
             </a:pPr>
             <a:r>
-              <a:rPr b="0" lang="en-US" sz="4000" spc="-1" strike="noStrike">
+              <a:rPr b="0" lang="en-IN" sz="4000" spc="-1" strike="noStrike">
                 <a:solidFill>
                   <a:srgbClr val="000000"/>
                 </a:solidFill>
@@ -6720,18 +6260,15 @@
               </a:rPr>
               <a:t>Column Co-Relations:</a:t>
             </a:r>
-            <a:endParaRPr b="0" lang="en-US" sz="4000" spc="-1" strike="noStrike">
-              <a:solidFill>
-                <a:srgbClr val="000000"/>
-              </a:solidFill>
-              <a:latin typeface="Corbel"/>
+            <a:endParaRPr b="0" lang="en-IN" sz="4000" spc="-1" strike="noStrike">
+              <a:latin typeface="Arial"/>
             </a:endParaRPr>
           </a:p>
         </p:txBody>
       </p:sp>
       <p:pic>
         <p:nvPicPr>
-          <p:cNvPr id="155" name="" descr=""/>
+          <p:cNvPr id="149" name="" descr=""/>
           <p:cNvPicPr/>
           <p:nvPr/>
         </p:nvPicPr>
@@ -6741,8 +6278,8 @@
         </p:blipFill>
         <p:spPr>
           <a:xfrm>
-            <a:off x="1450800" y="1944000"/>
-            <a:ext cx="4237200" cy="3312000"/>
+            <a:off x="1440000" y="1152000"/>
+            <a:ext cx="5256000" cy="3311640"/>
           </a:xfrm>
           <a:prstGeom prst="rect">
             <a:avLst/>
@@ -6754,7 +6291,7 @@
       </p:pic>
       <p:pic>
         <p:nvPicPr>
-          <p:cNvPr id="156" name="" descr=""/>
+          <p:cNvPr id="150" name="" descr=""/>
           <p:cNvPicPr/>
           <p:nvPr/>
         </p:nvPicPr>
@@ -6764,8 +6301,8 @@
         </p:blipFill>
         <p:spPr>
           <a:xfrm>
-            <a:off x="6254280" y="1944000"/>
-            <a:ext cx="4113720" cy="3312000"/>
+            <a:off x="6614640" y="2736360"/>
+            <a:ext cx="5265360" cy="3311640"/>
           </a:xfrm>
           <a:prstGeom prst="rect">
             <a:avLst/>
@@ -6826,14 +6363,14 @@
       </p:grpSpPr>
       <p:sp>
         <p:nvSpPr>
-          <p:cNvPr id="105" name="TextShape 1"/>
-          <p:cNvSpPr txBox="1"/>
+          <p:cNvPr id="99" name="CustomShape 1"/>
+          <p:cNvSpPr/>
           <p:nvPr/>
         </p:nvSpPr>
         <p:spPr>
           <a:xfrm>
             <a:off x="1484280" y="685800"/>
-            <a:ext cx="10018440" cy="1752120"/>
+            <a:ext cx="10018080" cy="1751760"/>
           </a:xfrm>
           <a:prstGeom prst="rect">
             <a:avLst/>
@@ -6843,8 +6380,14 @@
             <a:noFill/>
           </a:ln>
         </p:spPr>
-        <p:txBody>
-          <a:bodyPr anchor="ctr"/>
+        <p:style>
+          <a:lnRef idx="0"/>
+          <a:fillRef idx="0"/>
+          <a:effectRef idx="0"/>
+          <a:fontRef idx="minor"/>
+        </p:style>
+        <p:txBody>
+          <a:bodyPr lIns="90000" rIns="90000" tIns="45000" bIns="45000" anchor="ctr"/>
           <a:p>
             <a:pPr algn="ctr">
               <a:lnSpc>
@@ -6852,7 +6395,7 @@
               </a:lnSpc>
             </a:pPr>
             <a:r>
-              <a:rPr b="0" lang="en-US" sz="4000" spc="-1" strike="noStrike">
+              <a:rPr b="0" lang="en-IN" sz="4000" spc="-1" strike="noStrike">
                 <a:solidFill>
                   <a:srgbClr val="000000"/>
                 </a:solidFill>
@@ -6860,25 +6403,22 @@
               </a:rPr>
               <a:t>Intro to the dataset</a:t>
             </a:r>
-            <a:endParaRPr b="0" lang="en-US" sz="4000" spc="-1" strike="noStrike">
-              <a:solidFill>
-                <a:srgbClr val="000000"/>
-              </a:solidFill>
-              <a:latin typeface="Corbel"/>
-            </a:endParaRPr>
-          </a:p>
-        </p:txBody>
-      </p:sp>
-      <p:sp>
-        <p:nvSpPr>
-          <p:cNvPr id="106" name="TextShape 2"/>
-          <p:cNvSpPr txBox="1"/>
+            <a:endParaRPr b="0" lang="en-IN" sz="4000" spc="-1" strike="noStrike">
+              <a:latin typeface="Arial"/>
+            </a:endParaRPr>
+          </a:p>
+        </p:txBody>
+      </p:sp>
+      <p:sp>
+        <p:nvSpPr>
+          <p:cNvPr id="100" name="CustomShape 2"/>
+          <p:cNvSpPr/>
           <p:nvPr/>
         </p:nvSpPr>
         <p:spPr>
           <a:xfrm>
             <a:off x="1484280" y="2666880"/>
-            <a:ext cx="10018440" cy="3123720"/>
+            <a:ext cx="10018080" cy="3123360"/>
           </a:xfrm>
           <a:prstGeom prst="rect">
             <a:avLst/>
@@ -6888,10 +6428,16 @@
             <a:noFill/>
           </a:ln>
         </p:spPr>
-        <p:txBody>
-          <a:bodyPr anchor="ctr"/>
-          <a:p>
-            <a:pPr marL="285840" indent="-285480">
+        <p:style>
+          <a:lnRef idx="0"/>
+          <a:fillRef idx="0"/>
+          <a:effectRef idx="0"/>
+          <a:fontRef idx="minor"/>
+        </p:style>
+        <p:txBody>
+          <a:bodyPr lIns="90000" rIns="90000" tIns="45000" bIns="45000" anchor="ctr"/>
+          <a:p>
+            <a:pPr marL="285840" indent="-285120">
               <a:lnSpc>
                 <a:spcPct val="100000"/>
               </a:lnSpc>
@@ -6909,7 +6455,7 @@
               <a:buChar char="•"/>
             </a:pPr>
             <a:r>
-              <a:rPr b="0" lang="en-US" sz="2400" spc="-1" strike="noStrike">
+              <a:rPr b="0" lang="en-IN" sz="2400" spc="-1" strike="noStrike">
                 <a:solidFill>
                   <a:srgbClr val="000000"/>
                 </a:solidFill>
@@ -6917,15 +6463,12 @@
               </a:rPr>
               <a:t>The dataset consists of 10000+ android apps with columns specifying app name, rating, number of installs, number of reviews, size of app, price, etc</a:t>
             </a:r>
-            <a:endParaRPr b="0" lang="en-US" sz="2400" spc="-1" strike="noStrike">
-              <a:solidFill>
-                <a:srgbClr val="000000"/>
-              </a:solidFill>
-              <a:latin typeface="Corbel"/>
-            </a:endParaRPr>
-          </a:p>
-          <a:p>
-            <a:pPr marL="285840" indent="-285480">
+            <a:endParaRPr b="0" lang="en-IN" sz="2400" spc="-1" strike="noStrike">
+              <a:latin typeface="Arial"/>
+            </a:endParaRPr>
+          </a:p>
+          <a:p>
+            <a:pPr marL="285840" indent="-285120">
               <a:lnSpc>
                 <a:spcPct val="100000"/>
               </a:lnSpc>
@@ -6943,7 +6486,7 @@
               <a:buChar char="•"/>
             </a:pPr>
             <a:r>
-              <a:rPr b="0" lang="en-US" sz="2400" spc="-1" strike="noStrike">
+              <a:rPr b="0" lang="en-IN" sz="2400" spc="-1" strike="noStrike">
                 <a:solidFill>
                   <a:srgbClr val="000000"/>
                 </a:solidFill>
@@ -6952,7 +6495,7 @@
               <a:t> </a:t>
             </a:r>
             <a:r>
-              <a:rPr b="0" lang="en-US" sz="2400" spc="-1" strike="noStrike">
+              <a:rPr b="0" lang="en-IN" sz="2400" spc="-1" strike="noStrike">
                 <a:solidFill>
                   <a:srgbClr val="000000"/>
                 </a:solidFill>
@@ -6960,11 +6503,8 @@
               </a:rPr>
               <a:t>Quite a few columns have inconsistent use of units, missing values and so on; quite a few which we have cleaned depending on cleaning.</a:t>
             </a:r>
-            <a:endParaRPr b="0" lang="en-US" sz="2400" spc="-1" strike="noStrike">
-              <a:solidFill>
-                <a:srgbClr val="000000"/>
-              </a:solidFill>
-              <a:latin typeface="Corbel"/>
+            <a:endParaRPr b="0" lang="en-IN" sz="2400" spc="-1" strike="noStrike">
+              <a:latin typeface="Arial"/>
             </a:endParaRPr>
           </a:p>
         </p:txBody>
@@ -6978,6 +6518,270 @@
           <p:childTnLst>
             <p:seq>
               <p:cTn id="4" dur="indefinite" nodeType="mainSeq"/>
+              <p:prevCondLst>
+                <p:cond delay="0" evt="onPrev">
+                  <p:tgtEl>
+                    <p:sldTgt/>
+                  </p:tgtEl>
+                </p:cond>
+              </p:prevCondLst>
+              <p:nextCondLst>
+                <p:cond delay="0" evt="onNext">
+                  <p:tgtEl>
+                    <p:sldTgt/>
+                  </p:tgtEl>
+                </p:cond>
+              </p:nextCondLst>
+            </p:seq>
+          </p:childTnLst>
+        </p:cTn>
+      </p:par>
+    </p:tnLst>
+  </p:timing>
+</p:sld>
+</file>
+
+<file path=ppt/slides/slide20.xml><?xml version="1.0" encoding="utf-8"?>
+<p:sld xmlns:a="http://schemas.openxmlformats.org/drawingml/2006/main" xmlns:p="http://schemas.openxmlformats.org/presentationml/2006/main" xmlns:r="http://schemas.openxmlformats.org/officeDocument/2006/relationships" xmlns:p14="http://schemas.microsoft.com/office/powerpoint/2010/main" xmlns:p15="http://schemas.microsoft.com/office/powerpoint/2012/main" xmlns:mc="http://schemas.openxmlformats.org/markup-compatibility/2006">
+  <p:cSld>
+    <p:spTree>
+      <p:nvGrpSpPr>
+        <p:cNvPr id="1" name=""/>
+        <p:cNvGrpSpPr/>
+        <p:nvPr/>
+      </p:nvGrpSpPr>
+      <p:grpSpPr>
+        <a:xfrm>
+          <a:off x="0" y="0"/>
+          <a:ext cx="0" cy="0"/>
+          <a:chOff x="0" y="0"/>
+          <a:chExt cx="0" cy="0"/>
+        </a:xfrm>
+      </p:grpSpPr>
+      <p:sp>
+        <p:nvSpPr>
+          <p:cNvPr id="151" name="CustomShape 1"/>
+          <p:cNvSpPr/>
+          <p:nvPr/>
+        </p:nvSpPr>
+        <p:spPr>
+          <a:xfrm>
+            <a:off x="1475640" y="102240"/>
+            <a:ext cx="10018080" cy="698040"/>
+          </a:xfrm>
+          <a:prstGeom prst="rect">
+            <a:avLst/>
+          </a:prstGeom>
+          <a:noFill/>
+          <a:ln>
+            <a:noFill/>
+          </a:ln>
+        </p:spPr>
+        <p:style>
+          <a:lnRef idx="0"/>
+          <a:fillRef idx="0"/>
+          <a:effectRef idx="0"/>
+          <a:fontRef idx="minor"/>
+        </p:style>
+        <p:txBody>
+          <a:bodyPr lIns="90000" rIns="90000" tIns="45000" bIns="45000" anchor="ctr">
+            <a:normAutofit/>
+          </a:bodyPr>
+          <a:p>
+            <a:pPr algn="ctr">
+              <a:lnSpc>
+                <a:spcPct val="100000"/>
+              </a:lnSpc>
+            </a:pPr>
+            <a:r>
+              <a:rPr b="0" lang="en-IN" sz="4000" spc="-1" strike="noStrike">
+                <a:solidFill>
+                  <a:srgbClr val="000000"/>
+                </a:solidFill>
+                <a:latin typeface="Corbel"/>
+              </a:rPr>
+              <a:t>Hypothesis Testing:</a:t>
+            </a:r>
+            <a:endParaRPr b="0" lang="en-IN" sz="4000" spc="-1" strike="noStrike">
+              <a:latin typeface="Arial"/>
+            </a:endParaRPr>
+          </a:p>
+        </p:txBody>
+      </p:sp>
+      <p:sp>
+        <p:nvSpPr>
+          <p:cNvPr id="152" name="TextShape 2"/>
+          <p:cNvSpPr txBox="1"/>
+          <p:nvPr/>
+        </p:nvSpPr>
+        <p:spPr>
+          <a:xfrm>
+            <a:off x="1656000" y="1140120"/>
+            <a:ext cx="10080000" cy="4907880"/>
+          </a:xfrm>
+          <a:prstGeom prst="rect">
+            <a:avLst/>
+          </a:prstGeom>
+          <a:noFill/>
+          <a:ln>
+            <a:noFill/>
+          </a:ln>
+        </p:spPr>
+        <p:txBody>
+          <a:bodyPr lIns="90000" rIns="90000" tIns="45000" bIns="45000"/>
+          <a:p>
+            <a:r>
+              <a:rPr b="0" lang="en-IN" sz="2600" spc="-1" strike="noStrike">
+                <a:latin typeface="Corbel"/>
+              </a:rPr>
+              <a:t>Is the average rating for all apps greater than 4 stars ?</a:t>
+            </a:r>
+            <a:endParaRPr b="0" lang="en-IN" sz="2600" spc="-1" strike="noStrike">
+              <a:latin typeface="Corbel"/>
+            </a:endParaRPr>
+          </a:p>
+          <a:p>
+            <a:endParaRPr b="0" lang="en-IN" sz="2600" spc="-1" strike="noStrike">
+              <a:latin typeface="Corbel"/>
+            </a:endParaRPr>
+          </a:p>
+          <a:p>
+            <a:r>
+              <a:rPr b="0" lang="en-IN" sz="2000" spc="-1" strike="noStrike">
+                <a:latin typeface="Corbel"/>
+              </a:rPr>
+              <a:t>Null Hypothesis :  x̄ = 4</a:t>
+            </a:r>
+            <a:endParaRPr b="0" lang="en-IN" sz="2000" spc="-1" strike="noStrike">
+              <a:latin typeface="Corbel"/>
+            </a:endParaRPr>
+          </a:p>
+          <a:p>
+            <a:r>
+              <a:rPr b="0" lang="en-IN" sz="2000" spc="-1" strike="noStrike">
+                <a:latin typeface="Corbel"/>
+              </a:rPr>
+              <a:t>Alternate Hypothesis :  x̄ &gt; 4</a:t>
+            </a:r>
+            <a:endParaRPr b="0" lang="en-IN" sz="2000" spc="-1" strike="noStrike">
+              <a:latin typeface="Corbel"/>
+            </a:endParaRPr>
+          </a:p>
+          <a:p>
+            <a:endParaRPr b="0" lang="en-IN" sz="2000" spc="-1" strike="noStrike">
+              <a:latin typeface="Corbel"/>
+            </a:endParaRPr>
+          </a:p>
+          <a:p>
+            <a:r>
+              <a:rPr b="0" lang="en-IN" sz="2000" spc="-1" strike="noStrike">
+                <a:latin typeface="Corbel"/>
+              </a:rPr>
+              <a:t>Population Mean = 4.192953</a:t>
+            </a:r>
+            <a:endParaRPr b="0" lang="en-IN" sz="2000" spc="-1" strike="noStrike">
+              <a:latin typeface="Corbel"/>
+            </a:endParaRPr>
+          </a:p>
+          <a:p>
+            <a:r>
+              <a:rPr b="0" lang="en-IN" sz="2000" spc="-1" strike="noStrike">
+                <a:latin typeface="Corbel"/>
+              </a:rPr>
+              <a:t>Standard Deviation = 0.479089</a:t>
+            </a:r>
+            <a:endParaRPr b="0" lang="en-IN" sz="2000" spc="-1" strike="noStrike">
+              <a:latin typeface="Corbel"/>
+            </a:endParaRPr>
+          </a:p>
+          <a:p>
+            <a:endParaRPr b="0" lang="en-IN" sz="2000" spc="-1" strike="noStrike">
+              <a:latin typeface="Corbel"/>
+            </a:endParaRPr>
+          </a:p>
+          <a:p>
+            <a:r>
+              <a:rPr b="0" lang="en-IN" sz="2000" spc="-1" strike="noStrike">
+                <a:latin typeface="Corbel"/>
+              </a:rPr>
+              <a:t>Z-Score = (4 - 4.192953) / 0.47908</a:t>
+            </a:r>
+            <a:endParaRPr b="0" lang="en-IN" sz="2000" spc="-1" strike="noStrike">
+              <a:latin typeface="Arial"/>
+            </a:endParaRPr>
+          </a:p>
+          <a:p>
+            <a:r>
+              <a:rPr b="0" lang="en-IN" sz="2000" spc="-1" strike="noStrike">
+                <a:latin typeface="Corbel"/>
+              </a:rPr>
+              <a:t>	</a:t>
+            </a:r>
+            <a:r>
+              <a:rPr b="0" lang="en-IN" sz="2000" spc="-1" strike="noStrike">
+                <a:latin typeface="Corbel"/>
+              </a:rPr>
+              <a:t>	</a:t>
+            </a:r>
+            <a:r>
+              <a:rPr b="0" lang="en-IN" sz="2000" spc="-1" strike="noStrike">
+                <a:latin typeface="Corbel"/>
+              </a:rPr>
+              <a:t>  </a:t>
+            </a:r>
+            <a:r>
+              <a:rPr b="0" lang="en-IN" sz="2000" spc="-1" strike="noStrike">
+                <a:latin typeface="Corbel"/>
+              </a:rPr>
+              <a:t>= -0.40276</a:t>
+            </a:r>
+            <a:endParaRPr b="0" lang="en-IN" sz="2000" spc="-1" strike="noStrike">
+              <a:latin typeface="Arial"/>
+            </a:endParaRPr>
+          </a:p>
+          <a:p>
+            <a:endParaRPr b="0" lang="en-IN" sz="2000" spc="-1" strike="noStrike">
+              <a:latin typeface="Arial"/>
+            </a:endParaRPr>
+          </a:p>
+          <a:p>
+            <a:r>
+              <a:rPr b="0" lang="en-IN" sz="2000" spc="-1" strike="noStrike">
+                <a:latin typeface="Corbel"/>
+              </a:rPr>
+              <a:t>P-Value =  0.0344578</a:t>
+            </a:r>
+            <a:endParaRPr b="0" lang="en-IN" sz="2000" spc="-1" strike="noStrike">
+              <a:latin typeface="Arial"/>
+            </a:endParaRPr>
+          </a:p>
+          <a:p>
+            <a:endParaRPr b="0" lang="en-IN" sz="2000" spc="-1" strike="noStrike">
+              <a:latin typeface="Arial"/>
+            </a:endParaRPr>
+          </a:p>
+          <a:p>
+            <a:r>
+              <a:rPr b="0" lang="en-IN" sz="2000" spc="-1" strike="noStrike">
+                <a:latin typeface="Corbel"/>
+              </a:rPr>
+              <a:t>We can reject the Null hypothesis that the mean rating is equal to 4 stars. There is strong evidence in support for the alternatine hypothesis that the mean rating is, in fact, higher than 4 stars.</a:t>
+            </a:r>
+            <a:endParaRPr b="0" lang="en-IN" sz="2000" spc="-1" strike="noStrike">
+              <a:latin typeface="Arial"/>
+            </a:endParaRPr>
+          </a:p>
+        </p:txBody>
+      </p:sp>
+    </p:spTree>
+  </p:cSld>
+  <p:timing>
+    <p:tnLst>
+      <p:par>
+        <p:cTn id="39" dur="indefinite" restart="never" nodeType="tmRoot">
+          <p:childTnLst>
+            <p:seq>
+              <p:cTn id="40" dur="indefinite" nodeType="mainSeq"/>
               <p:prevCondLst>
                 <p:cond delay="0" evt="onPrev">
                   <p:tgtEl>
@@ -7020,14 +6824,14 @@
       </p:grpSpPr>
       <p:sp>
         <p:nvSpPr>
-          <p:cNvPr id="107" name="TextShape 1"/>
-          <p:cNvSpPr txBox="1"/>
+          <p:cNvPr id="101" name="CustomShape 1"/>
+          <p:cNvSpPr/>
           <p:nvPr/>
         </p:nvSpPr>
         <p:spPr>
           <a:xfrm>
             <a:off x="1484280" y="685800"/>
-            <a:ext cx="10018440" cy="1752120"/>
+            <a:ext cx="10018080" cy="1751760"/>
           </a:xfrm>
           <a:prstGeom prst="rect">
             <a:avLst/>
@@ -7037,8 +6841,14 @@
             <a:noFill/>
           </a:ln>
         </p:spPr>
-        <p:txBody>
-          <a:bodyPr anchor="ctr"/>
+        <p:style>
+          <a:lnRef idx="0"/>
+          <a:fillRef idx="0"/>
+          <a:effectRef idx="0"/>
+          <a:fontRef idx="minor"/>
+        </p:style>
+        <p:txBody>
+          <a:bodyPr lIns="90000" rIns="90000" tIns="45000" bIns="45000" anchor="ctr"/>
           <a:p>
             <a:pPr algn="ctr">
               <a:lnSpc>
@@ -7046,7 +6856,7 @@
               </a:lnSpc>
             </a:pPr>
             <a:r>
-              <a:rPr b="0" lang="en-US" sz="4000" spc="-1" strike="noStrike">
+              <a:rPr b="0" lang="en-IN" sz="4000" spc="-1" strike="noStrike">
                 <a:solidFill>
                   <a:srgbClr val="000000"/>
                 </a:solidFill>
@@ -7054,25 +6864,22 @@
               </a:rPr>
               <a:t>Objectives</a:t>
             </a:r>
-            <a:endParaRPr b="0" lang="en-US" sz="4000" spc="-1" strike="noStrike">
-              <a:solidFill>
-                <a:srgbClr val="000000"/>
-              </a:solidFill>
-              <a:latin typeface="Corbel"/>
-            </a:endParaRPr>
-          </a:p>
-        </p:txBody>
-      </p:sp>
-      <p:sp>
-        <p:nvSpPr>
-          <p:cNvPr id="108" name="TextShape 2"/>
-          <p:cNvSpPr txBox="1"/>
+            <a:endParaRPr b="0" lang="en-IN" sz="4000" spc="-1" strike="noStrike">
+              <a:latin typeface="Arial"/>
+            </a:endParaRPr>
+          </a:p>
+        </p:txBody>
+      </p:sp>
+      <p:sp>
+        <p:nvSpPr>
+          <p:cNvPr id="102" name="CustomShape 2"/>
+          <p:cNvSpPr/>
           <p:nvPr/>
         </p:nvSpPr>
         <p:spPr>
           <a:xfrm>
             <a:off x="1484280" y="1939680"/>
-            <a:ext cx="10018440" cy="3851280"/>
+            <a:ext cx="10018080" cy="3850920"/>
           </a:xfrm>
           <a:prstGeom prst="rect">
             <a:avLst/>
@@ -7082,10 +6889,16 @@
             <a:noFill/>
           </a:ln>
         </p:spPr>
-        <p:txBody>
-          <a:bodyPr anchor="ctr"/>
-          <a:p>
-            <a:pPr marL="285840" indent="-285480">
+        <p:style>
+          <a:lnRef idx="0"/>
+          <a:fillRef idx="0"/>
+          <a:effectRef idx="0"/>
+          <a:fontRef idx="minor"/>
+        </p:style>
+        <p:txBody>
+          <a:bodyPr lIns="90000" rIns="90000" tIns="45000" bIns="45000" anchor="ctr"/>
+          <a:p>
+            <a:pPr marL="285840" indent="-285120">
               <a:lnSpc>
                 <a:spcPct val="100000"/>
               </a:lnSpc>
@@ -7103,7 +6916,7 @@
               <a:buChar char="•"/>
             </a:pPr>
             <a:r>
-              <a:rPr b="0" lang="en-US" sz="2400" spc="-1" strike="noStrike">
+              <a:rPr b="0" lang="en-IN" sz="2400" spc="-1" strike="noStrike">
                 <a:solidFill>
                   <a:srgbClr val="000000"/>
                 </a:solidFill>
@@ -7111,15 +6924,12 @@
               </a:rPr>
               <a:t>Find out the most popular categories and what categories don’t have much competition</a:t>
             </a:r>
-            <a:endParaRPr b="0" lang="en-US" sz="2400" spc="-1" strike="noStrike">
-              <a:solidFill>
-                <a:srgbClr val="000000"/>
-              </a:solidFill>
-              <a:latin typeface="Corbel"/>
-            </a:endParaRPr>
-          </a:p>
-          <a:p>
-            <a:pPr marL="285840" indent="-285480">
+            <a:endParaRPr b="0" lang="en-IN" sz="2400" spc="-1" strike="noStrike">
+              <a:latin typeface="Arial"/>
+            </a:endParaRPr>
+          </a:p>
+          <a:p>
+            <a:pPr marL="285840" indent="-285120">
               <a:lnSpc>
                 <a:spcPct val="100000"/>
               </a:lnSpc>
@@ -7137,7 +6947,7 @@
               <a:buChar char="•"/>
             </a:pPr>
             <a:r>
-              <a:rPr b="0" lang="en-US" sz="2400" spc="-1" strike="noStrike">
+              <a:rPr b="0" lang="en-IN" sz="2400" spc="-1" strike="noStrike">
                 <a:solidFill>
                   <a:srgbClr val="000000"/>
                 </a:solidFill>
@@ -7145,15 +6955,12 @@
               </a:rPr>
               <a:t>Graph the frequencies of the ratings to show general trends</a:t>
             </a:r>
-            <a:endParaRPr b="0" lang="en-US" sz="2400" spc="-1" strike="noStrike">
-              <a:solidFill>
-                <a:srgbClr val="000000"/>
-              </a:solidFill>
-              <a:latin typeface="Corbel"/>
-            </a:endParaRPr>
-          </a:p>
-          <a:p>
-            <a:pPr marL="285840" indent="-285480">
+            <a:endParaRPr b="0" lang="en-IN" sz="2400" spc="-1" strike="noStrike">
+              <a:latin typeface="Arial"/>
+            </a:endParaRPr>
+          </a:p>
+          <a:p>
+            <a:pPr marL="285840" indent="-285120">
               <a:lnSpc>
                 <a:spcPct val="100000"/>
               </a:lnSpc>
@@ -7171,7 +6978,7 @@
               <a:buChar char="•"/>
             </a:pPr>
             <a:r>
-              <a:rPr b="0" lang="en-US" sz="2400" spc="-1" strike="noStrike">
+              <a:rPr b="0" lang="en-IN" sz="2400" spc="-1" strike="noStrike">
                 <a:solidFill>
                   <a:srgbClr val="000000"/>
                 </a:solidFill>
@@ -7179,15 +6986,12 @@
               </a:rPr>
               <a:t>Number of installs vs number of reviews to show how the ratio changes as the installs increase</a:t>
             </a:r>
-            <a:endParaRPr b="0" lang="en-US" sz="2400" spc="-1" strike="noStrike">
-              <a:solidFill>
-                <a:srgbClr val="000000"/>
-              </a:solidFill>
-              <a:latin typeface="Corbel"/>
-            </a:endParaRPr>
-          </a:p>
-          <a:p>
-            <a:pPr marL="285840" indent="-285480">
+            <a:endParaRPr b="0" lang="en-IN" sz="2400" spc="-1" strike="noStrike">
+              <a:latin typeface="Arial"/>
+            </a:endParaRPr>
+          </a:p>
+          <a:p>
+            <a:pPr marL="285840" indent="-285120">
               <a:lnSpc>
                 <a:spcPct val="100000"/>
               </a:lnSpc>
@@ -7205,7 +7009,7 @@
               <a:buChar char="•"/>
             </a:pPr>
             <a:r>
-              <a:rPr b="0" lang="en-US" sz="2400" spc="-1" strike="noStrike">
+              <a:rPr b="0" lang="en-IN" sz="2400" spc="-1" strike="noStrike">
                 <a:solidFill>
                   <a:srgbClr val="000000"/>
                 </a:solidFill>
@@ -7213,15 +7017,12 @@
               </a:rPr>
               <a:t>Pie chart of paid vs free apps</a:t>
             </a:r>
-            <a:endParaRPr b="0" lang="en-US" sz="2400" spc="-1" strike="noStrike">
-              <a:solidFill>
-                <a:srgbClr val="000000"/>
-              </a:solidFill>
-              <a:latin typeface="Corbel"/>
-            </a:endParaRPr>
-          </a:p>
-          <a:p>
-            <a:pPr marL="285840" indent="-285480">
+            <a:endParaRPr b="0" lang="en-IN" sz="2400" spc="-1" strike="noStrike">
+              <a:latin typeface="Arial"/>
+            </a:endParaRPr>
+          </a:p>
+          <a:p>
+            <a:pPr marL="285840" indent="-285120">
               <a:lnSpc>
                 <a:spcPct val="100000"/>
               </a:lnSpc>
@@ -7239,7 +7040,7 @@
               <a:buChar char="•"/>
             </a:pPr>
             <a:r>
-              <a:rPr b="0" lang="en-US" sz="2400" spc="-1" strike="noStrike">
+              <a:rPr b="0" lang="en-IN" sz="2400" spc="-1" strike="noStrike">
                 <a:solidFill>
                   <a:srgbClr val="000000"/>
                 </a:solidFill>
@@ -7247,11 +7048,8 @@
               </a:rPr>
               <a:t>Our take on apps with reviews that you can trust</a:t>
             </a:r>
-            <a:endParaRPr b="0" lang="en-US" sz="2400" spc="-1" strike="noStrike">
-              <a:solidFill>
-                <a:srgbClr val="000000"/>
-              </a:solidFill>
-              <a:latin typeface="Corbel"/>
+            <a:endParaRPr b="0" lang="en-IN" sz="2400" spc="-1" strike="noStrike">
+              <a:latin typeface="Arial"/>
             </a:endParaRPr>
           </a:p>
         </p:txBody>
@@ -7307,14 +7105,14 @@
       </p:grpSpPr>
       <p:sp>
         <p:nvSpPr>
-          <p:cNvPr id="109" name="TextShape 1"/>
-          <p:cNvSpPr txBox="1"/>
+          <p:cNvPr id="103" name="CustomShape 1"/>
+          <p:cNvSpPr/>
           <p:nvPr/>
         </p:nvSpPr>
         <p:spPr>
           <a:xfrm>
             <a:off x="1484280" y="685800"/>
-            <a:ext cx="10018440" cy="990360"/>
+            <a:ext cx="10018080" cy="990000"/>
           </a:xfrm>
           <a:prstGeom prst="rect">
             <a:avLst/>
@@ -7324,8 +7122,14 @@
             <a:noFill/>
           </a:ln>
         </p:spPr>
-        <p:txBody>
-          <a:bodyPr anchor="ctr"/>
+        <p:style>
+          <a:lnRef idx="0"/>
+          <a:fillRef idx="0"/>
+          <a:effectRef idx="0"/>
+          <a:fontRef idx="minor"/>
+        </p:style>
+        <p:txBody>
+          <a:bodyPr lIns="90000" rIns="90000" tIns="45000" bIns="45000" anchor="ctr"/>
           <a:p>
             <a:pPr algn="ctr">
               <a:lnSpc>
@@ -7333,7 +7137,7 @@
               </a:lnSpc>
             </a:pPr>
             <a:r>
-              <a:rPr b="0" lang="en-US" sz="4000" spc="-1" strike="noStrike">
+              <a:rPr b="0" lang="en-IN" sz="4000" spc="-1" strike="noStrike">
                 <a:solidFill>
                   <a:srgbClr val="000000"/>
                 </a:solidFill>
@@ -7341,25 +7145,22 @@
               </a:rPr>
               <a:t>Data Cleaning</a:t>
             </a:r>
-            <a:endParaRPr b="0" lang="en-US" sz="4000" spc="-1" strike="noStrike">
-              <a:solidFill>
-                <a:srgbClr val="000000"/>
-              </a:solidFill>
-              <a:latin typeface="Corbel"/>
-            </a:endParaRPr>
-          </a:p>
-        </p:txBody>
-      </p:sp>
-      <p:sp>
-        <p:nvSpPr>
-          <p:cNvPr id="110" name="TextShape 2"/>
-          <p:cNvSpPr txBox="1"/>
+            <a:endParaRPr b="0" lang="en-IN" sz="4000" spc="-1" strike="noStrike">
+              <a:latin typeface="Arial"/>
+            </a:endParaRPr>
+          </a:p>
+        </p:txBody>
+      </p:sp>
+      <p:sp>
+        <p:nvSpPr>
+          <p:cNvPr id="104" name="CustomShape 2"/>
+          <p:cNvSpPr/>
           <p:nvPr/>
         </p:nvSpPr>
         <p:spPr>
           <a:xfrm>
             <a:off x="1484280" y="2666880"/>
-            <a:ext cx="10018440" cy="3123720"/>
+            <a:ext cx="10018080" cy="3123360"/>
           </a:xfrm>
           <a:prstGeom prst="rect">
             <a:avLst/>
@@ -7369,12 +7170,18 @@
             <a:noFill/>
           </a:ln>
         </p:spPr>
-        <p:txBody>
-          <a:bodyPr anchor="ctr">
+        <p:style>
+          <a:lnRef idx="0"/>
+          <a:fillRef idx="0"/>
+          <a:effectRef idx="0"/>
+          <a:fontRef idx="minor"/>
+        </p:style>
+        <p:txBody>
+          <a:bodyPr lIns="90000" rIns="90000" tIns="45000" bIns="45000" anchor="ctr">
             <a:normAutofit/>
           </a:bodyPr>
           <a:p>
-            <a:pPr marL="285840" indent="-285480">
+            <a:pPr marL="285840" indent="-285120">
               <a:lnSpc>
                 <a:spcPct val="100000"/>
               </a:lnSpc>
@@ -7392,7 +7199,7 @@
               <a:buChar char="•"/>
             </a:pPr>
             <a:r>
-              <a:rPr b="0" lang="en-US" sz="2400" spc="-1" strike="noStrike">
+              <a:rPr b="0" lang="en-IN" sz="2400" spc="-1" strike="noStrike">
                 <a:solidFill>
                   <a:srgbClr val="000000"/>
                 </a:solidFill>
@@ -7400,15 +7207,12 @@
               </a:rPr>
               <a:t>Size column: We converted KB to MB and replaced “varies with device” with NaN</a:t>
             </a:r>
-            <a:endParaRPr b="0" lang="en-US" sz="2400" spc="-1" strike="noStrike">
-              <a:solidFill>
-                <a:srgbClr val="000000"/>
-              </a:solidFill>
-              <a:latin typeface="Corbel"/>
-            </a:endParaRPr>
-          </a:p>
-          <a:p>
-            <a:pPr marL="285840" indent="-285480">
+            <a:endParaRPr b="0" lang="en-IN" sz="2400" spc="-1" strike="noStrike">
+              <a:latin typeface="Arial"/>
+            </a:endParaRPr>
+          </a:p>
+          <a:p>
+            <a:pPr marL="285840" indent="-285120">
               <a:lnSpc>
                 <a:spcPct val="100000"/>
               </a:lnSpc>
@@ -7426,7 +7230,7 @@
               <a:buChar char="•"/>
             </a:pPr>
             <a:r>
-              <a:rPr b="0" lang="en-US" sz="2400" spc="-1" strike="noStrike">
+              <a:rPr b="0" lang="en-IN" sz="2400" spc="-1" strike="noStrike">
                 <a:solidFill>
                   <a:srgbClr val="000000"/>
                 </a:solidFill>
@@ -7434,15 +7238,12 @@
               </a:rPr>
               <a:t>Installs column: Removed ‘+’ and commas that occurred in the columns</a:t>
             </a:r>
-            <a:endParaRPr b="0" lang="en-US" sz="2400" spc="-1" strike="noStrike">
-              <a:solidFill>
-                <a:srgbClr val="000000"/>
-              </a:solidFill>
-              <a:latin typeface="Corbel"/>
-            </a:endParaRPr>
-          </a:p>
-          <a:p>
-            <a:pPr marL="285840" indent="-285480">
+            <a:endParaRPr b="0" lang="en-IN" sz="2400" spc="-1" strike="noStrike">
+              <a:latin typeface="Arial"/>
+            </a:endParaRPr>
+          </a:p>
+          <a:p>
+            <a:pPr marL="285840" indent="-285120">
               <a:lnSpc>
                 <a:spcPct val="100000"/>
               </a:lnSpc>
@@ -7460,7 +7261,7 @@
               <a:buChar char="•"/>
             </a:pPr>
             <a:r>
-              <a:rPr b="0" lang="en-US" sz="2400" spc="-1" strike="noStrike">
+              <a:rPr b="0" lang="en-IN" sz="2400" spc="-1" strike="noStrike">
                 <a:solidFill>
                   <a:srgbClr val="000000"/>
                 </a:solidFill>
@@ -7468,15 +7269,12 @@
               </a:rPr>
               <a:t>Price column: Removed dollar symbol</a:t>
             </a:r>
-            <a:endParaRPr b="0" lang="en-US" sz="2400" spc="-1" strike="noStrike">
-              <a:solidFill>
-                <a:srgbClr val="000000"/>
-              </a:solidFill>
-              <a:latin typeface="Corbel"/>
-            </a:endParaRPr>
-          </a:p>
-          <a:p>
-            <a:pPr marL="285840" indent="-285480">
+            <a:endParaRPr b="0" lang="en-IN" sz="2400" spc="-1" strike="noStrike">
+              <a:latin typeface="Arial"/>
+            </a:endParaRPr>
+          </a:p>
+          <a:p>
+            <a:pPr marL="285840" indent="-285120">
               <a:lnSpc>
                 <a:spcPct val="100000"/>
               </a:lnSpc>
@@ -7494,7 +7292,7 @@
               <a:buChar char="•"/>
             </a:pPr>
             <a:r>
-              <a:rPr b="0" lang="en-US" sz="2400" spc="-1" strike="noStrike">
+              <a:rPr b="0" lang="en-IN" sz="2400" spc="-1" strike="noStrike">
                 <a:solidFill>
                   <a:srgbClr val="000000"/>
                 </a:solidFill>
@@ -7502,11 +7300,8 @@
               </a:rPr>
               <a:t>Sorted the dataframe based on ‘Category’ column</a:t>
             </a:r>
-            <a:endParaRPr b="0" lang="en-US" sz="2400" spc="-1" strike="noStrike">
-              <a:solidFill>
-                <a:srgbClr val="000000"/>
-              </a:solidFill>
-              <a:latin typeface="Corbel"/>
+            <a:endParaRPr b="0" lang="en-IN" sz="2400" spc="-1" strike="noStrike">
+              <a:latin typeface="Arial"/>
             </a:endParaRPr>
           </a:p>
           <a:p>
@@ -7521,11 +7316,8 @@
                 <a:spcPts val="601"/>
               </a:spcAft>
             </a:pPr>
-            <a:endParaRPr b="0" lang="en-US" sz="2400" spc="-1" strike="noStrike">
-              <a:solidFill>
-                <a:srgbClr val="000000"/>
-              </a:solidFill>
-              <a:latin typeface="Corbel"/>
+            <a:endParaRPr b="0" lang="en-IN" sz="2400" spc="-1" strike="noStrike">
+              <a:latin typeface="Arial"/>
             </a:endParaRPr>
           </a:p>
         </p:txBody>
@@ -7581,14 +7373,14 @@
       </p:grpSpPr>
       <p:sp>
         <p:nvSpPr>
-          <p:cNvPr id="111" name="TextShape 1"/>
-          <p:cNvSpPr txBox="1"/>
+          <p:cNvPr id="105" name="CustomShape 1"/>
+          <p:cNvSpPr/>
           <p:nvPr/>
         </p:nvSpPr>
         <p:spPr>
           <a:xfrm>
             <a:off x="1484280" y="685800"/>
-            <a:ext cx="10018440" cy="1821600"/>
+            <a:ext cx="10018080" cy="1821240"/>
           </a:xfrm>
           <a:prstGeom prst="rect">
             <a:avLst/>
@@ -7598,8 +7390,14 @@
             <a:noFill/>
           </a:ln>
         </p:spPr>
-        <p:txBody>
-          <a:bodyPr anchor="ctr"/>
+        <p:style>
+          <a:lnRef idx="0"/>
+          <a:fillRef idx="0"/>
+          <a:effectRef idx="0"/>
+          <a:fontRef idx="minor"/>
+        </p:style>
+        <p:txBody>
+          <a:bodyPr lIns="90000" rIns="90000" tIns="45000" bIns="45000" anchor="ctr"/>
           <a:p>
             <a:pPr algn="ctr">
               <a:lnSpc>
@@ -7607,7 +7405,7 @@
               </a:lnSpc>
             </a:pPr>
             <a:r>
-              <a:rPr b="0" lang="en-US" sz="4000" spc="-1" strike="noStrike">
+              <a:rPr b="0" lang="en-IN" sz="4000" spc="-1" strike="noStrike">
                 <a:solidFill>
                   <a:srgbClr val="000000"/>
                 </a:solidFill>
@@ -7615,25 +7413,22 @@
               </a:rPr>
               <a:t>Data Cleaning</a:t>
             </a:r>
-            <a:endParaRPr b="0" lang="en-US" sz="4000" spc="-1" strike="noStrike">
-              <a:solidFill>
-                <a:srgbClr val="000000"/>
-              </a:solidFill>
-              <a:latin typeface="Corbel"/>
-            </a:endParaRPr>
-          </a:p>
-        </p:txBody>
-      </p:sp>
-      <p:sp>
-        <p:nvSpPr>
-          <p:cNvPr id="112" name="TextShape 2"/>
-          <p:cNvSpPr txBox="1"/>
+            <a:endParaRPr b="0" lang="en-IN" sz="4000" spc="-1" strike="noStrike">
+              <a:latin typeface="Arial"/>
+            </a:endParaRPr>
+          </a:p>
+        </p:txBody>
+      </p:sp>
+      <p:sp>
+        <p:nvSpPr>
+          <p:cNvPr id="106" name="CustomShape 2"/>
+          <p:cNvSpPr/>
           <p:nvPr/>
         </p:nvSpPr>
         <p:spPr>
           <a:xfrm>
             <a:off x="1484280" y="2666880"/>
-            <a:ext cx="10018440" cy="2375640"/>
+            <a:ext cx="10018080" cy="2375280"/>
           </a:xfrm>
           <a:prstGeom prst="rect">
             <a:avLst/>
@@ -7643,12 +7438,18 @@
             <a:noFill/>
           </a:ln>
         </p:spPr>
-        <p:txBody>
-          <a:bodyPr anchor="ctr">
+        <p:style>
+          <a:lnRef idx="0"/>
+          <a:fillRef idx="0"/>
+          <a:effectRef idx="0"/>
+          <a:fontRef idx="minor"/>
+        </p:style>
+        <p:txBody>
+          <a:bodyPr lIns="90000" rIns="90000" tIns="45000" bIns="45000" anchor="ctr">
             <a:normAutofit/>
           </a:bodyPr>
           <a:p>
-            <a:pPr marL="285840" indent="-285480">
+            <a:pPr marL="285840" indent="-285120">
               <a:lnSpc>
                 <a:spcPct val="100000"/>
               </a:lnSpc>
@@ -7666,7 +7467,7 @@
               <a:buChar char="•"/>
             </a:pPr>
             <a:r>
-              <a:rPr b="0" lang="en-US" sz="2400" spc="-1" strike="noStrike">
+              <a:rPr b="0" lang="en-IN" sz="2400" spc="-1" strike="noStrike">
                 <a:solidFill>
                   <a:srgbClr val="000000"/>
                 </a:solidFill>
@@ -7674,15 +7475,12 @@
               </a:rPr>
               <a:t>We then also replaced the NaN values with respective mean in the Size and Rating columns, rounding to 1 decimal place.</a:t>
             </a:r>
-            <a:endParaRPr b="0" lang="en-US" sz="2400" spc="-1" strike="noStrike">
-              <a:solidFill>
-                <a:srgbClr val="000000"/>
-              </a:solidFill>
-              <a:latin typeface="Corbel"/>
-            </a:endParaRPr>
-          </a:p>
-          <a:p>
-            <a:pPr marL="285840" indent="-285480">
+            <a:endParaRPr b="0" lang="en-IN" sz="2400" spc="-1" strike="noStrike">
+              <a:latin typeface="Arial"/>
+            </a:endParaRPr>
+          </a:p>
+          <a:p>
+            <a:pPr marL="285840" indent="-285120">
               <a:lnSpc>
                 <a:spcPct val="100000"/>
               </a:lnSpc>
@@ -7700,7 +7498,7 @@
               <a:buChar char="•"/>
             </a:pPr>
             <a:r>
-              <a:rPr b="0" lang="en-US" sz="2400" spc="-1" strike="noStrike">
+              <a:rPr b="0" lang="en-IN" sz="2400" spc="-1" strike="noStrike">
                 <a:solidFill>
                   <a:srgbClr val="000000"/>
                 </a:solidFill>
@@ -7708,15 +7506,12 @@
               </a:rPr>
               <a:t>Converted number of reviews, installs, price to numeric</a:t>
             </a:r>
-            <a:endParaRPr b="0" lang="en-US" sz="2400" spc="-1" strike="noStrike">
-              <a:solidFill>
-                <a:srgbClr val="000000"/>
-              </a:solidFill>
-              <a:latin typeface="Corbel"/>
-            </a:endParaRPr>
-          </a:p>
-          <a:p>
-            <a:pPr marL="285840" indent="-285480">
+            <a:endParaRPr b="0" lang="en-IN" sz="2400" spc="-1" strike="noStrike">
+              <a:latin typeface="Arial"/>
+            </a:endParaRPr>
+          </a:p>
+          <a:p>
+            <a:pPr marL="285840" indent="-285120">
               <a:lnSpc>
                 <a:spcPct val="100000"/>
               </a:lnSpc>
@@ -7734,7 +7529,7 @@
               <a:buChar char="•"/>
             </a:pPr>
             <a:r>
-              <a:rPr b="0" lang="en-US" sz="2400" spc="-1" strike="noStrike">
+              <a:rPr b="0" lang="en-IN" sz="2400" spc="-1" strike="noStrike">
                 <a:solidFill>
                   <a:srgbClr val="000000"/>
                 </a:solidFill>
@@ -7742,11 +7537,8 @@
               </a:rPr>
               <a:t>Converted the version of the apps to only represent major version iterations, and ignored minor version changes</a:t>
             </a:r>
-            <a:endParaRPr b="0" lang="en-US" sz="2400" spc="-1" strike="noStrike">
-              <a:solidFill>
-                <a:srgbClr val="000000"/>
-              </a:solidFill>
-              <a:latin typeface="Corbel"/>
+            <a:endParaRPr b="0" lang="en-IN" sz="2400" spc="-1" strike="noStrike">
+              <a:latin typeface="Arial"/>
             </a:endParaRPr>
           </a:p>
         </p:txBody>
@@ -7802,14 +7594,14 @@
       </p:grpSpPr>
       <p:sp>
         <p:nvSpPr>
-          <p:cNvPr id="113" name="TextShape 1"/>
-          <p:cNvSpPr txBox="1"/>
+          <p:cNvPr id="107" name="CustomShape 1"/>
+          <p:cNvSpPr/>
           <p:nvPr/>
         </p:nvSpPr>
         <p:spPr>
           <a:xfrm>
             <a:off x="1475640" y="102240"/>
-            <a:ext cx="10018440" cy="698400"/>
+            <a:ext cx="10018080" cy="698040"/>
           </a:xfrm>
           <a:prstGeom prst="rect">
             <a:avLst/>
@@ -7819,8 +7611,14 @@
             <a:noFill/>
           </a:ln>
         </p:spPr>
-        <p:txBody>
-          <a:bodyPr anchor="ctr">
+        <p:style>
+          <a:lnRef idx="0"/>
+          <a:fillRef idx="0"/>
+          <a:effectRef idx="0"/>
+          <a:fontRef idx="minor"/>
+        </p:style>
+        <p:txBody>
+          <a:bodyPr lIns="90000" rIns="90000" tIns="45000" bIns="45000" anchor="ctr">
             <a:normAutofit/>
           </a:bodyPr>
           <a:p>
@@ -7830,7 +7628,7 @@
               </a:lnSpc>
             </a:pPr>
             <a:r>
-              <a:rPr b="0" lang="en-US" sz="4000" spc="-1" strike="noStrike">
+              <a:rPr b="0" lang="en-IN" sz="4000" spc="-1" strike="noStrike">
                 <a:solidFill>
                   <a:srgbClr val="000000"/>
                 </a:solidFill>
@@ -7838,18 +7636,15 @@
               </a:rPr>
               <a:t>Before cleaning</a:t>
             </a:r>
-            <a:endParaRPr b="0" lang="en-US" sz="4000" spc="-1" strike="noStrike">
-              <a:solidFill>
-                <a:srgbClr val="000000"/>
-              </a:solidFill>
-              <a:latin typeface="Corbel"/>
+            <a:endParaRPr b="0" lang="en-IN" sz="4000" spc="-1" strike="noStrike">
+              <a:latin typeface="Arial"/>
             </a:endParaRPr>
           </a:p>
         </p:txBody>
       </p:sp>
       <p:pic>
         <p:nvPicPr>
-          <p:cNvPr id="114" name="Content Placeholder 3" descr=""/>
+          <p:cNvPr id="108" name="Content Placeholder 3" descr=""/>
           <p:cNvPicPr/>
           <p:nvPr/>
         </p:nvPicPr>
@@ -7860,7 +7655,7 @@
         <p:spPr>
           <a:xfrm>
             <a:off x="1943280" y="1132200"/>
-            <a:ext cx="9082800" cy="5108760"/>
+            <a:ext cx="9082440" cy="5108400"/>
           </a:xfrm>
           <a:prstGeom prst="rect">
             <a:avLst/>
@@ -7921,14 +7716,14 @@
       </p:grpSpPr>
       <p:sp>
         <p:nvSpPr>
-          <p:cNvPr id="115" name="TextShape 1"/>
-          <p:cNvSpPr txBox="1"/>
+          <p:cNvPr id="109" name="CustomShape 1"/>
+          <p:cNvSpPr/>
           <p:nvPr/>
         </p:nvSpPr>
         <p:spPr>
           <a:xfrm>
             <a:off x="1475640" y="102240"/>
-            <a:ext cx="10018440" cy="698400"/>
+            <a:ext cx="10018080" cy="698040"/>
           </a:xfrm>
           <a:prstGeom prst="rect">
             <a:avLst/>
@@ -7938,8 +7733,14 @@
             <a:noFill/>
           </a:ln>
         </p:spPr>
-        <p:txBody>
-          <a:bodyPr anchor="ctr">
+        <p:style>
+          <a:lnRef idx="0"/>
+          <a:fillRef idx="0"/>
+          <a:effectRef idx="0"/>
+          <a:fontRef idx="minor"/>
+        </p:style>
+        <p:txBody>
+          <a:bodyPr lIns="90000" rIns="90000" tIns="45000" bIns="45000" anchor="ctr">
             <a:normAutofit/>
           </a:bodyPr>
           <a:p>
@@ -7949,7 +7750,7 @@
               </a:lnSpc>
             </a:pPr>
             <a:r>
-              <a:rPr b="0" lang="en-US" sz="4000" spc="-1" strike="noStrike">
+              <a:rPr b="0" lang="en-IN" sz="4000" spc="-1" strike="noStrike">
                 <a:solidFill>
                   <a:srgbClr val="000000"/>
                 </a:solidFill>
@@ -7957,18 +7758,15 @@
               </a:rPr>
               <a:t>After cleaning (installs)</a:t>
             </a:r>
-            <a:endParaRPr b="0" lang="en-US" sz="4000" spc="-1" strike="noStrike">
-              <a:solidFill>
-                <a:srgbClr val="000000"/>
-              </a:solidFill>
-              <a:latin typeface="Corbel"/>
+            <a:endParaRPr b="0" lang="en-IN" sz="4000" spc="-1" strike="noStrike">
+              <a:latin typeface="Arial"/>
             </a:endParaRPr>
           </a:p>
         </p:txBody>
       </p:sp>
       <p:pic>
         <p:nvPicPr>
-          <p:cNvPr id="116" name="Content Placeholder 8" descr=""/>
+          <p:cNvPr id="110" name="Content Placeholder 8" descr=""/>
           <p:cNvPicPr/>
           <p:nvPr/>
         </p:nvPicPr>
@@ -7979,7 +7777,7 @@
         <p:spPr>
           <a:xfrm>
             <a:off x="111240" y="890280"/>
-            <a:ext cx="6544440" cy="3681360"/>
+            <a:ext cx="6544080" cy="3681000"/>
           </a:xfrm>
           <a:prstGeom prst="rect">
             <a:avLst/>
@@ -7991,7 +7789,7 @@
       </p:pic>
       <p:pic>
         <p:nvPicPr>
-          <p:cNvPr id="117" name="Picture 9" descr=""/>
+          <p:cNvPr id="111" name="Picture 9" descr=""/>
           <p:cNvPicPr/>
           <p:nvPr/>
         </p:nvPicPr>
@@ -8002,7 +7800,7 @@
         <p:spPr>
           <a:xfrm>
             <a:off x="6031080" y="3378960"/>
-            <a:ext cx="6060960" cy="3409200"/>
+            <a:ext cx="6060600" cy="3408840"/>
           </a:xfrm>
           <a:prstGeom prst="rect">
             <a:avLst/>
@@ -8014,14 +7812,14 @@
       </p:pic>
       <p:sp>
         <p:nvSpPr>
-          <p:cNvPr id="118" name="CustomShape 2"/>
+          <p:cNvPr id="112" name="CustomShape 2"/>
           <p:cNvSpPr/>
           <p:nvPr/>
         </p:nvSpPr>
         <p:spPr>
           <a:xfrm>
             <a:off x="6742800" y="1253880"/>
-            <a:ext cx="1662480" cy="364680"/>
+            <a:ext cx="1662120" cy="364320"/>
           </a:xfrm>
           <a:prstGeom prst="rect">
             <a:avLst/>
@@ -8051,6 +7849,7 @@
                   <a:srgbClr val="000000"/>
                 </a:solidFill>
                 <a:latin typeface="Corbel"/>
+                <a:ea typeface="DejaVu Sans"/>
               </a:rPr>
               <a:t>Removed ‘+’</a:t>
             </a:r>
@@ -8062,14 +7861,14 @@
       </p:sp>
       <p:sp>
         <p:nvSpPr>
-          <p:cNvPr id="119" name="CustomShape 3"/>
+          <p:cNvPr id="113" name="CustomShape 3"/>
           <p:cNvSpPr/>
           <p:nvPr/>
         </p:nvSpPr>
         <p:spPr>
           <a:xfrm>
             <a:off x="3843720" y="5083560"/>
-            <a:ext cx="2293560" cy="364680"/>
+            <a:ext cx="2293200" cy="364320"/>
           </a:xfrm>
           <a:prstGeom prst="rect">
             <a:avLst/>
@@ -8099,6 +7898,7 @@
                   <a:srgbClr val="000000"/>
                 </a:solidFill>
                 <a:latin typeface="Corbel"/>
+                <a:ea typeface="DejaVu Sans"/>
               </a:rPr>
               <a:t>Removed commas</a:t>
             </a:r>
@@ -8159,14 +7959,14 @@
       </p:grpSpPr>
       <p:sp>
         <p:nvSpPr>
-          <p:cNvPr id="120" name="TextShape 1"/>
-          <p:cNvSpPr txBox="1"/>
+          <p:cNvPr id="114" name="CustomShape 1"/>
+          <p:cNvSpPr/>
           <p:nvPr/>
         </p:nvSpPr>
         <p:spPr>
           <a:xfrm>
             <a:off x="1475640" y="102240"/>
-            <a:ext cx="10018440" cy="698400"/>
+            <a:ext cx="10018080" cy="698040"/>
           </a:xfrm>
           <a:prstGeom prst="rect">
             <a:avLst/>
@@ -8176,8 +7976,14 @@
             <a:noFill/>
           </a:ln>
         </p:spPr>
-        <p:txBody>
-          <a:bodyPr anchor="ctr">
+        <p:style>
+          <a:lnRef idx="0"/>
+          <a:fillRef idx="0"/>
+          <a:effectRef idx="0"/>
+          <a:fontRef idx="minor"/>
+        </p:style>
+        <p:txBody>
+          <a:bodyPr lIns="90000" rIns="90000" tIns="45000" bIns="45000" anchor="ctr">
             <a:normAutofit/>
           </a:bodyPr>
           <a:p>
@@ -8187,7 +7993,7 @@
               </a:lnSpc>
             </a:pPr>
             <a:r>
-              <a:rPr b="0" lang="en-US" sz="4000" spc="-1" strike="noStrike">
+              <a:rPr b="0" lang="en-IN" sz="4000" spc="-1" strike="noStrike">
                 <a:solidFill>
                   <a:srgbClr val="000000"/>
                 </a:solidFill>
@@ -8195,25 +8001,22 @@
               </a:rPr>
               <a:t>After cleaning (price)</a:t>
             </a:r>
-            <a:endParaRPr b="0" lang="en-US" sz="4000" spc="-1" strike="noStrike">
-              <a:solidFill>
-                <a:srgbClr val="000000"/>
-              </a:solidFill>
-              <a:latin typeface="Corbel"/>
-            </a:endParaRPr>
-          </a:p>
-        </p:txBody>
-      </p:sp>
-      <p:sp>
-        <p:nvSpPr>
-          <p:cNvPr id="121" name="CustomShape 2"/>
+            <a:endParaRPr b="0" lang="en-IN" sz="4000" spc="-1" strike="noStrike">
+              <a:latin typeface="Arial"/>
+            </a:endParaRPr>
+          </a:p>
+        </p:txBody>
+      </p:sp>
+      <p:sp>
+        <p:nvSpPr>
+          <p:cNvPr id="115" name="CustomShape 2"/>
           <p:cNvSpPr/>
           <p:nvPr/>
         </p:nvSpPr>
         <p:spPr>
           <a:xfrm>
             <a:off x="7561080" y="3501000"/>
-            <a:ext cx="2871000" cy="364680"/>
+            <a:ext cx="2870640" cy="364320"/>
           </a:xfrm>
           <a:prstGeom prst="rect">
             <a:avLst/>
@@ -8243,6 +8046,7 @@
                   <a:srgbClr val="000000"/>
                 </a:solidFill>
                 <a:latin typeface="Corbel"/>
+                <a:ea typeface="DejaVu Sans"/>
               </a:rPr>
               <a:t>Removed dollar symbol</a:t>
             </a:r>
@@ -8254,14 +8058,14 @@
       </p:sp>
       <p:sp>
         <p:nvSpPr>
-          <p:cNvPr id="122" name="CustomShape 3"/>
+          <p:cNvPr id="116" name="CustomShape 3"/>
           <p:cNvSpPr/>
           <p:nvPr/>
         </p:nvSpPr>
         <p:spPr>
           <a:xfrm>
             <a:off x="3843720" y="5083560"/>
-            <a:ext cx="2293560" cy="364680"/>
+            <a:ext cx="2293200" cy="364320"/>
           </a:xfrm>
           <a:prstGeom prst="rect">
             <a:avLst/>
@@ -8291,6 +8095,7 @@
                   <a:srgbClr val="000000"/>
                 </a:solidFill>
                 <a:latin typeface="Corbel"/>
+                <a:ea typeface="DejaVu Sans"/>
               </a:rPr>
               <a:t>Removed commas</a:t>
             </a:r>
@@ -8302,7 +8107,7 @@
       </p:sp>
       <p:pic>
         <p:nvPicPr>
-          <p:cNvPr id="123" name="Content Placeholder 3" descr=""/>
+          <p:cNvPr id="117" name="Content Placeholder 3" descr=""/>
           <p:cNvPicPr/>
           <p:nvPr/>
         </p:nvPicPr>
@@ -8313,7 +8118,7 @@
         <p:spPr>
           <a:xfrm>
             <a:off x="1130040" y="2431800"/>
-            <a:ext cx="5553720" cy="3123720"/>
+            <a:ext cx="5553360" cy="3123360"/>
           </a:xfrm>
           <a:prstGeom prst="rect">
             <a:avLst/>
@@ -8374,14 +8179,14 @@
       </p:grpSpPr>
       <p:sp>
         <p:nvSpPr>
-          <p:cNvPr id="124" name="TextShape 1"/>
-          <p:cNvSpPr txBox="1"/>
+          <p:cNvPr id="118" name="CustomShape 1"/>
+          <p:cNvSpPr/>
           <p:nvPr/>
         </p:nvSpPr>
         <p:spPr>
           <a:xfrm>
             <a:off x="1475640" y="102240"/>
-            <a:ext cx="10018440" cy="698400"/>
+            <a:ext cx="10018080" cy="698040"/>
           </a:xfrm>
           <a:prstGeom prst="rect">
             <a:avLst/>
@@ -8391,8 +8196,14 @@
             <a:noFill/>
           </a:ln>
         </p:spPr>
-        <p:txBody>
-          <a:bodyPr anchor="ctr">
+        <p:style>
+          <a:lnRef idx="0"/>
+          <a:fillRef idx="0"/>
+          <a:effectRef idx="0"/>
+          <a:fontRef idx="minor"/>
+        </p:style>
+        <p:txBody>
+          <a:bodyPr lIns="90000" rIns="90000" tIns="45000" bIns="45000" anchor="ctr">
             <a:normAutofit/>
           </a:bodyPr>
           <a:p>
@@ -8402,7 +8213,7 @@
               </a:lnSpc>
             </a:pPr>
             <a:r>
-              <a:rPr b="0" lang="en-US" sz="4000" spc="-1" strike="noStrike">
+              <a:rPr b="0" lang="en-IN" sz="4000" spc="-1" strike="noStrike">
                 <a:solidFill>
                   <a:srgbClr val="000000"/>
                 </a:solidFill>
@@ -8410,25 +8221,22 @@
               </a:rPr>
               <a:t>After cleaning (ratings)</a:t>
             </a:r>
-            <a:endParaRPr b="0" lang="en-US" sz="4000" spc="-1" strike="noStrike">
-              <a:solidFill>
-                <a:srgbClr val="000000"/>
-              </a:solidFill>
-              <a:latin typeface="Corbel"/>
-            </a:endParaRPr>
-          </a:p>
-        </p:txBody>
-      </p:sp>
-      <p:sp>
-        <p:nvSpPr>
-          <p:cNvPr id="125" name="CustomShape 2"/>
+            <a:endParaRPr b="0" lang="en-IN" sz="4000" spc="-1" strike="noStrike">
+              <a:latin typeface="Arial"/>
+            </a:endParaRPr>
+          </a:p>
+        </p:txBody>
+      </p:sp>
+      <p:sp>
+        <p:nvSpPr>
+          <p:cNvPr id="119" name="CustomShape 2"/>
           <p:cNvSpPr/>
           <p:nvPr/>
         </p:nvSpPr>
         <p:spPr>
           <a:xfrm>
             <a:off x="6881760" y="3596760"/>
-            <a:ext cx="3637440" cy="639000"/>
+            <a:ext cx="3637080" cy="638640"/>
           </a:xfrm>
           <a:prstGeom prst="rect">
             <a:avLst/>
@@ -8458,6 +8266,7 @@
                   <a:srgbClr val="000000"/>
                 </a:solidFill>
                 <a:latin typeface="Corbel"/>
+                <a:ea typeface="DejaVu Sans"/>
               </a:rPr>
               <a:t>Replaced NaN with mean and </a:t>
             </a:r>
@@ -8477,6 +8286,7 @@
                   <a:srgbClr val="000000"/>
                 </a:solidFill>
                 <a:latin typeface="Corbel"/>
+                <a:ea typeface="DejaVu Sans"/>
               </a:rPr>
               <a:t>rounded the ratings</a:t>
             </a:r>
@@ -8488,14 +8298,14 @@
       </p:sp>
       <p:sp>
         <p:nvSpPr>
-          <p:cNvPr id="126" name="CustomShape 3"/>
+          <p:cNvPr id="120" name="CustomShape 3"/>
           <p:cNvSpPr/>
           <p:nvPr/>
         </p:nvSpPr>
         <p:spPr>
           <a:xfrm>
             <a:off x="3843720" y="5083560"/>
-            <a:ext cx="2293560" cy="364680"/>
+            <a:ext cx="2293200" cy="364320"/>
           </a:xfrm>
           <a:prstGeom prst="rect">
             <a:avLst/>
@@ -8525,6 +8335,7 @@
                   <a:srgbClr val="000000"/>
                 </a:solidFill>
                 <a:latin typeface="Corbel"/>
+                <a:ea typeface="DejaVu Sans"/>
               </a:rPr>
               <a:t>Removed commas</a:t>
             </a:r>
@@ -8536,7 +8347,7 @@
       </p:sp>
       <p:pic>
         <p:nvPicPr>
-          <p:cNvPr id="127" name="Content Placeholder 3" descr=""/>
+          <p:cNvPr id="121" name="Content Placeholder 3" descr=""/>
           <p:cNvPicPr/>
           <p:nvPr/>
         </p:nvPicPr>
@@ -8547,7 +8358,7 @@
         <p:spPr>
           <a:xfrm>
             <a:off x="930960" y="2328840"/>
-            <a:ext cx="5553720" cy="3123720"/>
+            <a:ext cx="5553360" cy="3123360"/>
           </a:xfrm>
           <a:prstGeom prst="rect">
             <a:avLst/>

--- a/IDS.pptx
+++ b/IDS.pptx
@@ -2732,9 +2732,9 @@
         <p:grpSpPr>
           <a:xfrm>
             <a:off x="150840" y="0"/>
-            <a:ext cx="2436120" cy="6857280"/>
+            <a:ext cx="2435400" cy="6856560"/>
             <a:chOff x="150840" y="0"/>
-            <a:chExt cx="2436120" cy="6857280"/>
+            <a:chExt cx="2435400" cy="6856560"/>
           </a:xfrm>
         </p:grpSpPr>
         <p:sp>
@@ -2746,7 +2746,7 @@
           <p:spPr>
             <a:xfrm>
               <a:off x="457200" y="0"/>
-              <a:ext cx="1121760" cy="5328360"/>
+              <a:ext cx="1121040" cy="5327640"/>
             </a:xfrm>
             <a:custGeom>
               <a:avLst/>
@@ -2797,7 +2797,7 @@
           <p:spPr>
             <a:xfrm>
               <a:off x="150840" y="0"/>
-              <a:ext cx="1116720" cy="5276160"/>
+              <a:ext cx="1116000" cy="5275440"/>
             </a:xfrm>
             <a:custGeom>
               <a:avLst/>
@@ -2851,7 +2851,7 @@
           <p:spPr>
             <a:xfrm>
               <a:off x="150840" y="5238720"/>
-              <a:ext cx="1227960" cy="1618560"/>
+              <a:ext cx="1227240" cy="1617840"/>
             </a:xfrm>
             <a:custGeom>
               <a:avLst/>
@@ -2902,7 +2902,7 @@
           <p:spPr>
             <a:xfrm>
               <a:off x="457200" y="5291280"/>
-              <a:ext cx="1494720" cy="1566000"/>
+              <a:ext cx="1494000" cy="1565280"/>
             </a:xfrm>
             <a:custGeom>
               <a:avLst/>
@@ -2952,7 +2952,7 @@
           <p:spPr>
             <a:xfrm>
               <a:off x="457200" y="5286240"/>
-              <a:ext cx="2129760" cy="1571040"/>
+              <a:ext cx="2129040" cy="1570320"/>
             </a:xfrm>
             <a:custGeom>
               <a:avLst/>
@@ -3008,7 +3008,7 @@
           <p:spPr>
             <a:xfrm>
               <a:off x="150840" y="5238720"/>
-              <a:ext cx="1694880" cy="1618560"/>
+              <a:ext cx="1694160" cy="1617840"/>
             </a:xfrm>
             <a:custGeom>
               <a:avLst/>
@@ -3078,9 +3078,9 @@
         <p:grpSpPr>
           <a:xfrm>
             <a:off x="546120" y="-4680"/>
-            <a:ext cx="5014080" cy="6861960"/>
+            <a:ext cx="5013360" cy="6861240"/>
             <a:chOff x="546120" y="-4680"/>
-            <a:chExt cx="5014080" cy="6861960"/>
+            <a:chExt cx="5013360" cy="6861240"/>
           </a:xfrm>
         </p:grpSpPr>
         <p:sp>
@@ -3092,7 +3092,7 @@
           <p:spPr>
             <a:xfrm>
               <a:off x="984240" y="-4680"/>
-              <a:ext cx="1063080" cy="2782080"/>
+              <a:ext cx="1062360" cy="2781360"/>
             </a:xfrm>
             <a:custGeom>
               <a:avLst/>
@@ -3143,7 +3143,7 @@
           <p:spPr>
             <a:xfrm>
               <a:off x="546120" y="-4680"/>
-              <a:ext cx="1034280" cy="2672640"/>
+              <a:ext cx="1033560" cy="2671920"/>
             </a:xfrm>
             <a:custGeom>
               <a:avLst/>
@@ -3200,7 +3200,7 @@
           <p:spPr>
             <a:xfrm>
               <a:off x="546120" y="2583000"/>
-              <a:ext cx="2693160" cy="4274280"/>
+              <a:ext cx="2692440" cy="4273560"/>
             </a:xfrm>
             <a:custGeom>
               <a:avLst/>
@@ -3251,7 +3251,7 @@
           <p:spPr>
             <a:xfrm>
               <a:off x="988920" y="2692440"/>
-              <a:ext cx="3331440" cy="4164840"/>
+              <a:ext cx="3330720" cy="4164120"/>
             </a:xfrm>
             <a:custGeom>
               <a:avLst/>
@@ -3301,7 +3301,7 @@
           <p:spPr>
             <a:xfrm>
               <a:off x="984240" y="2687760"/>
-              <a:ext cx="4575960" cy="4169520"/>
+              <a:ext cx="4575240" cy="4168800"/>
             </a:xfrm>
             <a:custGeom>
               <a:avLst/>
@@ -3357,7 +3357,7 @@
           <p:spPr>
             <a:xfrm>
               <a:off x="546120" y="2577960"/>
-              <a:ext cx="3583800" cy="4279320"/>
+              <a:ext cx="3583080" cy="4278600"/>
             </a:xfrm>
             <a:custGeom>
               <a:avLst/>
@@ -3424,8 +3424,8 @@
         </p:nvSpPr>
         <p:spPr>
           <a:xfrm>
-            <a:off x="1484280" y="685800"/>
-            <a:ext cx="10018080" cy="1751760"/>
+            <a:off x="609480" y="273600"/>
+            <a:ext cx="10972440" cy="1144800"/>
           </a:xfrm>
           <a:prstGeom prst="rect">
             <a:avLst/>
@@ -3434,13 +3434,14 @@
         <p:txBody>
           <a:bodyPr lIns="0" rIns="0" tIns="0" bIns="0" anchor="ctr"/>
           <a:p>
+            <a:pPr algn="ctr"/>
             <a:r>
-              <a:rPr b="0" lang="en-IN" sz="1800" spc="-1" strike="noStrike">
+              <a:rPr b="0" lang="en-IN" sz="4400" spc="-1" strike="noStrike">
                 <a:latin typeface="Arial"/>
               </a:rPr>
               <a:t>Click to edit the title text format</a:t>
             </a:r>
-            <a:endParaRPr b="0" lang="en-IN" sz="1800" spc="-1" strike="noStrike">
+            <a:endParaRPr b="0" lang="en-IN" sz="4400" spc="-1" strike="noStrike">
               <a:latin typeface="Arial"/>
             </a:endParaRPr>
           </a:p>
@@ -3681,9 +3682,9 @@
         <p:grpSpPr>
           <a:xfrm>
             <a:off x="150840" y="0"/>
-            <a:ext cx="2436120" cy="6857280"/>
+            <a:ext cx="2435400" cy="6856560"/>
             <a:chOff x="150840" y="0"/>
-            <a:chExt cx="2436120" cy="6857280"/>
+            <a:chExt cx="2435400" cy="6856560"/>
           </a:xfrm>
         </p:grpSpPr>
         <p:sp>
@@ -3695,7 +3696,7 @@
           <p:spPr>
             <a:xfrm>
               <a:off x="457200" y="0"/>
-              <a:ext cx="1121760" cy="5328360"/>
+              <a:ext cx="1121040" cy="5327640"/>
             </a:xfrm>
             <a:custGeom>
               <a:avLst/>
@@ -3746,7 +3747,7 @@
           <p:spPr>
             <a:xfrm>
               <a:off x="150840" y="0"/>
-              <a:ext cx="1116720" cy="5276160"/>
+              <a:ext cx="1116000" cy="5275440"/>
             </a:xfrm>
             <a:custGeom>
               <a:avLst/>
@@ -3800,7 +3801,7 @@
           <p:spPr>
             <a:xfrm>
               <a:off x="150840" y="5238720"/>
-              <a:ext cx="1227960" cy="1618560"/>
+              <a:ext cx="1227240" cy="1617840"/>
             </a:xfrm>
             <a:custGeom>
               <a:avLst/>
@@ -3851,7 +3852,7 @@
           <p:spPr>
             <a:xfrm>
               <a:off x="457200" y="5291280"/>
-              <a:ext cx="1494720" cy="1566000"/>
+              <a:ext cx="1494000" cy="1565280"/>
             </a:xfrm>
             <a:custGeom>
               <a:avLst/>
@@ -3901,7 +3902,7 @@
           <p:spPr>
             <a:xfrm>
               <a:off x="457200" y="5286240"/>
-              <a:ext cx="2129760" cy="1571040"/>
+              <a:ext cx="2129040" cy="1570320"/>
             </a:xfrm>
             <a:custGeom>
               <a:avLst/>
@@ -3957,7 +3958,7 @@
           <p:spPr>
             <a:xfrm>
               <a:off x="150840" y="5238720"/>
-              <a:ext cx="1694880" cy="1618560"/>
+              <a:ext cx="1694160" cy="1617840"/>
             </a:xfrm>
             <a:custGeom>
               <a:avLst/>
@@ -4278,7 +4279,7 @@
         <p:spPr>
           <a:xfrm>
             <a:off x="2928240" y="1380240"/>
-            <a:ext cx="8573760" cy="2615400"/>
+            <a:ext cx="8573040" cy="2614680"/>
           </a:xfrm>
           <a:prstGeom prst="rect">
             <a:avLst/>
@@ -4308,6 +4309,7 @@
                   <a:srgbClr val="000000"/>
                 </a:solidFill>
                 <a:latin typeface="Corbel"/>
+                <a:ea typeface="DejaVu Sans"/>
               </a:rPr>
               <a:t>An analysis of applications on Google Play Store</a:t>
             </a:r>
@@ -4326,7 +4328,7 @@
         <p:spPr>
           <a:xfrm>
             <a:off x="4515480" y="3996360"/>
-            <a:ext cx="6986880" cy="1387800"/>
+            <a:ext cx="6986160" cy="1387080"/>
           </a:xfrm>
           <a:prstGeom prst="rect">
             <a:avLst/>
@@ -4362,8 +4364,9 @@
                   <a:srgbClr val="000000"/>
                 </a:solidFill>
                 <a:latin typeface="Corbel"/>
+                <a:ea typeface="DejaVu Sans"/>
               </a:rPr>
-              <a:t>By the frontbenchers;</a:t>
+              <a:t>By the frontBenchers.</a:t>
             </a:r>
             <a:endParaRPr b="0" lang="en-IN" sz="2100" spc="-1" strike="noStrike">
               <a:latin typeface="Arial"/>
@@ -4387,6 +4390,7 @@
                   <a:srgbClr val="000000"/>
                 </a:solidFill>
                 <a:latin typeface="Corbel"/>
+                <a:ea typeface="DejaVu Sans"/>
               </a:rPr>
               <a:t>Pranav Bhatt, Sourav T Raveendran, Taher Taiyab Lokhandwala</a:t>
             </a:r>
@@ -4454,7 +4458,7 @@
         <p:spPr>
           <a:xfrm>
             <a:off x="1475640" y="102240"/>
-            <a:ext cx="10018080" cy="698040"/>
+            <a:ext cx="10017360" cy="697320"/>
           </a:xfrm>
           <a:prstGeom prst="rect">
             <a:avLst/>
@@ -4486,6 +4490,7 @@
                   <a:srgbClr val="000000"/>
                 </a:solidFill>
                 <a:latin typeface="Corbel"/>
+                <a:ea typeface="DejaVu Sans"/>
               </a:rPr>
               <a:t>After cleaning (size)</a:t>
             </a:r>
@@ -4504,7 +4509,7 @@
         <p:spPr>
           <a:xfrm>
             <a:off x="6643800" y="1253880"/>
-            <a:ext cx="3256200" cy="364320"/>
+            <a:ext cx="3255480" cy="363600"/>
           </a:xfrm>
           <a:prstGeom prst="rect">
             <a:avLst/>
@@ -4553,7 +4558,7 @@
         <p:spPr>
           <a:xfrm>
             <a:off x="3799080" y="5083560"/>
-            <a:ext cx="2521800" cy="364320"/>
+            <a:ext cx="2521080" cy="363600"/>
           </a:xfrm>
           <a:prstGeom prst="rect">
             <a:avLst/>
@@ -4606,7 +4611,7 @@
         <p:spPr>
           <a:xfrm>
             <a:off x="1343160" y="986400"/>
-            <a:ext cx="5553360" cy="3123360"/>
+            <a:ext cx="5552640" cy="3122640"/>
           </a:xfrm>
           <a:prstGeom prst="rect">
             <a:avLst/>
@@ -4629,7 +4634,7 @@
         <p:spPr>
           <a:xfrm>
             <a:off x="6383520" y="3517200"/>
-            <a:ext cx="5712120" cy="3212640"/>
+            <a:ext cx="5711400" cy="3211920"/>
           </a:xfrm>
           <a:prstGeom prst="rect">
             <a:avLst/>
@@ -4697,7 +4702,7 @@
         <p:spPr>
           <a:xfrm>
             <a:off x="1484280" y="685800"/>
-            <a:ext cx="10018080" cy="1751760"/>
+            <a:ext cx="10017360" cy="1751040"/>
           </a:xfrm>
           <a:prstGeom prst="rect">
             <a:avLst/>
@@ -4727,6 +4732,7 @@
                   <a:srgbClr val="000000"/>
                 </a:solidFill>
                 <a:latin typeface="Corbel"/>
+                <a:ea typeface="DejaVu Sans"/>
               </a:rPr>
               <a:t>Data Visualisation</a:t>
             </a:r>
@@ -4745,7 +4751,7 @@
         <p:spPr>
           <a:xfrm>
             <a:off x="1484280" y="2666880"/>
-            <a:ext cx="10018080" cy="3123360"/>
+            <a:ext cx="10017360" cy="3122640"/>
           </a:xfrm>
           <a:prstGeom prst="rect">
             <a:avLst/>
@@ -4782,6 +4788,7 @@
                 </a:solidFill>
                 <a:uFillTx/>
                 <a:latin typeface="Corbel"/>
+                <a:ea typeface="DejaVu Sans"/>
               </a:rPr>
               <a:t>1. Find out the most popular categories and what categories don’t have much competition:</a:t>
             </a:r>
@@ -4823,6 +4830,7 @@
                   <a:srgbClr val="000000"/>
                 </a:solidFill>
                 <a:latin typeface="Corbel"/>
+                <a:ea typeface="DejaVu Sans"/>
               </a:rPr>
               <a:t>We create a bar graph consisting of the category on the y axis, and the number of installs on the x axis</a:t>
             </a:r>
@@ -4848,6 +4856,7 @@
                   <a:srgbClr val="000000"/>
                 </a:solidFill>
                 <a:latin typeface="Corbel"/>
+                <a:ea typeface="DejaVu Sans"/>
               </a:rPr>
               <a:t>From this we see that Family, Games, and Tools are the most popular categories, in that order.</a:t>
             </a:r>
@@ -4915,7 +4924,7 @@
         <p:spPr>
           <a:xfrm>
             <a:off x="1475640" y="102240"/>
-            <a:ext cx="10018080" cy="698040"/>
+            <a:ext cx="10017360" cy="697320"/>
           </a:xfrm>
           <a:prstGeom prst="rect">
             <a:avLst/>
@@ -4947,6 +4956,7 @@
                   <a:srgbClr val="000000"/>
                 </a:solidFill>
                 <a:latin typeface="Corbel"/>
+                <a:ea typeface="DejaVu Sans"/>
               </a:rPr>
               <a:t>Data Visualisation</a:t>
             </a:r>
@@ -4965,7 +4975,7 @@
         <p:spPr>
           <a:xfrm>
             <a:off x="3843720" y="5083560"/>
-            <a:ext cx="2293200" cy="364320"/>
+            <a:ext cx="2292480" cy="363600"/>
           </a:xfrm>
           <a:prstGeom prst="rect">
             <a:avLst/>
@@ -5018,7 +5028,7 @@
         <p:spPr>
           <a:xfrm>
             <a:off x="2154960" y="966600"/>
-            <a:ext cx="8651880" cy="4978080"/>
+            <a:ext cx="8651160" cy="4977360"/>
           </a:xfrm>
           <a:prstGeom prst="rect">
             <a:avLst/>
@@ -5086,7 +5096,7 @@
         <p:spPr>
           <a:xfrm>
             <a:off x="1484280" y="685800"/>
-            <a:ext cx="10018080" cy="1751760"/>
+            <a:ext cx="10017360" cy="1751040"/>
           </a:xfrm>
           <a:prstGeom prst="rect">
             <a:avLst/>
@@ -5116,6 +5126,7 @@
                   <a:srgbClr val="000000"/>
                 </a:solidFill>
                 <a:latin typeface="Corbel"/>
+                <a:ea typeface="DejaVu Sans"/>
               </a:rPr>
               <a:t>Data Visualisation</a:t>
             </a:r>
@@ -5134,7 +5145,7 @@
         <p:spPr>
           <a:xfrm>
             <a:off x="1484280" y="2666880"/>
-            <a:ext cx="10018080" cy="3123360"/>
+            <a:ext cx="10017360" cy="3122640"/>
           </a:xfrm>
           <a:prstGeom prst="rect">
             <a:avLst/>
@@ -5171,6 +5182,7 @@
                 </a:solidFill>
                 <a:uFillTx/>
                 <a:latin typeface="Corbel"/>
+                <a:ea typeface="DejaVu Sans"/>
               </a:rPr>
               <a:t>2. The distribution of apps and their ratings:</a:t>
             </a:r>
@@ -5212,6 +5224,7 @@
                   <a:srgbClr val="000000"/>
                 </a:solidFill>
                 <a:latin typeface="Corbel"/>
+                <a:ea typeface="DejaVu Sans"/>
               </a:rPr>
               <a:t>Similar to last time, we plot the number of apps on the y axis and the rating on the x axis.</a:t>
             </a:r>
@@ -5237,6 +5250,7 @@
                   <a:srgbClr val="000000"/>
                 </a:solidFill>
                 <a:latin typeface="Corbel"/>
+                <a:ea typeface="DejaVu Sans"/>
               </a:rPr>
               <a:t>We can see that most apps lie between 4 to 5  points.</a:t>
             </a:r>
@@ -5304,7 +5318,7 @@
         <p:spPr>
           <a:xfrm>
             <a:off x="1475640" y="102240"/>
-            <a:ext cx="10018080" cy="698040"/>
+            <a:ext cx="10017360" cy="697320"/>
           </a:xfrm>
           <a:prstGeom prst="rect">
             <a:avLst/>
@@ -5336,6 +5350,7 @@
                   <a:srgbClr val="000000"/>
                 </a:solidFill>
                 <a:latin typeface="Corbel"/>
+                <a:ea typeface="DejaVu Sans"/>
               </a:rPr>
               <a:t>Data Visualisation</a:t>
             </a:r>
@@ -5354,7 +5369,7 @@
         <p:spPr>
           <a:xfrm>
             <a:off x="3843720" y="5083560"/>
-            <a:ext cx="2293200" cy="364320"/>
+            <a:ext cx="2292480" cy="363600"/>
           </a:xfrm>
           <a:prstGeom prst="rect">
             <a:avLst/>
@@ -5407,7 +5422,7 @@
         <p:spPr>
           <a:xfrm>
             <a:off x="955440" y="2111760"/>
-            <a:ext cx="5639040" cy="3664080"/>
+            <a:ext cx="5638320" cy="3663360"/>
           </a:xfrm>
           <a:prstGeom prst="rect">
             <a:avLst/>
@@ -5430,7 +5445,7 @@
         <p:spPr>
           <a:xfrm>
             <a:off x="6746400" y="2111760"/>
-            <a:ext cx="5175000" cy="3664080"/>
+            <a:ext cx="5174280" cy="3663360"/>
           </a:xfrm>
           <a:prstGeom prst="rect">
             <a:avLst/>
@@ -5498,7 +5513,7 @@
         <p:spPr>
           <a:xfrm>
             <a:off x="1484280" y="685800"/>
-            <a:ext cx="10018080" cy="1751760"/>
+            <a:ext cx="10017360" cy="1751040"/>
           </a:xfrm>
           <a:prstGeom prst="rect">
             <a:avLst/>
@@ -5528,6 +5543,7 @@
                   <a:srgbClr val="000000"/>
                 </a:solidFill>
                 <a:latin typeface="Corbel"/>
+                <a:ea typeface="DejaVu Sans"/>
               </a:rPr>
               <a:t>Data Visualisation</a:t>
             </a:r>
@@ -5546,7 +5562,7 @@
         <p:spPr>
           <a:xfrm>
             <a:off x="1484280" y="2666880"/>
-            <a:ext cx="10018080" cy="3123360"/>
+            <a:ext cx="10017360" cy="3122640"/>
           </a:xfrm>
           <a:prstGeom prst="rect">
             <a:avLst/>
@@ -5583,6 +5599,7 @@
                 </a:solidFill>
                 <a:uFillTx/>
                 <a:latin typeface="Corbel"/>
+                <a:ea typeface="DejaVu Sans"/>
               </a:rPr>
               <a:t>3. Paid vs Free apps:</a:t>
             </a:r>
@@ -5624,6 +5641,7 @@
                   <a:srgbClr val="000000"/>
                 </a:solidFill>
                 <a:latin typeface="Corbel"/>
+                <a:ea typeface="DejaVu Sans"/>
               </a:rPr>
               <a:t>A simple pie chart that represents the proportion of paid vs free apps</a:t>
             </a:r>
@@ -5649,6 +5667,7 @@
                   <a:srgbClr val="000000"/>
                 </a:solidFill>
                 <a:latin typeface="Corbel"/>
+                <a:ea typeface="DejaVu Sans"/>
               </a:rPr>
               <a:t>We can see that only 7.4% are paid, and 92.6% are free!</a:t>
             </a:r>
@@ -5716,7 +5735,7 @@
         <p:spPr>
           <a:xfrm>
             <a:off x="1475640" y="102240"/>
-            <a:ext cx="10018080" cy="698040"/>
+            <a:ext cx="10017360" cy="697320"/>
           </a:xfrm>
           <a:prstGeom prst="rect">
             <a:avLst/>
@@ -5748,6 +5767,7 @@
                   <a:srgbClr val="000000"/>
                 </a:solidFill>
                 <a:latin typeface="Corbel"/>
+                <a:ea typeface="DejaVu Sans"/>
               </a:rPr>
               <a:t>Data Visualisation</a:t>
             </a:r>
@@ -5766,7 +5786,7 @@
         <p:spPr>
           <a:xfrm>
             <a:off x="3843720" y="5083560"/>
-            <a:ext cx="2293200" cy="364320"/>
+            <a:ext cx="2292480" cy="363600"/>
           </a:xfrm>
           <a:prstGeom prst="rect">
             <a:avLst/>
@@ -5819,7 +5839,7 @@
         <p:spPr>
           <a:xfrm>
             <a:off x="3587760" y="1886400"/>
-            <a:ext cx="5137200" cy="4141800"/>
+            <a:ext cx="5136480" cy="4141080"/>
           </a:xfrm>
           <a:prstGeom prst="rect">
             <a:avLst/>
@@ -5887,7 +5907,7 @@
         <p:spPr>
           <a:xfrm>
             <a:off x="1484280" y="685800"/>
-            <a:ext cx="10018080" cy="1751760"/>
+            <a:ext cx="10017360" cy="1751040"/>
           </a:xfrm>
           <a:prstGeom prst="rect">
             <a:avLst/>
@@ -5917,6 +5937,7 @@
                   <a:srgbClr val="000000"/>
                 </a:solidFill>
                 <a:latin typeface="Corbel"/>
+                <a:ea typeface="DejaVu Sans"/>
               </a:rPr>
               <a:t>Data Visualisation</a:t>
             </a:r>
@@ -5935,7 +5956,7 @@
         <p:spPr>
           <a:xfrm>
             <a:off x="1484280" y="2666880"/>
-            <a:ext cx="10018080" cy="3123360"/>
+            <a:ext cx="10017360" cy="3122640"/>
           </a:xfrm>
           <a:prstGeom prst="rect">
             <a:avLst/>
@@ -5972,6 +5993,7 @@
                 </a:solidFill>
                 <a:uFillTx/>
                 <a:latin typeface="Corbel"/>
+                <a:ea typeface="DejaVu Sans"/>
               </a:rPr>
               <a:t>4.Trusted App:</a:t>
             </a:r>
@@ -5997,6 +6019,7 @@
                   <a:srgbClr val="000000"/>
                 </a:solidFill>
                 <a:latin typeface="Corbel"/>
+                <a:ea typeface="DejaVu Sans"/>
               </a:rPr>
               <a:t>Aims to assign a score of ‘trust’ to apps to see how much you can trust the reviews, based solely on the number of reviews.</a:t>
             </a:r>
@@ -6080,7 +6103,7 @@
         <p:spPr>
           <a:xfrm>
             <a:off x="1475640" y="102240"/>
-            <a:ext cx="10018080" cy="698040"/>
+            <a:ext cx="10017360" cy="697320"/>
           </a:xfrm>
           <a:prstGeom prst="rect">
             <a:avLst/>
@@ -6112,6 +6135,7 @@
                   <a:srgbClr val="000000"/>
                 </a:solidFill>
                 <a:latin typeface="Corbel"/>
+                <a:ea typeface="DejaVu Sans"/>
               </a:rPr>
               <a:t>Data Visualisation</a:t>
             </a:r>
@@ -6134,7 +6158,7 @@
         <p:spPr>
           <a:xfrm>
             <a:off x="2303640" y="1936440"/>
-            <a:ext cx="2659320" cy="3408480"/>
+            <a:ext cx="2658600" cy="3407760"/>
           </a:xfrm>
           <a:prstGeom prst="rect">
             <a:avLst/>
@@ -6157,7 +6181,7 @@
         <p:spPr>
           <a:xfrm>
             <a:off x="6236280" y="1936440"/>
-            <a:ext cx="4666320" cy="3404160"/>
+            <a:ext cx="4665600" cy="3403440"/>
           </a:xfrm>
           <a:prstGeom prst="rect">
             <a:avLst/>
@@ -6225,7 +6249,7 @@
         <p:spPr>
           <a:xfrm>
             <a:off x="1475640" y="102240"/>
-            <a:ext cx="10018080" cy="698040"/>
+            <a:ext cx="10017360" cy="697320"/>
           </a:xfrm>
           <a:prstGeom prst="rect">
             <a:avLst/>
@@ -6257,6 +6281,7 @@
                   <a:srgbClr val="000000"/>
                 </a:solidFill>
                 <a:latin typeface="Corbel"/>
+                <a:ea typeface="DejaVu Sans"/>
               </a:rPr>
               <a:t>Column Co-Relations:</a:t>
             </a:r>
@@ -6279,7 +6304,7 @@
         <p:spPr>
           <a:xfrm>
             <a:off x="1440000" y="1152000"/>
-            <a:ext cx="5256000" cy="3311640"/>
+            <a:ext cx="5255280" cy="3310920"/>
           </a:xfrm>
           <a:prstGeom prst="rect">
             <a:avLst/>
@@ -6302,7 +6327,7 @@
         <p:spPr>
           <a:xfrm>
             <a:off x="6614640" y="2736360"/>
-            <a:ext cx="5265360" cy="3311640"/>
+            <a:ext cx="5264640" cy="3310920"/>
           </a:xfrm>
           <a:prstGeom prst="rect">
             <a:avLst/>
@@ -6370,7 +6395,7 @@
         <p:spPr>
           <a:xfrm>
             <a:off x="1484280" y="685800"/>
-            <a:ext cx="10018080" cy="1751760"/>
+            <a:ext cx="10017360" cy="1751040"/>
           </a:xfrm>
           <a:prstGeom prst="rect">
             <a:avLst/>
@@ -6400,6 +6425,7 @@
                   <a:srgbClr val="000000"/>
                 </a:solidFill>
                 <a:latin typeface="Corbel"/>
+                <a:ea typeface="DejaVu Sans"/>
               </a:rPr>
               <a:t>Intro to the dataset</a:t>
             </a:r>
@@ -6418,7 +6444,7 @@
         <p:spPr>
           <a:xfrm>
             <a:off x="1484280" y="2666880"/>
-            <a:ext cx="10018080" cy="3123360"/>
+            <a:ext cx="10017360" cy="3122640"/>
           </a:xfrm>
           <a:prstGeom prst="rect">
             <a:avLst/>
@@ -6437,7 +6463,7 @@
         <p:txBody>
           <a:bodyPr lIns="90000" rIns="90000" tIns="45000" bIns="45000" anchor="ctr"/>
           <a:p>
-            <a:pPr marL="285840" indent="-285120">
+            <a:pPr marL="285840" indent="-284400">
               <a:lnSpc>
                 <a:spcPct val="100000"/>
               </a:lnSpc>
@@ -6460,6 +6486,7 @@
                   <a:srgbClr val="000000"/>
                 </a:solidFill>
                 <a:latin typeface="Corbel"/>
+                <a:ea typeface="DejaVu Sans"/>
               </a:rPr>
               <a:t>The dataset consists of 10000+ android apps with columns specifying app name, rating, number of installs, number of reviews, size of app, price, etc</a:t>
             </a:r>
@@ -6468,7 +6495,7 @@
             </a:endParaRPr>
           </a:p>
           <a:p>
-            <a:pPr marL="285840" indent="-285120">
+            <a:pPr marL="285840" indent="-284400">
               <a:lnSpc>
                 <a:spcPct val="100000"/>
               </a:lnSpc>
@@ -6491,6 +6518,7 @@
                   <a:srgbClr val="000000"/>
                 </a:solidFill>
                 <a:latin typeface="Corbel"/>
+                <a:ea typeface="DejaVu Sans"/>
               </a:rPr>
               <a:t> </a:t>
             </a:r>
@@ -6500,8 +6528,9 @@
                   <a:srgbClr val="000000"/>
                 </a:solidFill>
                 <a:latin typeface="Corbel"/>
+                <a:ea typeface="DejaVu Sans"/>
               </a:rPr>
-              <a:t>Quite a few columns have inconsistent use of units, missing values and so on; quite a few which we have cleaned depending on cleaning.</a:t>
+              <a:t>Quite a few columns have inconsistent use of units, missing values and so on and require cleaning.</a:t>
             </a:r>
             <a:endParaRPr b="0" lang="en-IN" sz="2400" spc="-1" strike="noStrike">
               <a:latin typeface="Arial"/>
@@ -6567,7 +6596,7 @@
         <p:spPr>
           <a:xfrm>
             <a:off x="1475640" y="102240"/>
-            <a:ext cx="10018080" cy="698040"/>
+            <a:ext cx="10017360" cy="697320"/>
           </a:xfrm>
           <a:prstGeom prst="rect">
             <a:avLst/>
@@ -6599,6 +6628,7 @@
                   <a:srgbClr val="000000"/>
                 </a:solidFill>
                 <a:latin typeface="Corbel"/>
+                <a:ea typeface="DejaVu Sans"/>
               </a:rPr>
               <a:t>Hypothesis Testing:</a:t>
             </a:r>
@@ -6610,14 +6640,14 @@
       </p:sp>
       <p:sp>
         <p:nvSpPr>
-          <p:cNvPr id="152" name="TextShape 2"/>
-          <p:cNvSpPr txBox="1"/>
+          <p:cNvPr id="152" name="CustomShape 2"/>
+          <p:cNvSpPr/>
           <p:nvPr/>
         </p:nvSpPr>
         <p:spPr>
           <a:xfrm>
             <a:off x="1656000" y="1140120"/>
-            <a:ext cx="10080000" cy="4907880"/>
+            <a:ext cx="10079280" cy="4907160"/>
           </a:xfrm>
           <a:prstGeom prst="rect">
             <a:avLst/>
@@ -6627,82 +6657,157 @@
             <a:noFill/>
           </a:ln>
         </p:spPr>
+        <p:style>
+          <a:lnRef idx="0"/>
+          <a:fillRef idx="0"/>
+          <a:effectRef idx="0"/>
+          <a:fontRef idx="minor"/>
+        </p:style>
         <p:txBody>
           <a:bodyPr lIns="90000" rIns="90000" tIns="45000" bIns="45000"/>
           <a:p>
+            <a:pPr>
+              <a:lnSpc>
+                <a:spcPct val="100000"/>
+              </a:lnSpc>
+            </a:pPr>
             <a:r>
               <a:rPr b="0" lang="en-IN" sz="2600" spc="-1" strike="noStrike">
+                <a:solidFill>
+                  <a:srgbClr val="000000"/>
+                </a:solidFill>
                 <a:latin typeface="Corbel"/>
+                <a:ea typeface="DejaVu Sans"/>
               </a:rPr>
               <a:t>Is the average rating for all apps greater than 4 stars ?</a:t>
             </a:r>
             <a:endParaRPr b="0" lang="en-IN" sz="2600" spc="-1" strike="noStrike">
-              <a:latin typeface="Corbel"/>
-            </a:endParaRPr>
-          </a:p>
-          <a:p>
+              <a:latin typeface="Arial"/>
+            </a:endParaRPr>
+          </a:p>
+          <a:p>
+            <a:pPr>
+              <a:lnSpc>
+                <a:spcPct val="100000"/>
+              </a:lnSpc>
+            </a:pPr>
             <a:endParaRPr b="0" lang="en-IN" sz="2600" spc="-1" strike="noStrike">
-              <a:latin typeface="Corbel"/>
-            </a:endParaRPr>
-          </a:p>
-          <a:p>
+              <a:latin typeface="Arial"/>
+            </a:endParaRPr>
+          </a:p>
+          <a:p>
+            <a:pPr>
+              <a:lnSpc>
+                <a:spcPct val="100000"/>
+              </a:lnSpc>
+            </a:pPr>
             <a:r>
               <a:rPr b="0" lang="en-IN" sz="2000" spc="-1" strike="noStrike">
+                <a:solidFill>
+                  <a:srgbClr val="000000"/>
+                </a:solidFill>
                 <a:latin typeface="Corbel"/>
+                <a:ea typeface="DejaVu Sans"/>
               </a:rPr>
               <a:t>Null Hypothesis :  x̄ = 4</a:t>
             </a:r>
             <a:endParaRPr b="0" lang="en-IN" sz="2000" spc="-1" strike="noStrike">
-              <a:latin typeface="Corbel"/>
-            </a:endParaRPr>
-          </a:p>
-          <a:p>
+              <a:latin typeface="Arial"/>
+            </a:endParaRPr>
+          </a:p>
+          <a:p>
+            <a:pPr>
+              <a:lnSpc>
+                <a:spcPct val="100000"/>
+              </a:lnSpc>
+            </a:pPr>
             <a:r>
               <a:rPr b="0" lang="en-IN" sz="2000" spc="-1" strike="noStrike">
+                <a:solidFill>
+                  <a:srgbClr val="000000"/>
+                </a:solidFill>
                 <a:latin typeface="Corbel"/>
+                <a:ea typeface="DejaVu Sans"/>
               </a:rPr>
               <a:t>Alternate Hypothesis :  x̄ &gt; 4</a:t>
             </a:r>
             <a:endParaRPr b="0" lang="en-IN" sz="2000" spc="-1" strike="noStrike">
-              <a:latin typeface="Corbel"/>
-            </a:endParaRPr>
-          </a:p>
-          <a:p>
+              <a:latin typeface="Arial"/>
+            </a:endParaRPr>
+          </a:p>
+          <a:p>
+            <a:pPr>
+              <a:lnSpc>
+                <a:spcPct val="100000"/>
+              </a:lnSpc>
+            </a:pPr>
             <a:endParaRPr b="0" lang="en-IN" sz="2000" spc="-1" strike="noStrike">
-              <a:latin typeface="Corbel"/>
-            </a:endParaRPr>
-          </a:p>
-          <a:p>
+              <a:latin typeface="Arial"/>
+            </a:endParaRPr>
+          </a:p>
+          <a:p>
+            <a:pPr>
+              <a:lnSpc>
+                <a:spcPct val="100000"/>
+              </a:lnSpc>
+            </a:pPr>
             <a:r>
               <a:rPr b="0" lang="en-IN" sz="2000" spc="-1" strike="noStrike">
+                <a:solidFill>
+                  <a:srgbClr val="000000"/>
+                </a:solidFill>
                 <a:latin typeface="Corbel"/>
+                <a:ea typeface="DejaVu Sans"/>
               </a:rPr>
               <a:t>Population Mean = 4.192953</a:t>
             </a:r>
             <a:endParaRPr b="0" lang="en-IN" sz="2000" spc="-1" strike="noStrike">
-              <a:latin typeface="Corbel"/>
-            </a:endParaRPr>
-          </a:p>
-          <a:p>
+              <a:latin typeface="Arial"/>
+            </a:endParaRPr>
+          </a:p>
+          <a:p>
+            <a:pPr>
+              <a:lnSpc>
+                <a:spcPct val="100000"/>
+              </a:lnSpc>
+            </a:pPr>
             <a:r>
               <a:rPr b="0" lang="en-IN" sz="2000" spc="-1" strike="noStrike">
+                <a:solidFill>
+                  <a:srgbClr val="000000"/>
+                </a:solidFill>
                 <a:latin typeface="Corbel"/>
+                <a:ea typeface="DejaVu Sans"/>
               </a:rPr>
               <a:t>Standard Deviation = 0.479089</a:t>
             </a:r>
             <a:endParaRPr b="0" lang="en-IN" sz="2000" spc="-1" strike="noStrike">
-              <a:latin typeface="Corbel"/>
-            </a:endParaRPr>
-          </a:p>
-          <a:p>
+              <a:latin typeface="Arial"/>
+            </a:endParaRPr>
+          </a:p>
+          <a:p>
+            <a:pPr>
+              <a:lnSpc>
+                <a:spcPct val="100000"/>
+              </a:lnSpc>
+            </a:pPr>
             <a:endParaRPr b="0" lang="en-IN" sz="2000" spc="-1" strike="noStrike">
-              <a:latin typeface="Corbel"/>
-            </a:endParaRPr>
-          </a:p>
-          <a:p>
+              <a:latin typeface="Arial"/>
+            </a:endParaRPr>
+          </a:p>
+          <a:p>
+            <a:pPr>
+              <a:lnSpc>
+                <a:spcPct val="100000"/>
+              </a:lnSpc>
+            </a:pPr>
             <a:r>
               <a:rPr b="0" lang="en-IN" sz="2000" spc="-1" strike="noStrike">
+                <a:solidFill>
+                  <a:srgbClr val="000000"/>
+                </a:solidFill>
                 <a:latin typeface="Corbel"/>
+                <a:ea typeface="DejaVu Sans"/>
               </a:rPr>
               <a:t>Z-Score = (4 - 4.192953) / 0.47908</a:t>
             </a:r>
@@ -6711,27 +6816,48 @@
             </a:endParaRPr>
           </a:p>
           <a:p>
+            <a:pPr>
+              <a:lnSpc>
+                <a:spcPct val="100000"/>
+              </a:lnSpc>
+            </a:pPr>
             <a:r>
               <a:rPr b="0" lang="en-IN" sz="2000" spc="-1" strike="noStrike">
+                <a:solidFill>
+                  <a:srgbClr val="000000"/>
+                </a:solidFill>
                 <a:latin typeface="Corbel"/>
+                <a:ea typeface="DejaVu Sans"/>
               </a:rPr>
               <a:t>	</a:t>
             </a:r>
             <a:r>
               <a:rPr b="0" lang="en-IN" sz="2000" spc="-1" strike="noStrike">
+                <a:solidFill>
+                  <a:srgbClr val="000000"/>
+                </a:solidFill>
                 <a:latin typeface="Corbel"/>
+                <a:ea typeface="DejaVu Sans"/>
               </a:rPr>
               <a:t>	</a:t>
             </a:r>
             <a:r>
               <a:rPr b="0" lang="en-IN" sz="2000" spc="-1" strike="noStrike">
+                <a:solidFill>
+                  <a:srgbClr val="000000"/>
+                </a:solidFill>
                 <a:latin typeface="Corbel"/>
+                <a:ea typeface="DejaVu Sans"/>
               </a:rPr>
               <a:t>  </a:t>
             </a:r>
             <a:r>
               <a:rPr b="0" lang="en-IN" sz="2000" spc="-1" strike="noStrike">
+                <a:solidFill>
+                  <a:srgbClr val="000000"/>
+                </a:solidFill>
                 <a:latin typeface="Corbel"/>
+                <a:ea typeface="DejaVu Sans"/>
               </a:rPr>
               <a:t>= -0.40276</a:t>
             </a:r>
@@ -6740,14 +6866,28 @@
             </a:endParaRPr>
           </a:p>
           <a:p>
+            <a:pPr>
+              <a:lnSpc>
+                <a:spcPct val="100000"/>
+              </a:lnSpc>
+            </a:pPr>
             <a:endParaRPr b="0" lang="en-IN" sz="2000" spc="-1" strike="noStrike">
               <a:latin typeface="Arial"/>
             </a:endParaRPr>
           </a:p>
           <a:p>
+            <a:pPr>
+              <a:lnSpc>
+                <a:spcPct val="100000"/>
+              </a:lnSpc>
+            </a:pPr>
             <a:r>
               <a:rPr b="0" lang="en-IN" sz="2000" spc="-1" strike="noStrike">
+                <a:solidFill>
+                  <a:srgbClr val="000000"/>
+                </a:solidFill>
                 <a:latin typeface="Corbel"/>
+                <a:ea typeface="DejaVu Sans"/>
               </a:rPr>
               <a:t>P-Value =  0.0344578</a:t>
             </a:r>
@@ -6756,14 +6896,28 @@
             </a:endParaRPr>
           </a:p>
           <a:p>
+            <a:pPr>
+              <a:lnSpc>
+                <a:spcPct val="100000"/>
+              </a:lnSpc>
+            </a:pPr>
             <a:endParaRPr b="0" lang="en-IN" sz="2000" spc="-1" strike="noStrike">
               <a:latin typeface="Arial"/>
             </a:endParaRPr>
           </a:p>
           <a:p>
+            <a:pPr>
+              <a:lnSpc>
+                <a:spcPct val="100000"/>
+              </a:lnSpc>
+            </a:pPr>
             <a:r>
               <a:rPr b="0" lang="en-IN" sz="2000" spc="-1" strike="noStrike">
+                <a:solidFill>
+                  <a:srgbClr val="000000"/>
+                </a:solidFill>
                 <a:latin typeface="Corbel"/>
+                <a:ea typeface="DejaVu Sans"/>
               </a:rPr>
               <a:t>We can reject the Null hypothesis that the mean rating is equal to 4 stars. There is strong evidence in support for the alternatine hypothesis that the mean rating is, in fact, higher than 4 stars.</a:t>
             </a:r>
@@ -6831,7 +6985,7 @@
         <p:spPr>
           <a:xfrm>
             <a:off x="1484280" y="685800"/>
-            <a:ext cx="10018080" cy="1751760"/>
+            <a:ext cx="10017360" cy="1751040"/>
           </a:xfrm>
           <a:prstGeom prst="rect">
             <a:avLst/>
@@ -6861,6 +7015,7 @@
                   <a:srgbClr val="000000"/>
                 </a:solidFill>
                 <a:latin typeface="Corbel"/>
+                <a:ea typeface="DejaVu Sans"/>
               </a:rPr>
               <a:t>Objectives</a:t>
             </a:r>
@@ -6879,7 +7034,7 @@
         <p:spPr>
           <a:xfrm>
             <a:off x="1484280" y="1939680"/>
-            <a:ext cx="10018080" cy="3850920"/>
+            <a:ext cx="10017360" cy="3850200"/>
           </a:xfrm>
           <a:prstGeom prst="rect">
             <a:avLst/>
@@ -6898,7 +7053,7 @@
         <p:txBody>
           <a:bodyPr lIns="90000" rIns="90000" tIns="45000" bIns="45000" anchor="ctr"/>
           <a:p>
-            <a:pPr marL="285840" indent="-285120">
+            <a:pPr marL="285840" indent="-284400">
               <a:lnSpc>
                 <a:spcPct val="100000"/>
               </a:lnSpc>
@@ -6921,6 +7076,7 @@
                   <a:srgbClr val="000000"/>
                 </a:solidFill>
                 <a:latin typeface="Corbel"/>
+                <a:ea typeface="DejaVu Sans"/>
               </a:rPr>
               <a:t>Find out the most popular categories and what categories don’t have much competition</a:t>
             </a:r>
@@ -6929,7 +7085,7 @@
             </a:endParaRPr>
           </a:p>
           <a:p>
-            <a:pPr marL="285840" indent="-285120">
+            <a:pPr marL="285840" indent="-284400">
               <a:lnSpc>
                 <a:spcPct val="100000"/>
               </a:lnSpc>
@@ -6952,6 +7108,7 @@
                   <a:srgbClr val="000000"/>
                 </a:solidFill>
                 <a:latin typeface="Corbel"/>
+                <a:ea typeface="DejaVu Sans"/>
               </a:rPr>
               <a:t>Graph the frequencies of the ratings to show general trends</a:t>
             </a:r>
@@ -6960,7 +7117,7 @@
             </a:endParaRPr>
           </a:p>
           <a:p>
-            <a:pPr marL="285840" indent="-285120">
+            <a:pPr marL="285840" indent="-284400">
               <a:lnSpc>
                 <a:spcPct val="100000"/>
               </a:lnSpc>
@@ -6983,6 +7140,7 @@
                   <a:srgbClr val="000000"/>
                 </a:solidFill>
                 <a:latin typeface="Corbel"/>
+                <a:ea typeface="DejaVu Sans"/>
               </a:rPr>
               <a:t>Number of installs vs number of reviews to show how the ratio changes as the installs increase</a:t>
             </a:r>
@@ -6991,7 +7149,7 @@
             </a:endParaRPr>
           </a:p>
           <a:p>
-            <a:pPr marL="285840" indent="-285120">
+            <a:pPr marL="285840" indent="-284400">
               <a:lnSpc>
                 <a:spcPct val="100000"/>
               </a:lnSpc>
@@ -7014,6 +7172,7 @@
                   <a:srgbClr val="000000"/>
                 </a:solidFill>
                 <a:latin typeface="Corbel"/>
+                <a:ea typeface="DejaVu Sans"/>
               </a:rPr>
               <a:t>Pie chart of paid vs free apps</a:t>
             </a:r>
@@ -7022,7 +7181,7 @@
             </a:endParaRPr>
           </a:p>
           <a:p>
-            <a:pPr marL="285840" indent="-285120">
+            <a:pPr marL="285840" indent="-284400">
               <a:lnSpc>
                 <a:spcPct val="100000"/>
               </a:lnSpc>
@@ -7045,6 +7204,7 @@
                   <a:srgbClr val="000000"/>
                 </a:solidFill>
                 <a:latin typeface="Corbel"/>
+                <a:ea typeface="DejaVu Sans"/>
               </a:rPr>
               <a:t>Our take on apps with reviews that you can trust</a:t>
             </a:r>
@@ -7112,7 +7272,7 @@
         <p:spPr>
           <a:xfrm>
             <a:off x="1484280" y="685800"/>
-            <a:ext cx="10018080" cy="990000"/>
+            <a:ext cx="10017360" cy="989280"/>
           </a:xfrm>
           <a:prstGeom prst="rect">
             <a:avLst/>
@@ -7142,6 +7302,7 @@
                   <a:srgbClr val="000000"/>
                 </a:solidFill>
                 <a:latin typeface="Corbel"/>
+                <a:ea typeface="DejaVu Sans"/>
               </a:rPr>
               <a:t>Data Cleaning</a:t>
             </a:r>
@@ -7160,7 +7321,7 @@
         <p:spPr>
           <a:xfrm>
             <a:off x="1484280" y="2666880"/>
-            <a:ext cx="10018080" cy="3123360"/>
+            <a:ext cx="10017360" cy="3122640"/>
           </a:xfrm>
           <a:prstGeom prst="rect">
             <a:avLst/>
@@ -7181,7 +7342,7 @@
             <a:normAutofit/>
           </a:bodyPr>
           <a:p>
-            <a:pPr marL="285840" indent="-285120">
+            <a:pPr marL="285840" indent="-284400">
               <a:lnSpc>
                 <a:spcPct val="100000"/>
               </a:lnSpc>
@@ -7204,6 +7365,7 @@
                   <a:srgbClr val="000000"/>
                 </a:solidFill>
                 <a:latin typeface="Corbel"/>
+                <a:ea typeface="DejaVu Sans"/>
               </a:rPr>
               <a:t>Size column: We converted KB to MB and replaced “varies with device” with NaN</a:t>
             </a:r>
@@ -7212,7 +7374,7 @@
             </a:endParaRPr>
           </a:p>
           <a:p>
-            <a:pPr marL="285840" indent="-285120">
+            <a:pPr marL="285840" indent="-284400">
               <a:lnSpc>
                 <a:spcPct val="100000"/>
               </a:lnSpc>
@@ -7235,6 +7397,7 @@
                   <a:srgbClr val="000000"/>
                 </a:solidFill>
                 <a:latin typeface="Corbel"/>
+                <a:ea typeface="DejaVu Sans"/>
               </a:rPr>
               <a:t>Installs column: Removed ‘+’ and commas that occurred in the columns</a:t>
             </a:r>
@@ -7243,7 +7406,7 @@
             </a:endParaRPr>
           </a:p>
           <a:p>
-            <a:pPr marL="285840" indent="-285120">
+            <a:pPr marL="285840" indent="-284400">
               <a:lnSpc>
                 <a:spcPct val="100000"/>
               </a:lnSpc>
@@ -7266,6 +7429,7 @@
                   <a:srgbClr val="000000"/>
                 </a:solidFill>
                 <a:latin typeface="Corbel"/>
+                <a:ea typeface="DejaVu Sans"/>
               </a:rPr>
               <a:t>Price column: Removed dollar symbol</a:t>
             </a:r>
@@ -7274,7 +7438,7 @@
             </a:endParaRPr>
           </a:p>
           <a:p>
-            <a:pPr marL="285840" indent="-285120">
+            <a:pPr marL="285840" indent="-284400">
               <a:lnSpc>
                 <a:spcPct val="100000"/>
               </a:lnSpc>
@@ -7297,6 +7461,7 @@
                   <a:srgbClr val="000000"/>
                 </a:solidFill>
                 <a:latin typeface="Corbel"/>
+                <a:ea typeface="DejaVu Sans"/>
               </a:rPr>
               <a:t>Sorted the dataframe based on ‘Category’ column</a:t>
             </a:r>
@@ -7380,7 +7545,7 @@
         <p:spPr>
           <a:xfrm>
             <a:off x="1484280" y="685800"/>
-            <a:ext cx="10018080" cy="1821240"/>
+            <a:ext cx="10017360" cy="1820520"/>
           </a:xfrm>
           <a:prstGeom prst="rect">
             <a:avLst/>
@@ -7410,6 +7575,7 @@
                   <a:srgbClr val="000000"/>
                 </a:solidFill>
                 <a:latin typeface="Corbel"/>
+                <a:ea typeface="DejaVu Sans"/>
               </a:rPr>
               <a:t>Data Cleaning</a:t>
             </a:r>
@@ -7428,7 +7594,7 @@
         <p:spPr>
           <a:xfrm>
             <a:off x="1484280" y="2666880"/>
-            <a:ext cx="10018080" cy="2375280"/>
+            <a:ext cx="10017360" cy="2374560"/>
           </a:xfrm>
           <a:prstGeom prst="rect">
             <a:avLst/>
@@ -7449,7 +7615,7 @@
             <a:normAutofit/>
           </a:bodyPr>
           <a:p>
-            <a:pPr marL="285840" indent="-285120">
+            <a:pPr marL="285840" indent="-284400">
               <a:lnSpc>
                 <a:spcPct val="100000"/>
               </a:lnSpc>
@@ -7472,6 +7638,7 @@
                   <a:srgbClr val="000000"/>
                 </a:solidFill>
                 <a:latin typeface="Corbel"/>
+                <a:ea typeface="DejaVu Sans"/>
               </a:rPr>
               <a:t>We then also replaced the NaN values with respective mean in the Size and Rating columns, rounding to 1 decimal place.</a:t>
             </a:r>
@@ -7480,7 +7647,7 @@
             </a:endParaRPr>
           </a:p>
           <a:p>
-            <a:pPr marL="285840" indent="-285120">
+            <a:pPr marL="285840" indent="-284400">
               <a:lnSpc>
                 <a:spcPct val="100000"/>
               </a:lnSpc>
@@ -7503,6 +7670,7 @@
                   <a:srgbClr val="000000"/>
                 </a:solidFill>
                 <a:latin typeface="Corbel"/>
+                <a:ea typeface="DejaVu Sans"/>
               </a:rPr>
               <a:t>Converted number of reviews, installs, price to numeric</a:t>
             </a:r>
@@ -7511,7 +7679,7 @@
             </a:endParaRPr>
           </a:p>
           <a:p>
-            <a:pPr marL="285840" indent="-285120">
+            <a:pPr marL="285840" indent="-284400">
               <a:lnSpc>
                 <a:spcPct val="100000"/>
               </a:lnSpc>
@@ -7534,6 +7702,7 @@
                   <a:srgbClr val="000000"/>
                 </a:solidFill>
                 <a:latin typeface="Corbel"/>
+                <a:ea typeface="DejaVu Sans"/>
               </a:rPr>
               <a:t>Converted the version of the apps to only represent major version iterations, and ignored minor version changes</a:t>
             </a:r>
@@ -7601,7 +7770,7 @@
         <p:spPr>
           <a:xfrm>
             <a:off x="1475640" y="102240"/>
-            <a:ext cx="10018080" cy="698040"/>
+            <a:ext cx="10017360" cy="697320"/>
           </a:xfrm>
           <a:prstGeom prst="rect">
             <a:avLst/>
@@ -7633,6 +7802,7 @@
                   <a:srgbClr val="000000"/>
                 </a:solidFill>
                 <a:latin typeface="Corbel"/>
+                <a:ea typeface="DejaVu Sans"/>
               </a:rPr>
               <a:t>Before cleaning</a:t>
             </a:r>
@@ -7644,7 +7814,7 @@
       </p:sp>
       <p:pic>
         <p:nvPicPr>
-          <p:cNvPr id="108" name="Content Placeholder 3" descr=""/>
+          <p:cNvPr id="108" name="" descr=""/>
           <p:cNvPicPr/>
           <p:nvPr/>
         </p:nvPicPr>
@@ -7654,8 +7824,8 @@
         </p:blipFill>
         <p:spPr>
           <a:xfrm>
-            <a:off x="1943280" y="1132200"/>
-            <a:ext cx="9082440" cy="5108400"/>
+            <a:off x="1440000" y="936000"/>
+            <a:ext cx="10327680" cy="5112000"/>
           </a:xfrm>
           <a:prstGeom prst="rect">
             <a:avLst/>
@@ -7723,7 +7893,7 @@
         <p:spPr>
           <a:xfrm>
             <a:off x="1475640" y="102240"/>
-            <a:ext cx="10018080" cy="698040"/>
+            <a:ext cx="10017360" cy="697320"/>
           </a:xfrm>
           <a:prstGeom prst="rect">
             <a:avLst/>
@@ -7755,6 +7925,7 @@
                   <a:srgbClr val="000000"/>
                 </a:solidFill>
                 <a:latin typeface="Corbel"/>
+                <a:ea typeface="DejaVu Sans"/>
               </a:rPr>
               <a:t>After cleaning (installs)</a:t>
             </a:r>
@@ -7777,7 +7948,7 @@
         <p:spPr>
           <a:xfrm>
             <a:off x="111240" y="890280"/>
-            <a:ext cx="6544080" cy="3681000"/>
+            <a:ext cx="6543360" cy="3680280"/>
           </a:xfrm>
           <a:prstGeom prst="rect">
             <a:avLst/>
@@ -7800,7 +7971,7 @@
         <p:spPr>
           <a:xfrm>
             <a:off x="6031080" y="3378960"/>
-            <a:ext cx="6060600" cy="3408840"/>
+            <a:ext cx="6059880" cy="3408120"/>
           </a:xfrm>
           <a:prstGeom prst="rect">
             <a:avLst/>
@@ -7819,7 +7990,7 @@
         <p:spPr>
           <a:xfrm>
             <a:off x="6742800" y="1253880"/>
-            <a:ext cx="1662120" cy="364320"/>
+            <a:ext cx="1661400" cy="363600"/>
           </a:xfrm>
           <a:prstGeom prst="rect">
             <a:avLst/>
@@ -7868,7 +8039,7 @@
         <p:spPr>
           <a:xfrm>
             <a:off x="3843720" y="5083560"/>
-            <a:ext cx="2293200" cy="364320"/>
+            <a:ext cx="2292480" cy="363600"/>
           </a:xfrm>
           <a:prstGeom prst="rect">
             <a:avLst/>
@@ -7966,7 +8137,7 @@
         <p:spPr>
           <a:xfrm>
             <a:off x="1475640" y="102240"/>
-            <a:ext cx="10018080" cy="698040"/>
+            <a:ext cx="10017360" cy="697320"/>
           </a:xfrm>
           <a:prstGeom prst="rect">
             <a:avLst/>
@@ -7998,6 +8169,7 @@
                   <a:srgbClr val="000000"/>
                 </a:solidFill>
                 <a:latin typeface="Corbel"/>
+                <a:ea typeface="DejaVu Sans"/>
               </a:rPr>
               <a:t>After cleaning (price)</a:t>
             </a:r>
@@ -8016,7 +8188,7 @@
         <p:spPr>
           <a:xfrm>
             <a:off x="7561080" y="3501000"/>
-            <a:ext cx="2870640" cy="364320"/>
+            <a:ext cx="2869920" cy="363600"/>
           </a:xfrm>
           <a:prstGeom prst="rect">
             <a:avLst/>
@@ -8065,7 +8237,7 @@
         <p:spPr>
           <a:xfrm>
             <a:off x="3843720" y="5083560"/>
-            <a:ext cx="2293200" cy="364320"/>
+            <a:ext cx="2292480" cy="363600"/>
           </a:xfrm>
           <a:prstGeom prst="rect">
             <a:avLst/>
@@ -8118,7 +8290,7 @@
         <p:spPr>
           <a:xfrm>
             <a:off x="1130040" y="2431800"/>
-            <a:ext cx="5553360" cy="3123360"/>
+            <a:ext cx="5552640" cy="3122640"/>
           </a:xfrm>
           <a:prstGeom prst="rect">
             <a:avLst/>
@@ -8186,7 +8358,7 @@
         <p:spPr>
           <a:xfrm>
             <a:off x="1475640" y="102240"/>
-            <a:ext cx="10018080" cy="698040"/>
+            <a:ext cx="10017360" cy="697320"/>
           </a:xfrm>
           <a:prstGeom prst="rect">
             <a:avLst/>
@@ -8218,6 +8390,7 @@
                   <a:srgbClr val="000000"/>
                 </a:solidFill>
                 <a:latin typeface="Corbel"/>
+                <a:ea typeface="DejaVu Sans"/>
               </a:rPr>
               <a:t>After cleaning (ratings)</a:t>
             </a:r>
@@ -8236,7 +8409,7 @@
         <p:spPr>
           <a:xfrm>
             <a:off x="6881760" y="3596760"/>
-            <a:ext cx="3637080" cy="638640"/>
+            <a:ext cx="3636360" cy="637920"/>
           </a:xfrm>
           <a:prstGeom prst="rect">
             <a:avLst/>
@@ -8305,7 +8478,7 @@
         <p:spPr>
           <a:xfrm>
             <a:off x="3843720" y="5083560"/>
-            <a:ext cx="2293200" cy="364320"/>
+            <a:ext cx="2292480" cy="363600"/>
           </a:xfrm>
           <a:prstGeom prst="rect">
             <a:avLst/>
@@ -8358,7 +8531,7 @@
         <p:spPr>
           <a:xfrm>
             <a:off x="930960" y="2328840"/>
-            <a:ext cx="5553360" cy="3123360"/>
+            <a:ext cx="5552640" cy="3122640"/>
           </a:xfrm>
           <a:prstGeom prst="rect">
             <a:avLst/>
